--- a/presentation/multimodal_presentation_2025-06-13.pptx
+++ b/presentation/multimodal_presentation_2025-06-13.pptx
@@ -6,29 +6,31 @@
   </p:sldMasterIdLst>
   <p:sldIdLst>
     <p:sldId id="256" r:id="rId2"/>
-    <p:sldId id="258" r:id="rId3"/>
-    <p:sldId id="269" r:id="rId4"/>
-    <p:sldId id="257" r:id="rId5"/>
-    <p:sldId id="270" r:id="rId6"/>
-    <p:sldId id="268" r:id="rId7"/>
-    <p:sldId id="259" r:id="rId8"/>
-    <p:sldId id="260" r:id="rId9"/>
-    <p:sldId id="261" r:id="rId10"/>
-    <p:sldId id="262" r:id="rId11"/>
-    <p:sldId id="263" r:id="rId12"/>
-    <p:sldId id="264" r:id="rId13"/>
-    <p:sldId id="265" r:id="rId14"/>
-    <p:sldId id="266" r:id="rId15"/>
-    <p:sldId id="275" r:id="rId16"/>
-    <p:sldId id="274" r:id="rId17"/>
-    <p:sldId id="276" r:id="rId18"/>
-    <p:sldId id="278" r:id="rId19"/>
-    <p:sldId id="273" r:id="rId20"/>
-    <p:sldId id="277" r:id="rId21"/>
-    <p:sldId id="280" r:id="rId22"/>
-    <p:sldId id="271" r:id="rId23"/>
-    <p:sldId id="267" r:id="rId24"/>
-    <p:sldId id="279" r:id="rId25"/>
+    <p:sldId id="282" r:id="rId3"/>
+    <p:sldId id="258" r:id="rId4"/>
+    <p:sldId id="269" r:id="rId5"/>
+    <p:sldId id="257" r:id="rId6"/>
+    <p:sldId id="270" r:id="rId7"/>
+    <p:sldId id="268" r:id="rId8"/>
+    <p:sldId id="259" r:id="rId9"/>
+    <p:sldId id="260" r:id="rId10"/>
+    <p:sldId id="261" r:id="rId11"/>
+    <p:sldId id="262" r:id="rId12"/>
+    <p:sldId id="263" r:id="rId13"/>
+    <p:sldId id="264" r:id="rId14"/>
+    <p:sldId id="265" r:id="rId15"/>
+    <p:sldId id="266" r:id="rId16"/>
+    <p:sldId id="275" r:id="rId17"/>
+    <p:sldId id="274" r:id="rId18"/>
+    <p:sldId id="276" r:id="rId19"/>
+    <p:sldId id="278" r:id="rId20"/>
+    <p:sldId id="273" r:id="rId21"/>
+    <p:sldId id="277" r:id="rId22"/>
+    <p:sldId id="280" r:id="rId23"/>
+    <p:sldId id="271" r:id="rId24"/>
+    <p:sldId id="267" r:id="rId25"/>
+    <p:sldId id="281" r:id="rId26"/>
+    <p:sldId id="279" r:id="rId27"/>
   </p:sldIdLst>
   <p:sldSz cx="12192000" cy="6858000"/>
   <p:notesSz cx="6858000" cy="9144000"/>
@@ -7830,7 +7832,7 @@
           <a:p>
             <a:fld id="{C7CC6C92-58B5-43F2-BD54-2EC2032433AD}" type="datetimeFigureOut">
               <a:rPr lang="en-CA" smtClean="0"/>
-              <a:t>2025-06-14</a:t>
+              <a:t>2025-06-16</a:t>
             </a:fld>
             <a:endParaRPr lang="en-CA"/>
           </a:p>
@@ -8081,7 +8083,7 @@
           <a:p>
             <a:fld id="{C7CC6C92-58B5-43F2-BD54-2EC2032433AD}" type="datetimeFigureOut">
               <a:rPr lang="en-CA" smtClean="0"/>
-              <a:t>2025-06-14</a:t>
+              <a:t>2025-06-16</a:t>
             </a:fld>
             <a:endParaRPr lang="en-CA"/>
           </a:p>
@@ -8395,7 +8397,7 @@
           <a:p>
             <a:fld id="{C7CC6C92-58B5-43F2-BD54-2EC2032433AD}" type="datetimeFigureOut">
               <a:rPr lang="en-CA" smtClean="0"/>
-              <a:t>2025-06-14</a:t>
+              <a:t>2025-06-16</a:t>
             </a:fld>
             <a:endParaRPr lang="en-CA"/>
           </a:p>
@@ -8736,7 +8738,7 @@
           <a:p>
             <a:fld id="{C7CC6C92-58B5-43F2-BD54-2EC2032433AD}" type="datetimeFigureOut">
               <a:rPr lang="en-CA" smtClean="0"/>
-              <a:t>2025-06-14</a:t>
+              <a:t>2025-06-16</a:t>
             </a:fld>
             <a:endParaRPr lang="en-CA"/>
           </a:p>
@@ -9050,7 +9052,7 @@
           <a:p>
             <a:fld id="{C7CC6C92-58B5-43F2-BD54-2EC2032433AD}" type="datetimeFigureOut">
               <a:rPr lang="en-CA" smtClean="0"/>
-              <a:t>2025-06-14</a:t>
+              <a:t>2025-06-16</a:t>
             </a:fld>
             <a:endParaRPr lang="en-CA"/>
           </a:p>
@@ -9443,7 +9445,7 @@
           <a:p>
             <a:fld id="{C7CC6C92-58B5-43F2-BD54-2EC2032433AD}" type="datetimeFigureOut">
               <a:rPr lang="en-CA" smtClean="0"/>
-              <a:t>2025-06-14</a:t>
+              <a:t>2025-06-16</a:t>
             </a:fld>
             <a:endParaRPr lang="en-CA"/>
           </a:p>
@@ -9613,7 +9615,7 @@
           <a:p>
             <a:fld id="{C7CC6C92-58B5-43F2-BD54-2EC2032433AD}" type="datetimeFigureOut">
               <a:rPr lang="en-CA" smtClean="0"/>
-              <a:t>2025-06-14</a:t>
+              <a:t>2025-06-16</a:t>
             </a:fld>
             <a:endParaRPr lang="en-CA"/>
           </a:p>
@@ -9793,7 +9795,7 @@
           <a:p>
             <a:fld id="{C7CC6C92-58B5-43F2-BD54-2EC2032433AD}" type="datetimeFigureOut">
               <a:rPr lang="en-CA" smtClean="0"/>
-              <a:t>2025-06-14</a:t>
+              <a:t>2025-06-16</a:t>
             </a:fld>
             <a:endParaRPr lang="en-CA"/>
           </a:p>
@@ -9969,7 +9971,7 @@
           <a:p>
             <a:fld id="{C7CC6C92-58B5-43F2-BD54-2EC2032433AD}" type="datetimeFigureOut">
               <a:rPr lang="en-CA" smtClean="0"/>
-              <a:t>2025-06-14</a:t>
+              <a:t>2025-06-16</a:t>
             </a:fld>
             <a:endParaRPr lang="en-CA"/>
           </a:p>
@@ -10216,7 +10218,7 @@
           <a:p>
             <a:fld id="{C7CC6C92-58B5-43F2-BD54-2EC2032433AD}" type="datetimeFigureOut">
               <a:rPr lang="en-CA" smtClean="0"/>
-              <a:t>2025-06-14</a:t>
+              <a:t>2025-06-16</a:t>
             </a:fld>
             <a:endParaRPr lang="en-CA"/>
           </a:p>
@@ -10448,7 +10450,7 @@
           <a:p>
             <a:fld id="{C7CC6C92-58B5-43F2-BD54-2EC2032433AD}" type="datetimeFigureOut">
               <a:rPr lang="en-CA" smtClean="0"/>
-              <a:t>2025-06-14</a:t>
+              <a:t>2025-06-16</a:t>
             </a:fld>
             <a:endParaRPr lang="en-CA"/>
           </a:p>
@@ -10822,7 +10824,7 @@
           <a:p>
             <a:fld id="{C7CC6C92-58B5-43F2-BD54-2EC2032433AD}" type="datetimeFigureOut">
               <a:rPr lang="en-CA" smtClean="0"/>
-              <a:t>2025-06-14</a:t>
+              <a:t>2025-06-16</a:t>
             </a:fld>
             <a:endParaRPr lang="en-CA"/>
           </a:p>
@@ -10945,7 +10947,7 @@
           <a:p>
             <a:fld id="{C7CC6C92-58B5-43F2-BD54-2EC2032433AD}" type="datetimeFigureOut">
               <a:rPr lang="en-CA" smtClean="0"/>
-              <a:t>2025-06-14</a:t>
+              <a:t>2025-06-16</a:t>
             </a:fld>
             <a:endParaRPr lang="en-CA"/>
           </a:p>
@@ -11040,7 +11042,7 @@
           <a:p>
             <a:fld id="{C7CC6C92-58B5-43F2-BD54-2EC2032433AD}" type="datetimeFigureOut">
               <a:rPr lang="en-CA" smtClean="0"/>
-              <a:t>2025-06-14</a:t>
+              <a:t>2025-06-16</a:t>
             </a:fld>
             <a:endParaRPr lang="en-CA"/>
           </a:p>
@@ -11295,7 +11297,7 @@
           <a:p>
             <a:fld id="{C7CC6C92-58B5-43F2-BD54-2EC2032433AD}" type="datetimeFigureOut">
               <a:rPr lang="en-CA" smtClean="0"/>
-              <a:t>2025-06-14</a:t>
+              <a:t>2025-06-16</a:t>
             </a:fld>
             <a:endParaRPr lang="en-CA"/>
           </a:p>
@@ -11558,7 +11560,7 @@
           <a:p>
             <a:fld id="{C7CC6C92-58B5-43F2-BD54-2EC2032433AD}" type="datetimeFigureOut">
               <a:rPr lang="en-CA" smtClean="0"/>
-              <a:t>2025-06-14</a:t>
+              <a:t>2025-06-16</a:t>
             </a:fld>
             <a:endParaRPr lang="en-CA"/>
           </a:p>
@@ -12301,7 +12303,7 @@
           <a:p>
             <a:fld id="{C7CC6C92-58B5-43F2-BD54-2EC2032433AD}" type="datetimeFigureOut">
               <a:rPr lang="en-CA" smtClean="0"/>
-              <a:t>2025-06-14</a:t>
+              <a:t>2025-06-16</a:t>
             </a:fld>
             <a:endParaRPr lang="en-CA"/>
           </a:p>
@@ -12876,18 +12878,9 @@
           <a:lstStyle/>
           <a:p>
             <a:r>
-              <a:rPr lang="fr-CA" dirty="0"/>
-              <a:t>Multimodal </a:t>
-            </a:r>
-            <a:r>
-              <a:rPr lang="fr-CA" dirty="0" err="1"/>
-              <a:t>models</a:t>
-            </a:r>
-            <a:r>
-              <a:rPr lang="fr-CA" dirty="0"/>
-              <a:t> for a multimodal world</a:t>
-            </a:r>
-            <a:endParaRPr lang="en-CA" dirty="0"/>
+              <a:rPr lang="en-CA" noProof="0" dirty="0"/>
+              <a:t>Multimodal models for a multimodal world</a:t>
+            </a:r>
           </a:p>
         </p:txBody>
       </p:sp>
@@ -12905,6 +12898,343 @@
 </file>
 
 <file path=ppt/slides/slide10.xml><?xml version="1.0" encoding="utf-8"?>
+<p:sld xmlns:a="http://schemas.openxmlformats.org/drawingml/2006/main" xmlns:r="http://schemas.openxmlformats.org/officeDocument/2006/relationships" xmlns:p="http://schemas.openxmlformats.org/presentationml/2006/main">
+  <p:cSld>
+    <p:bg>
+      <p:bgPr>
+        <a:solidFill>
+          <a:schemeClr val="bg1"/>
+        </a:solidFill>
+        <a:effectLst/>
+      </p:bgPr>
+    </p:bg>
+    <p:spTree>
+      <p:nvGrpSpPr>
+        <p:cNvPr id="1" name="">
+          <a:extLst>
+            <a:ext uri="{FF2B5EF4-FFF2-40B4-BE49-F238E27FC236}">
+              <a16:creationId xmlns:a16="http://schemas.microsoft.com/office/drawing/2014/main" id="{EAFB5012-2CF0-88B4-AD3E-E2209C4B90BD}"/>
+            </a:ext>
+          </a:extLst>
+        </p:cNvPr>
+        <p:cNvGrpSpPr/>
+        <p:nvPr/>
+      </p:nvGrpSpPr>
+      <p:grpSpPr>
+        <a:xfrm>
+          <a:off x="0" y="0"/>
+          <a:ext cx="0" cy="0"/>
+          <a:chOff x="0" y="0"/>
+          <a:chExt cx="0" cy="0"/>
+        </a:xfrm>
+      </p:grpSpPr>
+      <p:sp>
+        <p:nvSpPr>
+          <p:cNvPr id="2" name="Title 1">
+            <a:extLst>
+              <a:ext uri="{FF2B5EF4-FFF2-40B4-BE49-F238E27FC236}">
+                <a16:creationId xmlns:a16="http://schemas.microsoft.com/office/drawing/2014/main" id="{0AEFD920-6123-706F-5980-55E1E3C56C2C}"/>
+              </a:ext>
+            </a:extLst>
+          </p:cNvPr>
+          <p:cNvSpPr>
+            <a:spLocks noGrp="1"/>
+          </p:cNvSpPr>
+          <p:nvPr>
+            <p:ph type="title"/>
+          </p:nvPr>
+        </p:nvSpPr>
+        <p:spPr>
+          <a:xfrm>
+            <a:off x="677334" y="609600"/>
+            <a:ext cx="8596668" cy="1320800"/>
+          </a:xfrm>
+        </p:spPr>
+        <p:txBody>
+          <a:bodyPr anchor="t">
+            <a:normAutofit/>
+          </a:bodyPr>
+          <a:lstStyle/>
+          <a:p>
+            <a:r>
+              <a:rPr lang="fr-CA" dirty="0" err="1"/>
+              <a:t>Zero</a:t>
+            </a:r>
+            <a:r>
+              <a:rPr lang="fr-CA" dirty="0"/>
+              <a:t>-shot classification</a:t>
+            </a:r>
+            <a:endParaRPr lang="en-CA" dirty="0"/>
+          </a:p>
+        </p:txBody>
+      </p:sp>
+      <p:sp>
+        <p:nvSpPr>
+          <p:cNvPr id="3" name="Content Placeholder 2">
+            <a:extLst>
+              <a:ext uri="{FF2B5EF4-FFF2-40B4-BE49-F238E27FC236}">
+                <a16:creationId xmlns:a16="http://schemas.microsoft.com/office/drawing/2014/main" id="{E0405225-BD76-9FCF-CCC6-DB11AE9E51E1}"/>
+              </a:ext>
+            </a:extLst>
+          </p:cNvPr>
+          <p:cNvSpPr>
+            <a:spLocks noGrp="1"/>
+          </p:cNvSpPr>
+          <p:nvPr>
+            <p:ph idx="1"/>
+          </p:nvPr>
+        </p:nvSpPr>
+        <p:spPr>
+          <a:xfrm>
+            <a:off x="677334" y="1500190"/>
+            <a:ext cx="5220430" cy="3701270"/>
+          </a:xfrm>
+        </p:spPr>
+        <p:txBody>
+          <a:bodyPr>
+            <a:noAutofit/>
+          </a:bodyPr>
+          <a:lstStyle/>
+          <a:p>
+            <a:pPr marL="0" indent="0">
+              <a:lnSpc>
+                <a:spcPct val="90000"/>
+              </a:lnSpc>
+              <a:buNone/>
+            </a:pPr>
+            <a:r>
+              <a:rPr lang="en-CA" sz="1600" noProof="0" dirty="0"/>
+              <a:t>Zero-shot classification is the act of using a model without specifically having trained it for your classification task.</a:t>
+            </a:r>
+          </a:p>
+          <a:p>
+            <a:pPr>
+              <a:lnSpc>
+                <a:spcPct val="90000"/>
+              </a:lnSpc>
+            </a:pPr>
+            <a:r>
+              <a:rPr lang="en-CA" sz="1600" noProof="0" dirty="0"/>
+              <a:t>A  typical use-case is to describe the content of an image using text</a:t>
+            </a:r>
+          </a:p>
+          <a:p>
+            <a:pPr marL="0" indent="0">
+              <a:lnSpc>
+                <a:spcPct val="90000"/>
+              </a:lnSpc>
+              <a:buNone/>
+            </a:pPr>
+            <a:endParaRPr lang="en-CA" sz="1600" noProof="0" dirty="0"/>
+          </a:p>
+          <a:p>
+            <a:pPr>
+              <a:lnSpc>
+                <a:spcPct val="90000"/>
+              </a:lnSpc>
+            </a:pPr>
+            <a:r>
+              <a:rPr lang="en-CA" sz="1600" noProof="0" dirty="0"/>
+              <a:t>Demo using proprietary model, Gemini API</a:t>
+            </a:r>
+          </a:p>
+          <a:p>
+            <a:pPr marL="0" indent="0">
+              <a:lnSpc>
+                <a:spcPct val="90000"/>
+              </a:lnSpc>
+              <a:buNone/>
+            </a:pPr>
+            <a:r>
+              <a:rPr lang="en-CA" sz="1600" dirty="0" err="1">
+                <a:hlinkClick r:id="rId2"/>
+              </a:rPr>
+              <a:t>multimodal_pres</a:t>
+            </a:r>
+            <a:r>
+              <a:rPr lang="en-CA" sz="1600" dirty="0">
+                <a:hlinkClick r:id="rId2"/>
+              </a:rPr>
+              <a:t>/notebooks/</a:t>
+            </a:r>
+            <a:r>
+              <a:rPr lang="en-CA" sz="1600" dirty="0" err="1">
+                <a:hlinkClick r:id="rId2"/>
+              </a:rPr>
+              <a:t>oneshot.ipynb</a:t>
+            </a:r>
+            <a:r>
+              <a:rPr lang="en-CA" sz="1600" dirty="0">
+                <a:hlinkClick r:id="rId2"/>
+              </a:rPr>
+              <a:t> at master · Mar-Dal/</a:t>
+            </a:r>
+            <a:r>
+              <a:rPr lang="en-CA" sz="1600" dirty="0" err="1">
+                <a:hlinkClick r:id="rId2"/>
+              </a:rPr>
+              <a:t>multimodal_pres</a:t>
+            </a:r>
+            <a:endParaRPr lang="fr-CA" sz="1600" dirty="0"/>
+          </a:p>
+          <a:p>
+            <a:pPr>
+              <a:lnSpc>
+                <a:spcPct val="90000"/>
+              </a:lnSpc>
+            </a:pPr>
+            <a:endParaRPr lang="fr-CA" sz="1600" dirty="0"/>
+          </a:p>
+          <a:p>
+            <a:pPr>
+              <a:lnSpc>
+                <a:spcPct val="90000"/>
+              </a:lnSpc>
+            </a:pPr>
+            <a:r>
+              <a:rPr lang="en-CA" sz="1600" noProof="0" dirty="0"/>
+              <a:t>Demo using a locally-runnable Gemma-3 model </a:t>
+            </a:r>
+          </a:p>
+          <a:p>
+            <a:pPr marL="0" indent="0">
+              <a:lnSpc>
+                <a:spcPct val="90000"/>
+              </a:lnSpc>
+              <a:buNone/>
+            </a:pPr>
+            <a:r>
+              <a:rPr lang="fr-CA" sz="1600" dirty="0">
+                <a:hlinkClick r:id="rId3"/>
+              </a:rPr>
+              <a:t>Gemma 3 + </a:t>
+            </a:r>
+            <a:r>
+              <a:rPr lang="fr-CA" sz="1600" dirty="0" err="1">
+                <a:hlinkClick r:id="rId3"/>
+              </a:rPr>
+              <a:t>Ollama</a:t>
+            </a:r>
+            <a:r>
+              <a:rPr lang="fr-CA" sz="1600" dirty="0">
+                <a:hlinkClick r:id="rId3"/>
+              </a:rPr>
+              <a:t> on </a:t>
+            </a:r>
+            <a:r>
+              <a:rPr lang="fr-CA" sz="1600" dirty="0" err="1">
+                <a:hlinkClick r:id="rId3"/>
+              </a:rPr>
+              <a:t>Colab</a:t>
+            </a:r>
+            <a:endParaRPr lang="fr-CA" sz="1600" dirty="0"/>
+          </a:p>
+          <a:p>
+            <a:pPr marL="0" indent="0">
+              <a:lnSpc>
+                <a:spcPct val="90000"/>
+              </a:lnSpc>
+              <a:buNone/>
+            </a:pPr>
+            <a:r>
+              <a:rPr lang="en-CA" sz="1600" dirty="0">
+                <a:hlinkClick r:id="rId4"/>
+              </a:rPr>
+              <a:t>Gemma 3 + </a:t>
+            </a:r>
+            <a:r>
+              <a:rPr lang="en-CA" sz="1600" dirty="0" err="1">
+                <a:hlinkClick r:id="rId4"/>
+              </a:rPr>
+              <a:t>Ollama</a:t>
+            </a:r>
+            <a:r>
+              <a:rPr lang="en-CA" sz="1600" dirty="0">
+                <a:hlinkClick r:id="rId4"/>
+              </a:rPr>
+              <a:t> on </a:t>
+            </a:r>
+            <a:r>
+              <a:rPr lang="en-CA" sz="1600" dirty="0" err="1">
+                <a:hlinkClick r:id="rId4"/>
+              </a:rPr>
+              <a:t>Colab</a:t>
+            </a:r>
+            <a:r>
+              <a:rPr lang="en-CA" sz="1600" dirty="0">
+                <a:hlinkClick r:id="rId4"/>
+              </a:rPr>
+              <a:t>: A Developer’s </a:t>
+            </a:r>
+            <a:r>
+              <a:rPr lang="en-CA" sz="1600" dirty="0" err="1">
+                <a:hlinkClick r:id="rId4"/>
+              </a:rPr>
+              <a:t>Quickstart</a:t>
+            </a:r>
+            <a:r>
+              <a:rPr lang="en-CA" sz="1600" dirty="0">
+                <a:hlinkClick r:id="rId4"/>
+              </a:rPr>
+              <a:t> | by E. Huizenga | Google Cloud - Community | Medium</a:t>
+            </a:r>
+            <a:endParaRPr lang="en-CA" sz="1600" dirty="0"/>
+          </a:p>
+        </p:txBody>
+      </p:sp>
+      <p:pic>
+        <p:nvPicPr>
+          <p:cNvPr id="7" name="Graphic 6" descr="Target">
+            <a:extLst>
+              <a:ext uri="{FF2B5EF4-FFF2-40B4-BE49-F238E27FC236}">
+                <a16:creationId xmlns:a16="http://schemas.microsoft.com/office/drawing/2014/main" id="{54B43E2E-8A1F-0F9B-7579-DD3FB0E9A882}"/>
+              </a:ext>
+            </a:extLst>
+          </p:cNvPr>
+          <p:cNvPicPr>
+            <a:picLocks noChangeAspect="1"/>
+          </p:cNvPicPr>
+          <p:nvPr/>
+        </p:nvPicPr>
+        <p:blipFill>
+          <a:blip r:embed="rId5">
+            <a:extLst>
+              <a:ext uri="{28A0092B-C50C-407E-A947-70E740481C1C}">
+                <a14:useLocalDpi xmlns:a14="http://schemas.microsoft.com/office/drawing/2010/main" val="0"/>
+              </a:ext>
+              <a:ext uri="{96DAC541-7B7A-43D3-8B79-37D633B846F1}">
+                <asvg:svgBlip xmlns:asvg="http://schemas.microsoft.com/office/drawing/2016/SVG/main" r:embed="rId6"/>
+              </a:ext>
+            </a:extLst>
+          </a:blip>
+          <a:stretch>
+            <a:fillRect/>
+          </a:stretch>
+        </p:blipFill>
+        <p:spPr>
+          <a:xfrm>
+            <a:off x="6087417" y="2159000"/>
+            <a:ext cx="3145536" cy="3145536"/>
+          </a:xfrm>
+          <a:prstGeom prst="rect">
+            <a:avLst/>
+          </a:prstGeom>
+        </p:spPr>
+      </p:pic>
+    </p:spTree>
+    <p:extLst>
+      <p:ext uri="{BB962C8B-B14F-4D97-AF65-F5344CB8AC3E}">
+        <p14:creationId xmlns:p14="http://schemas.microsoft.com/office/powerpoint/2010/main" val="4189562442"/>
+      </p:ext>
+    </p:extLst>
+  </p:cSld>
+  <p:clrMapOvr>
+    <a:masterClrMapping/>
+  </p:clrMapOvr>
+</p:sld>
+</file>
+
+<file path=ppt/slides/slide11.xml><?xml version="1.0" encoding="utf-8"?>
 <p:sld xmlns:a="http://schemas.openxmlformats.org/drawingml/2006/main" xmlns:r="http://schemas.openxmlformats.org/officeDocument/2006/relationships" xmlns:p="http://schemas.openxmlformats.org/presentationml/2006/main">
   <p:cSld>
     <p:bg>
@@ -13278,7 +13608,7 @@
 </p:sld>
 </file>
 
-<file path=ppt/slides/slide11.xml><?xml version="1.0" encoding="utf-8"?>
+<file path=ppt/slides/slide12.xml><?xml version="1.0" encoding="utf-8"?>
 <p:sld xmlns:a="http://schemas.openxmlformats.org/drawingml/2006/main" xmlns:r="http://schemas.openxmlformats.org/officeDocument/2006/relationships" xmlns:p="http://schemas.openxmlformats.org/presentationml/2006/main">
   <p:cSld>
     <p:spTree>
@@ -13366,40 +13696,8 @@
           <a:lstStyle/>
           <a:p>
             <a:r>
-              <a:rPr lang="fr-CA" dirty="0"/>
-              <a:t>The </a:t>
-            </a:r>
-            <a:r>
-              <a:rPr lang="fr-CA" dirty="0" err="1"/>
-              <a:t>most</a:t>
-            </a:r>
-            <a:r>
-              <a:rPr lang="fr-CA" dirty="0"/>
-              <a:t> </a:t>
-            </a:r>
-            <a:r>
-              <a:rPr lang="fr-CA" dirty="0" err="1"/>
-              <a:t>common</a:t>
-            </a:r>
-            <a:r>
-              <a:rPr lang="fr-CA" dirty="0"/>
-              <a:t> use-case in </a:t>
-            </a:r>
-            <a:r>
-              <a:rPr lang="fr-CA" dirty="0" err="1"/>
-              <a:t>industry</a:t>
-            </a:r>
-            <a:r>
-              <a:rPr lang="fr-CA" dirty="0"/>
-              <a:t> for multimodal </a:t>
-            </a:r>
-            <a:r>
-              <a:rPr lang="fr-CA" dirty="0" err="1"/>
-              <a:t>models</a:t>
-            </a:r>
-            <a:r>
-              <a:rPr lang="fr-CA" dirty="0"/>
-              <a:t>.</a:t>
+              <a:rPr lang="en-CA" noProof="0" dirty="0"/>
+              <a:t>The most common use-case in industry for multimodal models.</a:t>
             </a:r>
           </a:p>
           <a:p>
@@ -13407,20 +13705,8 @@
           </a:p>
           <a:p>
             <a:r>
-              <a:rPr lang="fr-CA" dirty="0" err="1"/>
-              <a:t>What</a:t>
-            </a:r>
-            <a:r>
-              <a:rPr lang="fr-CA" dirty="0"/>
-              <a:t> </a:t>
-            </a:r>
-            <a:r>
-              <a:rPr lang="fr-CA" dirty="0" err="1"/>
-              <a:t>is</a:t>
-            </a:r>
-            <a:r>
-              <a:rPr lang="fr-CA" dirty="0"/>
-              <a:t> RAG? </a:t>
+              <a:rPr lang="en-CA" noProof="0" dirty="0"/>
+              <a:t>What is RAG? </a:t>
             </a:r>
             <a:r>
               <a:rPr lang="en-US" dirty="0"/>
@@ -13443,7 +13729,7 @@
 </p:sld>
 </file>
 
-<file path=ppt/slides/slide12.xml><?xml version="1.0" encoding="utf-8"?>
+<file path=ppt/slides/slide13.xml><?xml version="1.0" encoding="utf-8"?>
 <p:sld xmlns:a="http://schemas.openxmlformats.org/drawingml/2006/main" xmlns:r="http://schemas.openxmlformats.org/officeDocument/2006/relationships" xmlns:p="http://schemas.openxmlformats.org/presentationml/2006/main">
   <p:cSld>
     <p:bg>
@@ -13618,7 +13904,7 @@
 </p:sld>
 </file>
 
-<file path=ppt/slides/slide13.xml><?xml version="1.0" encoding="utf-8"?>
+<file path=ppt/slides/slide14.xml><?xml version="1.0" encoding="utf-8"?>
 <p:sld xmlns:a="http://schemas.openxmlformats.org/drawingml/2006/main" xmlns:r="http://schemas.openxmlformats.org/officeDocument/2006/relationships" xmlns:p="http://schemas.openxmlformats.org/presentationml/2006/main">
   <p:cSld>
     <p:bg>
@@ -13805,7 +14091,7 @@
 </p:sld>
 </file>
 
-<file path=ppt/slides/slide14.xml><?xml version="1.0" encoding="utf-8"?>
+<file path=ppt/slides/slide15.xml><?xml version="1.0" encoding="utf-8"?>
 <p:sld xmlns:a="http://schemas.openxmlformats.org/drawingml/2006/main" xmlns:r="http://schemas.openxmlformats.org/officeDocument/2006/relationships" xmlns:p="http://schemas.openxmlformats.org/presentationml/2006/main">
   <p:cSld>
     <p:bg>
@@ -14744,7 +15030,7 @@
 </p:sld>
 </file>
 
-<file path=ppt/slides/slide15.xml><?xml version="1.0" encoding="utf-8"?>
+<file path=ppt/slides/slide16.xml><?xml version="1.0" encoding="utf-8"?>
 <p:sld xmlns:a="http://schemas.openxmlformats.org/drawingml/2006/main" xmlns:r="http://schemas.openxmlformats.org/officeDocument/2006/relationships" xmlns:p="http://schemas.openxmlformats.org/presentationml/2006/main">
   <p:cSld>
     <p:spTree>
@@ -14831,7 +15117,7 @@
 </p:sld>
 </file>
 
-<file path=ppt/slides/slide16.xml><?xml version="1.0" encoding="utf-8"?>
+<file path=ppt/slides/slide17.xml><?xml version="1.0" encoding="utf-8"?>
 <p:sld xmlns:a="http://schemas.openxmlformats.org/drawingml/2006/main" xmlns:r="http://schemas.openxmlformats.org/officeDocument/2006/relationships" xmlns:p="http://schemas.openxmlformats.org/presentationml/2006/main">
   <p:cSld>
     <p:spTree>
@@ -14918,7 +15204,7 @@
 </p:sld>
 </file>
 
-<file path=ppt/slides/slide17.xml><?xml version="1.0" encoding="utf-8"?>
+<file path=ppt/slides/slide18.xml><?xml version="1.0" encoding="utf-8"?>
 <p:sld xmlns:a="http://schemas.openxmlformats.org/drawingml/2006/main" xmlns:r="http://schemas.openxmlformats.org/officeDocument/2006/relationships" xmlns:p="http://schemas.openxmlformats.org/presentationml/2006/main">
   <p:cSld>
     <p:bg>
@@ -15847,7 +16133,7 @@
 </p:sld>
 </file>
 
-<file path=ppt/slides/slide18.xml><?xml version="1.0" encoding="utf-8"?>
+<file path=ppt/slides/slide19.xml><?xml version="1.0" encoding="utf-8"?>
 <p:sld xmlns:a="http://schemas.openxmlformats.org/drawingml/2006/main" xmlns:r="http://schemas.openxmlformats.org/officeDocument/2006/relationships" xmlns:p="http://schemas.openxmlformats.org/presentationml/2006/main">
   <p:cSld>
     <p:bg>
@@ -16799,27 +17085,7 @@
                 <a:effectLst/>
                 <a:latin typeface="Source Sans Pro" panose="020F0502020204030204" pitchFamily="34" charset="0"/>
               </a:rPr>
-              <a:t> do not have this assumption. Because of these </a:t>
-            </a:r>
-            <a:r>
-              <a:rPr lang="en-US" b="0" i="0" dirty="0" err="1">
-                <a:solidFill>
-                  <a:srgbClr val="4A5565"/>
-                </a:solidFill>
-                <a:effectLst/>
-                <a:latin typeface="Source Sans Pro" panose="020F0502020204030204" pitchFamily="34" charset="0"/>
-              </a:rPr>
-              <a:t>simplificationsm</a:t>
-            </a:r>
-            <a:r>
-              <a:rPr lang="en-US" b="0" i="0" dirty="0">
-                <a:solidFill>
-                  <a:srgbClr val="4A5565"/>
-                </a:solidFill>
-                <a:effectLst/>
-                <a:latin typeface="Source Sans Pro" panose="020F0502020204030204" pitchFamily="34" charset="0"/>
-              </a:rPr>
-              <a:t>, CNNs are often better at “smaller” datasets/tasks.</a:t>
+              <a:t> do not have this assumption. Because of these simplifications, CNNs are often better at “smaller” datasets/tasks.</a:t>
             </a:r>
           </a:p>
           <a:p>
@@ -16879,7 +17145,166 @@
 </p:sld>
 </file>
 
-<file path=ppt/slides/slide19.xml><?xml version="1.0" encoding="utf-8"?>
+<file path=ppt/slides/slide2.xml><?xml version="1.0" encoding="utf-8"?>
+<p:sld xmlns:a="http://schemas.openxmlformats.org/drawingml/2006/main" xmlns:r="http://schemas.openxmlformats.org/officeDocument/2006/relationships" xmlns:p="http://schemas.openxmlformats.org/presentationml/2006/main">
+  <p:cSld>
+    <p:spTree>
+      <p:nvGrpSpPr>
+        <p:cNvPr id="1" name=""/>
+        <p:cNvGrpSpPr/>
+        <p:nvPr/>
+      </p:nvGrpSpPr>
+      <p:grpSpPr>
+        <a:xfrm>
+          <a:off x="0" y="0"/>
+          <a:ext cx="0" cy="0"/>
+          <a:chOff x="0" y="0"/>
+          <a:chExt cx="0" cy="0"/>
+        </a:xfrm>
+      </p:grpSpPr>
+      <p:sp>
+        <p:nvSpPr>
+          <p:cNvPr id="2" name="Title 1">
+            <a:extLst>
+              <a:ext uri="{FF2B5EF4-FFF2-40B4-BE49-F238E27FC236}">
+                <a16:creationId xmlns:a16="http://schemas.microsoft.com/office/drawing/2014/main" id="{DEB822FD-0CAD-BBD6-9914-9D09EFF3900F}"/>
+              </a:ext>
+            </a:extLst>
+          </p:cNvPr>
+          <p:cNvSpPr>
+            <a:spLocks noGrp="1"/>
+          </p:cNvSpPr>
+          <p:nvPr>
+            <p:ph type="title"/>
+          </p:nvPr>
+        </p:nvSpPr>
+        <p:spPr/>
+        <p:txBody>
+          <a:bodyPr/>
+          <a:lstStyle/>
+          <a:p>
+            <a:r>
+              <a:rPr lang="fr-CA" dirty="0"/>
+              <a:t>About me</a:t>
+            </a:r>
+            <a:endParaRPr lang="en-CA" dirty="0"/>
+          </a:p>
+        </p:txBody>
+      </p:sp>
+      <p:sp>
+        <p:nvSpPr>
+          <p:cNvPr id="3" name="Content Placeholder 2">
+            <a:extLst>
+              <a:ext uri="{FF2B5EF4-FFF2-40B4-BE49-F238E27FC236}">
+                <a16:creationId xmlns:a16="http://schemas.microsoft.com/office/drawing/2014/main" id="{30A9EA48-08AE-8585-E825-CAB7AA4A1573}"/>
+              </a:ext>
+            </a:extLst>
+          </p:cNvPr>
+          <p:cNvSpPr>
+            <a:spLocks noGrp="1"/>
+          </p:cNvSpPr>
+          <p:nvPr>
+            <p:ph idx="1"/>
+          </p:nvPr>
+        </p:nvSpPr>
+        <p:spPr/>
+        <p:txBody>
+          <a:bodyPr>
+            <a:normAutofit fontScale="92500"/>
+          </a:bodyPr>
+          <a:lstStyle/>
+          <a:p>
+            <a:r>
+              <a:rPr lang="en-CA" noProof="0" dirty="0"/>
+              <a:t>Principal data scientist at a telecommunications company</a:t>
+            </a:r>
+          </a:p>
+          <a:p>
+            <a:r>
+              <a:rPr lang="en-CA" noProof="0" dirty="0"/>
+              <a:t>Using multimodal models as part of a retrieval-augmented generation (RAG) on proprietary documents.</a:t>
+            </a:r>
+          </a:p>
+          <a:p>
+            <a:r>
+              <a:rPr lang="en-CA" noProof="0" dirty="0"/>
+              <a:t>Previously worked in consulting, where I fine-tuned/trained vision models and language models for multiple clients. Some examples of models I was tasked with:</a:t>
+            </a:r>
+          </a:p>
+          <a:p>
+            <a:pPr lvl="1"/>
+            <a:r>
+              <a:rPr lang="en-CA" noProof="0" dirty="0"/>
+              <a:t>Detecting misplaced products on shelves through a live video feed</a:t>
+            </a:r>
+          </a:p>
+          <a:p>
+            <a:pPr lvl="1"/>
+            <a:r>
+              <a:rPr lang="en-CA" noProof="0" dirty="0"/>
+              <a:t>Detecting damaged merchandise on conveyor belts</a:t>
+            </a:r>
+          </a:p>
+          <a:p>
+            <a:pPr lvl="1"/>
+            <a:r>
+              <a:rPr lang="en-CA" noProof="0" dirty="0"/>
+              <a:t>Generating pictures of trees on empty streets</a:t>
+            </a:r>
+          </a:p>
+          <a:p>
+            <a:pPr lvl="1"/>
+            <a:r>
+              <a:rPr lang="en-CA" noProof="0" dirty="0"/>
+              <a:t>Simulating electrocardiogram curves through generative adversarial networks (GAN)</a:t>
+            </a:r>
+          </a:p>
+          <a:p>
+            <a:pPr lvl="1"/>
+            <a:r>
+              <a:rPr lang="en-CA" noProof="0" dirty="0"/>
+              <a:t>Determining the main themes in employee satisfaction comments</a:t>
+            </a:r>
+          </a:p>
+          <a:p>
+            <a:pPr lvl="1"/>
+            <a:r>
+              <a:rPr lang="en-CA" noProof="0" dirty="0"/>
+              <a:t>Search engine for employees (company with around 100,000 employees)</a:t>
+            </a:r>
+          </a:p>
+          <a:p>
+            <a:pPr lvl="1"/>
+            <a:endParaRPr lang="en-CA" noProof="0" dirty="0"/>
+          </a:p>
+          <a:p>
+            <a:pPr lvl="1"/>
+            <a:endParaRPr lang="en-CA" noProof="0" dirty="0"/>
+          </a:p>
+          <a:p>
+            <a:pPr lvl="1"/>
+            <a:endParaRPr lang="en-CA" noProof="0" dirty="0"/>
+          </a:p>
+          <a:p>
+            <a:pPr lvl="1"/>
+            <a:endParaRPr lang="en-CA" noProof="0" dirty="0"/>
+          </a:p>
+        </p:txBody>
+      </p:sp>
+    </p:spTree>
+    <p:extLst>
+      <p:ext uri="{BB962C8B-B14F-4D97-AF65-F5344CB8AC3E}">
+        <p14:creationId xmlns:p14="http://schemas.microsoft.com/office/powerpoint/2010/main" val="3561044953"/>
+      </p:ext>
+    </p:extLst>
+  </p:cSld>
+  <p:clrMapOvr>
+    <a:masterClrMapping/>
+  </p:clrMapOvr>
+</p:sld>
+</file>
+
+<file path=ppt/slides/slide20.xml><?xml version="1.0" encoding="utf-8"?>
 <p:sld xmlns:a="http://schemas.openxmlformats.org/drawingml/2006/main" xmlns:r="http://schemas.openxmlformats.org/officeDocument/2006/relationships" xmlns:p="http://schemas.openxmlformats.org/presentationml/2006/main">
   <p:cSld>
     <p:bg>
@@ -17279,936 +17704,7 @@
 </p:sld>
 </file>
 
-<file path=ppt/slides/slide2.xml><?xml version="1.0" encoding="utf-8"?>
-<p:sld xmlns:a="http://schemas.openxmlformats.org/drawingml/2006/main" xmlns:r="http://schemas.openxmlformats.org/officeDocument/2006/relationships" xmlns:p="http://schemas.openxmlformats.org/presentationml/2006/main">
-  <p:cSld>
-    <p:bg>
-      <p:bgPr>
-        <a:solidFill>
-          <a:schemeClr val="bg1"/>
-        </a:solidFill>
-        <a:effectLst/>
-      </p:bgPr>
-    </p:bg>
-    <p:spTree>
-      <p:nvGrpSpPr>
-        <p:cNvPr id="1" name=""/>
-        <p:cNvGrpSpPr/>
-        <p:nvPr/>
-      </p:nvGrpSpPr>
-      <p:grpSpPr>
-        <a:xfrm>
-          <a:off x="0" y="0"/>
-          <a:ext cx="0" cy="0"/>
-          <a:chOff x="0" y="0"/>
-          <a:chExt cx="0" cy="0"/>
-        </a:xfrm>
-      </p:grpSpPr>
-      <p:sp>
-        <p:nvSpPr>
-          <p:cNvPr id="138" name="Rectangle 137">
-            <a:extLst>
-              <a:ext uri="{FF2B5EF4-FFF2-40B4-BE49-F238E27FC236}">
-                <a16:creationId xmlns:a16="http://schemas.microsoft.com/office/drawing/2014/main" id="{BD11ECC6-8551-4768-8DFD-CD41AF420A37}"/>
-              </a:ext>
-              <a:ext uri="{C183D7F6-B498-43B3-948B-1728B52AA6E4}">
-                <adec:decorative xmlns:adec="http://schemas.microsoft.com/office/drawing/2017/decorative" val="1"/>
-              </a:ext>
-            </a:extLst>
-          </p:cNvPr>
-          <p:cNvSpPr>
-            <a:spLocks noGrp="1" noRot="1" noChangeAspect="1" noMove="1" noResize="1" noEditPoints="1" noAdjustHandles="1" noChangeArrowheads="1" noChangeShapeType="1" noTextEdit="1"/>
-          </p:cNvSpPr>
-          <p:nvPr>
-            <p:extLst>
-              <p:ext uri="{386F3935-93C4-4BCD-93E2-E3B085C9AB24}">
-                <p16:designElem xmlns:p16="http://schemas.microsoft.com/office/powerpoint/2015/main" val="1"/>
-              </p:ext>
-            </p:extLst>
-          </p:nvPr>
-        </p:nvSpPr>
-        <p:spPr>
-          <a:xfrm>
-            <a:off x="0" y="4572001"/>
-            <a:ext cx="12192000" cy="2285999"/>
-          </a:xfrm>
-          <a:prstGeom prst="rect">
-            <a:avLst/>
-          </a:prstGeom>
-          <a:solidFill>
-            <a:schemeClr val="tx1">
-              <a:lumMod val="75000"/>
-              <a:lumOff val="25000"/>
-            </a:schemeClr>
-          </a:solidFill>
-          <a:ln>
-            <a:noFill/>
-          </a:ln>
-        </p:spPr>
-        <p:style>
-          <a:lnRef idx="2">
-            <a:schemeClr val="accent1">
-              <a:shade val="50000"/>
-            </a:schemeClr>
-          </a:lnRef>
-          <a:fillRef idx="1">
-            <a:schemeClr val="accent1"/>
-          </a:fillRef>
-          <a:effectRef idx="0">
-            <a:schemeClr val="accent1"/>
-          </a:effectRef>
-          <a:fontRef idx="minor">
-            <a:schemeClr val="lt1"/>
-          </a:fontRef>
-        </p:style>
-        <p:txBody>
-          <a:bodyPr rtlCol="0" anchor="ctr"/>
-          <a:lstStyle/>
-          <a:p>
-            <a:pPr algn="ctr"/>
-            <a:endParaRPr lang="en-US">
-              <a:solidFill>
-                <a:schemeClr val="bg1"/>
-              </a:solidFill>
-            </a:endParaRPr>
-          </a:p>
-        </p:txBody>
-      </p:sp>
-      <p:grpSp>
-        <p:nvGrpSpPr>
-          <p:cNvPr id="140" name="Group 139">
-            <a:extLst>
-              <a:ext uri="{FF2B5EF4-FFF2-40B4-BE49-F238E27FC236}">
-                <a16:creationId xmlns:a16="http://schemas.microsoft.com/office/drawing/2014/main" id="{93657592-CA60-4F45-B1A0-88AA77242087}"/>
-              </a:ext>
-              <a:ext uri="{C183D7F6-B498-43B3-948B-1728B52AA6E4}">
-                <adec:decorative xmlns:adec="http://schemas.microsoft.com/office/drawing/2017/decorative" val="1"/>
-              </a:ext>
-            </a:extLst>
-          </p:cNvPr>
-          <p:cNvGrpSpPr>
-            <a:grpSpLocks noGrp="1" noUngrp="1" noRot="1" noChangeAspect="1" noMove="1" noResize="1"/>
-          </p:cNvGrpSpPr>
-          <p:nvPr>
-            <p:extLst>
-              <p:ext uri="{386F3935-93C4-4BCD-93E2-E3B085C9AB24}">
-                <p16:designElem xmlns:p16="http://schemas.microsoft.com/office/powerpoint/2015/main" val="1"/>
-              </p:ext>
-            </p:extLst>
-          </p:nvPr>
-        </p:nvGrpSpPr>
-        <p:grpSpPr>
-          <a:xfrm>
-            <a:off x="7425267" y="-8467"/>
-            <a:ext cx="4766733" cy="6866467"/>
-            <a:chOff x="7425267" y="-8467"/>
-            <a:chExt cx="4766733" cy="6866467"/>
-          </a:xfrm>
-        </p:grpSpPr>
-        <p:cxnSp>
-          <p:nvCxnSpPr>
-            <p:cNvPr id="129" name="Straight Connector 128">
-              <a:extLst>
-                <a:ext uri="{FF2B5EF4-FFF2-40B4-BE49-F238E27FC236}">
-                  <a16:creationId xmlns:a16="http://schemas.microsoft.com/office/drawing/2014/main" id="{6F47E2B4-7DA9-4312-A1F0-C48388B236A6}"/>
-                </a:ext>
-                <a:ext uri="{C183D7F6-B498-43B3-948B-1728B52AA6E4}">
-                  <adec:decorative xmlns:adec="http://schemas.microsoft.com/office/drawing/2017/decorative" val="1"/>
-                </a:ext>
-              </a:extLst>
-            </p:cNvPr>
-            <p:cNvCxnSpPr>
-              <a:cxnSpLocks/>
-            </p:cNvCxnSpPr>
-            <p:nvPr>
-              <p:extLst>
-                <p:ext uri="{386F3935-93C4-4BCD-93E2-E3B085C9AB24}">
-                  <p16:designElem xmlns:p16="http://schemas.microsoft.com/office/powerpoint/2015/main" val="1"/>
-                </p:ext>
-              </p:extLst>
-            </p:nvPr>
-          </p:nvCxnSpPr>
-          <p:spPr>
-            <a:xfrm>
-              <a:off x="10196547" y="4572001"/>
-              <a:ext cx="393665" cy="2285999"/>
-            </a:xfrm>
-            <a:prstGeom prst="line">
-              <a:avLst/>
-            </a:prstGeom>
-            <a:ln w="9525">
-              <a:solidFill>
-                <a:srgbClr val="BFBFBF">
-                  <a:alpha val="70000"/>
-                </a:srgbClr>
-              </a:solidFill>
-            </a:ln>
-          </p:spPr>
-          <p:style>
-            <a:lnRef idx="2">
-              <a:schemeClr val="accent1"/>
-            </a:lnRef>
-            <a:fillRef idx="0">
-              <a:schemeClr val="accent1"/>
-            </a:fillRef>
-            <a:effectRef idx="1">
-              <a:schemeClr val="accent1"/>
-            </a:effectRef>
-            <a:fontRef idx="minor">
-              <a:schemeClr val="tx1"/>
-            </a:fontRef>
-          </p:style>
-        </p:cxnSp>
-        <p:cxnSp>
-          <p:nvCxnSpPr>
-            <p:cNvPr id="141" name="Straight Connector 140">
-              <a:extLst>
-                <a:ext uri="{FF2B5EF4-FFF2-40B4-BE49-F238E27FC236}">
-                  <a16:creationId xmlns:a16="http://schemas.microsoft.com/office/drawing/2014/main" id="{35B274F7-039F-4BFC-AA98-B51B1D6CB692}"/>
-                </a:ext>
-                <a:ext uri="{C183D7F6-B498-43B3-948B-1728B52AA6E4}">
-                  <adec:decorative xmlns:adec="http://schemas.microsoft.com/office/drawing/2017/decorative" val="1"/>
-                </a:ext>
-              </a:extLst>
-            </p:cNvPr>
-            <p:cNvCxnSpPr>
-              <a:cxnSpLocks/>
-            </p:cNvCxnSpPr>
-            <p:nvPr>
-              <p:extLst>
-                <p:ext uri="{386F3935-93C4-4BCD-93E2-E3B085C9AB24}">
-                  <p16:designElem xmlns:p16="http://schemas.microsoft.com/office/powerpoint/2015/main" val="1"/>
-                </p:ext>
-              </p:extLst>
-            </p:nvPr>
-          </p:nvCxnSpPr>
-          <p:spPr>
-            <a:xfrm flipH="1">
-              <a:off x="7425267" y="4572001"/>
-              <a:ext cx="3383073" cy="2285999"/>
-            </a:xfrm>
-            <a:prstGeom prst="line">
-              <a:avLst/>
-            </a:prstGeom>
-            <a:ln w="9525">
-              <a:solidFill>
-                <a:srgbClr val="BFBFBF">
-                  <a:alpha val="69804"/>
-                </a:srgbClr>
-              </a:solidFill>
-            </a:ln>
-          </p:spPr>
-          <p:style>
-            <a:lnRef idx="2">
-              <a:schemeClr val="accent1"/>
-            </a:lnRef>
-            <a:fillRef idx="0">
-              <a:schemeClr val="accent1"/>
-            </a:fillRef>
-            <a:effectRef idx="1">
-              <a:schemeClr val="accent1"/>
-            </a:effectRef>
-            <a:fontRef idx="minor">
-              <a:schemeClr val="tx1"/>
-            </a:fontRef>
-          </p:style>
-        </p:cxnSp>
-        <p:sp>
-          <p:nvSpPr>
-            <p:cNvPr id="131" name="Rectangle 23">
-              <a:extLst>
-                <a:ext uri="{FF2B5EF4-FFF2-40B4-BE49-F238E27FC236}">
-                  <a16:creationId xmlns:a16="http://schemas.microsoft.com/office/drawing/2014/main" id="{11A31103-C703-46C9-9D26-497A1ACD50AF}"/>
-                </a:ext>
-                <a:ext uri="{C183D7F6-B498-43B3-948B-1728B52AA6E4}">
-                  <adec:decorative xmlns:adec="http://schemas.microsoft.com/office/drawing/2017/decorative" val="1"/>
-                </a:ext>
-              </a:extLst>
-            </p:cNvPr>
-            <p:cNvSpPr/>
-            <p:nvPr>
-              <p:extLst>
-                <p:ext uri="{386F3935-93C4-4BCD-93E2-E3B085C9AB24}">
-                  <p16:designElem xmlns:p16="http://schemas.microsoft.com/office/powerpoint/2015/main" val="1"/>
-                </p:ext>
-              </p:extLst>
-            </p:nvPr>
-          </p:nvSpPr>
-          <p:spPr>
-            <a:xfrm>
-              <a:off x="9181476" y="-8467"/>
-              <a:ext cx="3007349" cy="6866467"/>
-            </a:xfrm>
-            <a:custGeom>
-              <a:avLst/>
-              <a:gdLst/>
-              <a:ahLst/>
-              <a:cxnLst/>
-              <a:rect l="l" t="t" r="r" b="b"/>
-              <a:pathLst>
-                <a:path w="3007349" h="6866467">
-                  <a:moveTo>
-                    <a:pt x="2045532" y="0"/>
-                  </a:moveTo>
-                  <a:lnTo>
-                    <a:pt x="3007349" y="0"/>
-                  </a:lnTo>
-                  <a:lnTo>
-                    <a:pt x="3007349" y="6866467"/>
-                  </a:lnTo>
-                  <a:lnTo>
-                    <a:pt x="0" y="6866467"/>
-                  </a:lnTo>
-                  <a:lnTo>
-                    <a:pt x="2045532" y="0"/>
-                  </a:lnTo>
-                  <a:close/>
-                </a:path>
-              </a:pathLst>
-            </a:custGeom>
-            <a:solidFill>
-              <a:schemeClr val="accent1">
-                <a:alpha val="30000"/>
-              </a:schemeClr>
-            </a:solidFill>
-            <a:ln>
-              <a:noFill/>
-            </a:ln>
-            <a:effectLst/>
-          </p:spPr>
-          <p:style>
-            <a:lnRef idx="1">
-              <a:schemeClr val="accent1"/>
-            </a:lnRef>
-            <a:fillRef idx="3">
-              <a:schemeClr val="accent1"/>
-            </a:fillRef>
-            <a:effectRef idx="2">
-              <a:schemeClr val="accent1"/>
-            </a:effectRef>
-            <a:fontRef idx="minor">
-              <a:schemeClr val="lt1"/>
-            </a:fontRef>
-          </p:style>
-          <p:txBody>
-            <a:bodyPr/>
-            <a:lstStyle/>
-            <a:p>
-              <a:endParaRPr lang="en-CA"/>
-            </a:p>
-          </p:txBody>
-        </p:sp>
-        <p:sp>
-          <p:nvSpPr>
-            <p:cNvPr id="132" name="Rectangle 25">
-              <a:extLst>
-                <a:ext uri="{FF2B5EF4-FFF2-40B4-BE49-F238E27FC236}">
-                  <a16:creationId xmlns:a16="http://schemas.microsoft.com/office/drawing/2014/main" id="{382F955F-FC22-44B8-BDCF-B77580323B70}"/>
-                </a:ext>
-                <a:ext uri="{C183D7F6-B498-43B3-948B-1728B52AA6E4}">
-                  <adec:decorative xmlns:adec="http://schemas.microsoft.com/office/drawing/2017/decorative" val="1"/>
-                </a:ext>
-              </a:extLst>
-            </p:cNvPr>
-            <p:cNvSpPr/>
-            <p:nvPr>
-              <p:extLst>
-                <p:ext uri="{386F3935-93C4-4BCD-93E2-E3B085C9AB24}">
-                  <p16:designElem xmlns:p16="http://schemas.microsoft.com/office/powerpoint/2015/main" val="1"/>
-                </p:ext>
-              </p:extLst>
-            </p:nvPr>
-          </p:nvSpPr>
-          <p:spPr>
-            <a:xfrm>
-              <a:off x="9603442" y="-8467"/>
-              <a:ext cx="2588558" cy="6866467"/>
-            </a:xfrm>
-            <a:custGeom>
-              <a:avLst/>
-              <a:gdLst/>
-              <a:ahLst/>
-              <a:cxnLst/>
-              <a:rect l="l" t="t" r="r" b="b"/>
-              <a:pathLst>
-                <a:path w="2573311" h="6866467">
-                  <a:moveTo>
-                    <a:pt x="0" y="0"/>
-                  </a:moveTo>
-                  <a:lnTo>
-                    <a:pt x="2573311" y="0"/>
-                  </a:lnTo>
-                  <a:lnTo>
-                    <a:pt x="2573311" y="6866467"/>
-                  </a:lnTo>
-                  <a:lnTo>
-                    <a:pt x="1202336" y="6866467"/>
-                  </a:lnTo>
-                  <a:lnTo>
-                    <a:pt x="0" y="0"/>
-                  </a:lnTo>
-                  <a:close/>
-                </a:path>
-              </a:pathLst>
-            </a:custGeom>
-            <a:solidFill>
-              <a:schemeClr val="accent1">
-                <a:alpha val="20000"/>
-              </a:schemeClr>
-            </a:solidFill>
-            <a:ln>
-              <a:noFill/>
-            </a:ln>
-            <a:effectLst/>
-          </p:spPr>
-          <p:style>
-            <a:lnRef idx="1">
-              <a:schemeClr val="accent1"/>
-            </a:lnRef>
-            <a:fillRef idx="3">
-              <a:schemeClr val="accent1"/>
-            </a:fillRef>
-            <a:effectRef idx="2">
-              <a:schemeClr val="accent1"/>
-            </a:effectRef>
-            <a:fontRef idx="minor">
-              <a:schemeClr val="lt1"/>
-            </a:fontRef>
-          </p:style>
-          <p:txBody>
-            <a:bodyPr/>
-            <a:lstStyle/>
-            <a:p>
-              <a:endParaRPr lang="en-CA"/>
-            </a:p>
-          </p:txBody>
-        </p:sp>
-        <p:sp>
-          <p:nvSpPr>
-            <p:cNvPr id="133" name="Isosceles Triangle 132">
-              <a:extLst>
-                <a:ext uri="{FF2B5EF4-FFF2-40B4-BE49-F238E27FC236}">
-                  <a16:creationId xmlns:a16="http://schemas.microsoft.com/office/drawing/2014/main" id="{1F567692-F087-479A-8931-BD2869C3E4E6}"/>
-                </a:ext>
-                <a:ext uri="{C183D7F6-B498-43B3-948B-1728B52AA6E4}">
-                  <adec:decorative xmlns:adec="http://schemas.microsoft.com/office/drawing/2017/decorative" val="1"/>
-                </a:ext>
-              </a:extLst>
-            </p:cNvPr>
-            <p:cNvSpPr/>
-            <p:nvPr>
-              <p:extLst>
-                <p:ext uri="{386F3935-93C4-4BCD-93E2-E3B085C9AB24}">
-                  <p16:designElem xmlns:p16="http://schemas.microsoft.com/office/powerpoint/2015/main" val="1"/>
-                </p:ext>
-              </p:extLst>
-            </p:nvPr>
-          </p:nvSpPr>
-          <p:spPr>
-            <a:xfrm>
-              <a:off x="8932333" y="3048000"/>
-              <a:ext cx="3259667" cy="3810000"/>
-            </a:xfrm>
-            <a:prstGeom prst="triangle">
-              <a:avLst>
-                <a:gd name="adj" fmla="val 100000"/>
-              </a:avLst>
-            </a:prstGeom>
-            <a:solidFill>
-              <a:schemeClr val="accent2">
-                <a:alpha val="72000"/>
-              </a:schemeClr>
-            </a:solidFill>
-            <a:ln>
-              <a:noFill/>
-            </a:ln>
-            <a:effectLst/>
-          </p:spPr>
-          <p:style>
-            <a:lnRef idx="1">
-              <a:schemeClr val="accent1"/>
-            </a:lnRef>
-            <a:fillRef idx="3">
-              <a:schemeClr val="accent1"/>
-            </a:fillRef>
-            <a:effectRef idx="2">
-              <a:schemeClr val="accent1"/>
-            </a:effectRef>
-            <a:fontRef idx="minor">
-              <a:schemeClr val="lt1"/>
-            </a:fontRef>
-          </p:style>
-          <p:txBody>
-            <a:bodyPr/>
-            <a:lstStyle/>
-            <a:p>
-              <a:endParaRPr lang="en-CA"/>
-            </a:p>
-          </p:txBody>
-        </p:sp>
-        <p:sp>
-          <p:nvSpPr>
-            <p:cNvPr id="134" name="Rectangle 27">
-              <a:extLst>
-                <a:ext uri="{FF2B5EF4-FFF2-40B4-BE49-F238E27FC236}">
-                  <a16:creationId xmlns:a16="http://schemas.microsoft.com/office/drawing/2014/main" id="{49B3E4CD-0738-4B9D-A14F-1E8694DDF895}"/>
-                </a:ext>
-                <a:ext uri="{C183D7F6-B498-43B3-948B-1728B52AA6E4}">
-                  <adec:decorative xmlns:adec="http://schemas.microsoft.com/office/drawing/2017/decorative" val="1"/>
-                </a:ext>
-              </a:extLst>
-            </p:cNvPr>
-            <p:cNvSpPr/>
-            <p:nvPr>
-              <p:extLst>
-                <p:ext uri="{386F3935-93C4-4BCD-93E2-E3B085C9AB24}">
-                  <p16:designElem xmlns:p16="http://schemas.microsoft.com/office/powerpoint/2015/main" val="1"/>
-                </p:ext>
-              </p:extLst>
-            </p:nvPr>
-          </p:nvSpPr>
-          <p:spPr>
-            <a:xfrm>
-              <a:off x="9334500" y="-8467"/>
-              <a:ext cx="2854326" cy="6866467"/>
-            </a:xfrm>
-            <a:custGeom>
-              <a:avLst/>
-              <a:gdLst/>
-              <a:ahLst/>
-              <a:cxnLst/>
-              <a:rect l="l" t="t" r="r" b="b"/>
-              <a:pathLst>
-                <a:path w="2858013" h="6866467">
-                  <a:moveTo>
-                    <a:pt x="0" y="0"/>
-                  </a:moveTo>
-                  <a:lnTo>
-                    <a:pt x="2858013" y="0"/>
-                  </a:lnTo>
-                  <a:lnTo>
-                    <a:pt x="2858013" y="6866467"/>
-                  </a:lnTo>
-                  <a:lnTo>
-                    <a:pt x="2473942" y="6866467"/>
-                  </a:lnTo>
-                  <a:lnTo>
-                    <a:pt x="0" y="0"/>
-                  </a:lnTo>
-                  <a:close/>
-                </a:path>
-              </a:pathLst>
-            </a:custGeom>
-            <a:solidFill>
-              <a:schemeClr val="accent2">
-                <a:lumMod val="75000"/>
-                <a:alpha val="70000"/>
-              </a:schemeClr>
-            </a:solidFill>
-            <a:ln>
-              <a:noFill/>
-            </a:ln>
-            <a:effectLst/>
-          </p:spPr>
-          <p:style>
-            <a:lnRef idx="1">
-              <a:schemeClr val="accent1"/>
-            </a:lnRef>
-            <a:fillRef idx="3">
-              <a:schemeClr val="accent1"/>
-            </a:fillRef>
-            <a:effectRef idx="2">
-              <a:schemeClr val="accent1"/>
-            </a:effectRef>
-            <a:fontRef idx="minor">
-              <a:schemeClr val="lt1"/>
-            </a:fontRef>
-          </p:style>
-          <p:txBody>
-            <a:bodyPr/>
-            <a:lstStyle/>
-            <a:p>
-              <a:endParaRPr lang="en-CA"/>
-            </a:p>
-          </p:txBody>
-        </p:sp>
-        <p:sp>
-          <p:nvSpPr>
-            <p:cNvPr id="135" name="Rectangle 28">
-              <a:extLst>
-                <a:ext uri="{FF2B5EF4-FFF2-40B4-BE49-F238E27FC236}">
-                  <a16:creationId xmlns:a16="http://schemas.microsoft.com/office/drawing/2014/main" id="{4753B851-AD90-4CCD-85D0-65AA6567DF31}"/>
-                </a:ext>
-                <a:ext uri="{C183D7F6-B498-43B3-948B-1728B52AA6E4}">
-                  <adec:decorative xmlns:adec="http://schemas.microsoft.com/office/drawing/2017/decorative" val="1"/>
-                </a:ext>
-              </a:extLst>
-            </p:cNvPr>
-            <p:cNvSpPr/>
-            <p:nvPr>
-              <p:extLst>
-                <p:ext uri="{386F3935-93C4-4BCD-93E2-E3B085C9AB24}">
-                  <p16:designElem xmlns:p16="http://schemas.microsoft.com/office/powerpoint/2015/main" val="1"/>
-                </p:ext>
-              </p:extLst>
-            </p:nvPr>
-          </p:nvSpPr>
-          <p:spPr>
-            <a:xfrm>
-              <a:off x="10898730" y="-8467"/>
-              <a:ext cx="1290094" cy="6866467"/>
-            </a:xfrm>
-            <a:custGeom>
-              <a:avLst/>
-              <a:gdLst/>
-              <a:ahLst/>
-              <a:cxnLst/>
-              <a:rect l="l" t="t" r="r" b="b"/>
-              <a:pathLst>
-                <a:path w="1290094" h="6858000">
-                  <a:moveTo>
-                    <a:pt x="1019735" y="0"/>
-                  </a:moveTo>
-                  <a:lnTo>
-                    <a:pt x="1290094" y="0"/>
-                  </a:lnTo>
-                  <a:lnTo>
-                    <a:pt x="1290094" y="6858000"/>
-                  </a:lnTo>
-                  <a:lnTo>
-                    <a:pt x="0" y="6858000"/>
-                  </a:lnTo>
-                  <a:lnTo>
-                    <a:pt x="1019735" y="0"/>
-                  </a:lnTo>
-                  <a:close/>
-                </a:path>
-              </a:pathLst>
-            </a:custGeom>
-            <a:solidFill>
-              <a:schemeClr val="accent1">
-                <a:lumMod val="60000"/>
-                <a:lumOff val="40000"/>
-                <a:alpha val="70000"/>
-              </a:schemeClr>
-            </a:solidFill>
-            <a:ln>
-              <a:noFill/>
-            </a:ln>
-            <a:effectLst/>
-          </p:spPr>
-          <p:style>
-            <a:lnRef idx="1">
-              <a:schemeClr val="accent1"/>
-            </a:lnRef>
-            <a:fillRef idx="3">
-              <a:schemeClr val="accent1"/>
-            </a:fillRef>
-            <a:effectRef idx="2">
-              <a:schemeClr val="accent1"/>
-            </a:effectRef>
-            <a:fontRef idx="minor">
-              <a:schemeClr val="lt1"/>
-            </a:fontRef>
-          </p:style>
-          <p:txBody>
-            <a:bodyPr/>
-            <a:lstStyle/>
-            <a:p>
-              <a:endParaRPr lang="en-CA"/>
-            </a:p>
-          </p:txBody>
-        </p:sp>
-        <p:sp>
-          <p:nvSpPr>
-            <p:cNvPr id="136" name="Rectangle 29">
-              <a:extLst>
-                <a:ext uri="{FF2B5EF4-FFF2-40B4-BE49-F238E27FC236}">
-                  <a16:creationId xmlns:a16="http://schemas.microsoft.com/office/drawing/2014/main" id="{EBF14868-A190-4E21-9522-8977C474C97E}"/>
-                </a:ext>
-                <a:ext uri="{C183D7F6-B498-43B3-948B-1728B52AA6E4}">
-                  <adec:decorative xmlns:adec="http://schemas.microsoft.com/office/drawing/2017/decorative" val="1"/>
-                </a:ext>
-              </a:extLst>
-            </p:cNvPr>
-            <p:cNvSpPr/>
-            <p:nvPr>
-              <p:extLst>
-                <p:ext uri="{386F3935-93C4-4BCD-93E2-E3B085C9AB24}">
-                  <p16:designElem xmlns:p16="http://schemas.microsoft.com/office/powerpoint/2015/main" val="1"/>
-                </p:ext>
-              </p:extLst>
-            </p:nvPr>
-          </p:nvSpPr>
-          <p:spPr>
-            <a:xfrm>
-              <a:off x="10938999" y="-8467"/>
-              <a:ext cx="1249825" cy="6866467"/>
-            </a:xfrm>
-            <a:custGeom>
-              <a:avLst/>
-              <a:gdLst/>
-              <a:ahLst/>
-              <a:cxnLst/>
-              <a:rect l="l" t="t" r="r" b="b"/>
-              <a:pathLst>
-                <a:path w="1249825" h="6858000">
-                  <a:moveTo>
-                    <a:pt x="0" y="0"/>
-                  </a:moveTo>
-                  <a:lnTo>
-                    <a:pt x="1249825" y="0"/>
-                  </a:lnTo>
-                  <a:lnTo>
-                    <a:pt x="1249825" y="6858000"/>
-                  </a:lnTo>
-                  <a:lnTo>
-                    <a:pt x="1109382" y="6858000"/>
-                  </a:lnTo>
-                  <a:lnTo>
-                    <a:pt x="0" y="0"/>
-                  </a:lnTo>
-                  <a:close/>
-                </a:path>
-              </a:pathLst>
-            </a:custGeom>
-            <a:solidFill>
-              <a:schemeClr val="accent1">
-                <a:alpha val="65000"/>
-              </a:schemeClr>
-            </a:solidFill>
-            <a:ln>
-              <a:noFill/>
-            </a:ln>
-            <a:effectLst/>
-          </p:spPr>
-          <p:style>
-            <a:lnRef idx="1">
-              <a:schemeClr val="accent1"/>
-            </a:lnRef>
-            <a:fillRef idx="3">
-              <a:schemeClr val="accent1"/>
-            </a:fillRef>
-            <a:effectRef idx="2">
-              <a:schemeClr val="accent1"/>
-            </a:effectRef>
-            <a:fontRef idx="minor">
-              <a:schemeClr val="lt1"/>
-            </a:fontRef>
-          </p:style>
-          <p:txBody>
-            <a:bodyPr/>
-            <a:lstStyle/>
-            <a:p>
-              <a:endParaRPr lang="en-CA"/>
-            </a:p>
-          </p:txBody>
-        </p:sp>
-        <p:sp>
-          <p:nvSpPr>
-            <p:cNvPr id="137" name="Isosceles Triangle 136">
-              <a:extLst>
-                <a:ext uri="{FF2B5EF4-FFF2-40B4-BE49-F238E27FC236}">
-                  <a16:creationId xmlns:a16="http://schemas.microsoft.com/office/drawing/2014/main" id="{BCBB4922-76EE-442B-A649-09873DCE79DA}"/>
-                </a:ext>
-                <a:ext uri="{C183D7F6-B498-43B3-948B-1728B52AA6E4}">
-                  <adec:decorative xmlns:adec="http://schemas.microsoft.com/office/drawing/2017/decorative" val="1"/>
-                </a:ext>
-              </a:extLst>
-            </p:cNvPr>
-            <p:cNvSpPr/>
-            <p:nvPr>
-              <p:extLst>
-                <p:ext uri="{386F3935-93C4-4BCD-93E2-E3B085C9AB24}">
-                  <p16:designElem xmlns:p16="http://schemas.microsoft.com/office/powerpoint/2015/main" val="1"/>
-                </p:ext>
-              </p:extLst>
-            </p:nvPr>
-          </p:nvSpPr>
-          <p:spPr>
-            <a:xfrm>
-              <a:off x="10371666" y="3589867"/>
-              <a:ext cx="1817159" cy="3268133"/>
-            </a:xfrm>
-            <a:prstGeom prst="triangle">
-              <a:avLst>
-                <a:gd name="adj" fmla="val 100000"/>
-              </a:avLst>
-            </a:prstGeom>
-            <a:solidFill>
-              <a:schemeClr val="accent1">
-                <a:alpha val="80000"/>
-              </a:schemeClr>
-            </a:solidFill>
-            <a:ln>
-              <a:noFill/>
-            </a:ln>
-            <a:effectLst/>
-          </p:spPr>
-          <p:style>
-            <a:lnRef idx="1">
-              <a:schemeClr val="accent1"/>
-            </a:lnRef>
-            <a:fillRef idx="3">
-              <a:schemeClr val="accent1"/>
-            </a:fillRef>
-            <a:effectRef idx="2">
-              <a:schemeClr val="accent1"/>
-            </a:effectRef>
-            <a:fontRef idx="minor">
-              <a:schemeClr val="lt1"/>
-            </a:fontRef>
-          </p:style>
-          <p:txBody>
-            <a:bodyPr/>
-            <a:lstStyle/>
-            <a:p>
-              <a:endParaRPr lang="en-CA"/>
-            </a:p>
-          </p:txBody>
-        </p:sp>
-      </p:grpSp>
-      <p:sp>
-        <p:nvSpPr>
-          <p:cNvPr id="4" name="Title 3">
-            <a:extLst>
-              <a:ext uri="{FF2B5EF4-FFF2-40B4-BE49-F238E27FC236}">
-                <a16:creationId xmlns:a16="http://schemas.microsoft.com/office/drawing/2014/main" id="{7B3B7914-BC51-9D18-97FF-78C65D2AE3FA}"/>
-              </a:ext>
-            </a:extLst>
-          </p:cNvPr>
-          <p:cNvSpPr>
-            <a:spLocks noGrp="1"/>
-          </p:cNvSpPr>
-          <p:nvPr>
-            <p:ph type="title"/>
-          </p:nvPr>
-        </p:nvSpPr>
-        <p:spPr>
-          <a:xfrm>
-            <a:off x="677334" y="4765972"/>
-            <a:ext cx="8596668" cy="1320800"/>
-          </a:xfrm>
-        </p:spPr>
-        <p:txBody>
-          <a:bodyPr vert="horz" lIns="91440" tIns="45720" rIns="91440" bIns="45720" rtlCol="0" anchor="ctr">
-            <a:normAutofit/>
-          </a:bodyPr>
-          <a:lstStyle/>
-          <a:p>
-            <a:r>
-              <a:rPr lang="en-US" sz="4400">
-                <a:solidFill>
-                  <a:schemeClr val="bg1"/>
-                </a:solidFill>
-              </a:rPr>
-              <a:t>Presentation overview</a:t>
-            </a:r>
-          </a:p>
-        </p:txBody>
-      </p:sp>
-      <p:sp useBgFill="1">
-        <p:nvSpPr>
-          <p:cNvPr id="139" name="Rectangle 138">
-            <a:extLst>
-              <a:ext uri="{FF2B5EF4-FFF2-40B4-BE49-F238E27FC236}">
-                <a16:creationId xmlns:a16="http://schemas.microsoft.com/office/drawing/2014/main" id="{8E2EB503-A017-4457-A105-53638C97DEB8}"/>
-              </a:ext>
-              <a:ext uri="{C183D7F6-B498-43B3-948B-1728B52AA6E4}">
-                <adec:decorative xmlns:adec="http://schemas.microsoft.com/office/drawing/2017/decorative" val="1"/>
-              </a:ext>
-            </a:extLst>
-          </p:cNvPr>
-          <p:cNvSpPr>
-            <a:spLocks noGrp="1" noRot="1" noChangeAspect="1" noMove="1" noResize="1" noEditPoints="1" noAdjustHandles="1" noChangeArrowheads="1" noChangeShapeType="1" noTextEdit="1"/>
-          </p:cNvSpPr>
-          <p:nvPr>
-            <p:extLst>
-              <p:ext uri="{386F3935-93C4-4BCD-93E2-E3B085C9AB24}">
-                <p16:designElem xmlns:p16="http://schemas.microsoft.com/office/powerpoint/2015/main" val="1"/>
-              </p:ext>
-            </p:extLst>
-          </p:nvPr>
-        </p:nvSpPr>
-        <p:spPr>
-          <a:xfrm>
-            <a:off x="0" y="1"/>
-            <a:ext cx="12192000" cy="4572000"/>
-          </a:xfrm>
-          <a:prstGeom prst="rect">
-            <a:avLst/>
-          </a:prstGeom>
-          <a:ln>
-            <a:noFill/>
-          </a:ln>
-        </p:spPr>
-        <p:style>
-          <a:lnRef idx="2">
-            <a:schemeClr val="accent1">
-              <a:shade val="50000"/>
-            </a:schemeClr>
-          </a:lnRef>
-          <a:fillRef idx="1">
-            <a:schemeClr val="accent1"/>
-          </a:fillRef>
-          <a:effectRef idx="0">
-            <a:schemeClr val="accent1"/>
-          </a:effectRef>
-          <a:fontRef idx="minor">
-            <a:schemeClr val="lt1"/>
-          </a:fontRef>
-        </p:style>
-        <p:txBody>
-          <a:bodyPr rtlCol="0" anchor="ctr"/>
-          <a:lstStyle/>
-          <a:p>
-            <a:pPr algn="ctr"/>
-            <a:endParaRPr lang="en-US"/>
-          </a:p>
-        </p:txBody>
-      </p:sp>
-      <p:graphicFrame>
-        <p:nvGraphicFramePr>
-          <p:cNvPr id="92" name="TextBox 5">
-            <a:extLst>
-              <a:ext uri="{FF2B5EF4-FFF2-40B4-BE49-F238E27FC236}">
-                <a16:creationId xmlns:a16="http://schemas.microsoft.com/office/drawing/2014/main" id="{FABB5256-0D42-2D6E-E961-522FA23EFCEA}"/>
-              </a:ext>
-            </a:extLst>
-          </p:cNvPr>
-          <p:cNvGraphicFramePr/>
-          <p:nvPr>
-            <p:extLst>
-              <p:ext uri="{D42A27DB-BD31-4B8C-83A1-F6EECF244321}">
-                <p14:modId xmlns:p14="http://schemas.microsoft.com/office/powerpoint/2010/main" val="3623545488"/>
-              </p:ext>
-            </p:extLst>
-          </p:nvPr>
-        </p:nvGraphicFramePr>
-        <p:xfrm>
-          <a:off x="642938" y="642938"/>
-          <a:ext cx="10906125" cy="3286125"/>
-        </p:xfrm>
-        <a:graphic>
-          <a:graphicData uri="http://schemas.openxmlformats.org/drawingml/2006/diagram">
-            <dgm:relIds xmlns:dgm="http://schemas.openxmlformats.org/drawingml/2006/diagram" xmlns:r="http://schemas.openxmlformats.org/officeDocument/2006/relationships" r:dm="rId2" r:lo="rId3" r:qs="rId4" r:cs="rId5"/>
-          </a:graphicData>
-        </a:graphic>
-      </p:graphicFrame>
-    </p:spTree>
-    <p:extLst>
-      <p:ext uri="{BB962C8B-B14F-4D97-AF65-F5344CB8AC3E}">
-        <p14:creationId xmlns:p14="http://schemas.microsoft.com/office/powerpoint/2010/main" val="3631613874"/>
-      </p:ext>
-    </p:extLst>
-  </p:cSld>
-  <p:clrMapOvr>
-    <a:overrideClrMapping bg1="lt1" tx1="dk1" bg2="lt2" tx2="dk2" accent1="accent1" accent2="accent2" accent3="accent3" accent4="accent4" accent5="accent5" accent6="accent6" hlink="hlink" folHlink="folHlink"/>
-  </p:clrMapOvr>
-</p:sld>
-</file>
-
-<file path=ppt/slides/slide20.xml><?xml version="1.0" encoding="utf-8"?>
+<file path=ppt/slides/slide21.xml><?xml version="1.0" encoding="utf-8"?>
 <p:sld xmlns:a="http://schemas.openxmlformats.org/drawingml/2006/main" xmlns:r="http://schemas.openxmlformats.org/officeDocument/2006/relationships" xmlns:p="http://schemas.openxmlformats.org/presentationml/2006/main">
   <p:cSld>
     <p:bg>
@@ -18594,7 +18090,7 @@
 </p:sld>
 </file>
 
-<file path=ppt/slides/slide21.xml><?xml version="1.0" encoding="utf-8"?>
+<file path=ppt/slides/slide22.xml><?xml version="1.0" encoding="utf-8"?>
 <p:sld xmlns:a="http://schemas.openxmlformats.org/drawingml/2006/main" xmlns:r="http://schemas.openxmlformats.org/officeDocument/2006/relationships" xmlns:p="http://schemas.openxmlformats.org/presentationml/2006/main">
   <p:cSld>
     <p:spTree>
@@ -18673,187 +18169,15 @@
           <a:lstStyle/>
           <a:p>
             <a:r>
-              <a:rPr lang="fr-CA" dirty="0"/>
-              <a:t>Transfer </a:t>
-            </a:r>
-            <a:r>
-              <a:rPr lang="fr-CA" dirty="0" err="1"/>
-              <a:t>learning</a:t>
-            </a:r>
-            <a:r>
-              <a:rPr lang="fr-CA" dirty="0"/>
-              <a:t> </a:t>
-            </a:r>
-            <a:r>
-              <a:rPr lang="fr-CA" dirty="0" err="1"/>
-              <a:t>is</a:t>
-            </a:r>
-            <a:r>
-              <a:rPr lang="fr-CA" dirty="0"/>
-              <a:t> the process of </a:t>
-            </a:r>
-            <a:r>
-              <a:rPr lang="fr-CA" dirty="0" err="1"/>
-              <a:t>using</a:t>
-            </a:r>
-            <a:r>
-              <a:rPr lang="fr-CA" dirty="0"/>
-              <a:t> a </a:t>
-            </a:r>
-            <a:r>
-              <a:rPr lang="fr-CA" dirty="0" err="1"/>
-              <a:t>pre-trained</a:t>
-            </a:r>
-            <a:r>
-              <a:rPr lang="fr-CA" dirty="0"/>
-              <a:t> </a:t>
-            </a:r>
-            <a:r>
-              <a:rPr lang="fr-CA" dirty="0" err="1"/>
-              <a:t>model’s</a:t>
-            </a:r>
-            <a:r>
-              <a:rPr lang="fr-CA" dirty="0"/>
-              <a:t> </a:t>
-            </a:r>
-            <a:r>
-              <a:rPr lang="fr-CA" dirty="0" err="1"/>
-              <a:t>weights</a:t>
-            </a:r>
-            <a:r>
-              <a:rPr lang="fr-CA" dirty="0"/>
-              <a:t> and training </a:t>
-            </a:r>
-            <a:r>
-              <a:rPr lang="fr-CA" dirty="0" err="1"/>
-              <a:t>it</a:t>
-            </a:r>
-            <a:r>
-              <a:rPr lang="fr-CA" dirty="0"/>
-              <a:t> </a:t>
-            </a:r>
-            <a:r>
-              <a:rPr lang="fr-CA" dirty="0" err="1"/>
-              <a:t>again</a:t>
-            </a:r>
-            <a:r>
-              <a:rPr lang="fr-CA" dirty="0"/>
-              <a:t> (fine-tuning) on a new </a:t>
-            </a:r>
-            <a:r>
-              <a:rPr lang="fr-CA" dirty="0" err="1"/>
-              <a:t>task</a:t>
-            </a:r>
-            <a:r>
-              <a:rPr lang="fr-CA" dirty="0"/>
-              <a:t> or </a:t>
-            </a:r>
-            <a:r>
-              <a:rPr lang="fr-CA" dirty="0" err="1"/>
-              <a:t>dataset</a:t>
-            </a:r>
-            <a:r>
-              <a:rPr lang="fr-CA" dirty="0"/>
-              <a:t>.</a:t>
+              <a:rPr lang="en-CA" noProof="0" dirty="0"/>
+              <a:t>Transfer learning is the process of using a pre-trained model’s weights and training it again (fine-tuning) on a new task or dataset.</a:t>
             </a:r>
           </a:p>
           <a:p>
             <a:pPr lvl="1"/>
             <a:r>
-              <a:rPr lang="fr-CA" dirty="0" err="1"/>
-              <a:t>Doing</a:t>
-            </a:r>
-            <a:r>
-              <a:rPr lang="fr-CA" dirty="0"/>
-              <a:t> </a:t>
-            </a:r>
-            <a:r>
-              <a:rPr lang="fr-CA" dirty="0" err="1"/>
-              <a:t>this</a:t>
-            </a:r>
-            <a:r>
-              <a:rPr lang="fr-CA" dirty="0"/>
-              <a:t> </a:t>
-            </a:r>
-            <a:r>
-              <a:rPr lang="fr-CA" dirty="0" err="1"/>
-              <a:t>allows</a:t>
-            </a:r>
-            <a:r>
-              <a:rPr lang="fr-CA" dirty="0"/>
-              <a:t> </a:t>
-            </a:r>
-            <a:r>
-              <a:rPr lang="fr-CA" dirty="0" err="1"/>
-              <a:t>efficiently</a:t>
-            </a:r>
-            <a:r>
-              <a:rPr lang="fr-CA" dirty="0"/>
-              <a:t> re-</a:t>
-            </a:r>
-            <a:r>
-              <a:rPr lang="fr-CA" dirty="0" err="1"/>
-              <a:t>using</a:t>
-            </a:r>
-            <a:r>
-              <a:rPr lang="fr-CA" dirty="0"/>
-              <a:t> a large </a:t>
-            </a:r>
-            <a:r>
-              <a:rPr lang="fr-CA" dirty="0" err="1"/>
-              <a:t>language</a:t>
-            </a:r>
-            <a:r>
-              <a:rPr lang="fr-CA" dirty="0"/>
-              <a:t> model </a:t>
-            </a:r>
-            <a:r>
-              <a:rPr lang="fr-CA" dirty="0" err="1"/>
-              <a:t>pre-trained</a:t>
-            </a:r>
-            <a:r>
-              <a:rPr lang="fr-CA" dirty="0"/>
-              <a:t> on a </a:t>
-            </a:r>
-            <a:r>
-              <a:rPr lang="fr-CA" dirty="0" err="1"/>
-              <a:t>given</a:t>
-            </a:r>
-            <a:r>
-              <a:rPr lang="fr-CA" dirty="0"/>
-              <a:t> </a:t>
-            </a:r>
-            <a:r>
-              <a:rPr lang="fr-CA" dirty="0" err="1"/>
-              <a:t>task</a:t>
-            </a:r>
-            <a:r>
-              <a:rPr lang="fr-CA" dirty="0"/>
-              <a:t> to train </a:t>
-            </a:r>
-            <a:r>
-              <a:rPr lang="fr-CA" dirty="0" err="1"/>
-              <a:t>it</a:t>
-            </a:r>
-            <a:r>
-              <a:rPr lang="fr-CA" dirty="0"/>
-              <a:t> on a vision-</a:t>
-            </a:r>
-            <a:r>
-              <a:rPr lang="fr-CA" dirty="0" err="1"/>
-              <a:t>language</a:t>
-            </a:r>
-            <a:r>
-              <a:rPr lang="fr-CA" dirty="0"/>
-              <a:t> </a:t>
-            </a:r>
-            <a:r>
-              <a:rPr lang="fr-CA" dirty="0" err="1"/>
-              <a:t>task</a:t>
-            </a:r>
-            <a:r>
-              <a:rPr lang="fr-CA" dirty="0"/>
-              <a:t>.</a:t>
+              <a:rPr lang="en-CA" noProof="0" dirty="0"/>
+              <a:t>Doing this allows efficiently re-using a large language model pre-trained on a given task to train it on a vision-language task.</a:t>
             </a:r>
           </a:p>
           <a:p>
@@ -18889,15 +18213,7 @@
           <a:p>
             <a:r>
               <a:rPr lang="en-CA" dirty="0"/>
-              <a:t>Note: In practice, I believe it’s best to first train your language </a:t>
-            </a:r>
-            <a:r>
-              <a:rPr lang="en-CA" dirty="0" err="1"/>
-              <a:t>modeland</a:t>
-            </a:r>
-            <a:r>
-              <a:rPr lang="en-CA" dirty="0"/>
-              <a:t> image model separately extensively, then alternate between a variety of tasks </a:t>
+              <a:t>Note: In practice, I believe it’s best to first train your language model and image model separately extensively, then alternate between a variety of tasks </a:t>
             </a:r>
           </a:p>
           <a:p>
@@ -18950,7 +18266,7 @@
 </p:sld>
 </file>
 
-<file path=ppt/slides/slide22.xml><?xml version="1.0" encoding="utf-8"?>
+<file path=ppt/slides/slide23.xml><?xml version="1.0" encoding="utf-8"?>
 <p:sld xmlns:a="http://schemas.openxmlformats.org/drawingml/2006/main" xmlns:r="http://schemas.openxmlformats.org/officeDocument/2006/relationships" xmlns:p="http://schemas.openxmlformats.org/presentationml/2006/main">
   <p:cSld>
     <p:bg>
@@ -19328,7 +18644,7 @@
 </p:sld>
 </file>
 
-<file path=ppt/slides/slide23.xml><?xml version="1.0" encoding="utf-8"?>
+<file path=ppt/slides/slide24.xml><?xml version="1.0" encoding="utf-8"?>
 <p:sld xmlns:a="http://schemas.openxmlformats.org/drawingml/2006/main" xmlns:r="http://schemas.openxmlformats.org/officeDocument/2006/relationships" xmlns:p="http://schemas.openxmlformats.org/presentationml/2006/main">
   <p:cSld>
     <p:spTree>
@@ -19401,28 +18717,8 @@
               <a:buNone/>
             </a:pPr>
             <a:r>
-              <a:rPr lang="fr-CA" dirty="0" err="1"/>
-              <a:t>Datasets</a:t>
-            </a:r>
-            <a:r>
-              <a:rPr lang="fr-CA" dirty="0"/>
-              <a:t> (</a:t>
-            </a:r>
-            <a:r>
-              <a:rPr lang="fr-CA" dirty="0" err="1"/>
-              <a:t>academic</a:t>
-            </a:r>
-            <a:r>
-              <a:rPr lang="fr-CA" dirty="0"/>
-              <a:t> use </a:t>
-            </a:r>
-            <a:r>
-              <a:rPr lang="fr-CA" dirty="0" err="1"/>
-              <a:t>only</a:t>
-            </a:r>
-            <a:r>
-              <a:rPr lang="fr-CA" dirty="0"/>
-              <a:t>):</a:t>
+              <a:rPr lang="en-CA" noProof="0" dirty="0"/>
+              <a:t>Datasets (academic use only):</a:t>
             </a:r>
           </a:p>
           <a:p>
@@ -19546,7 +18842,336 @@
 </p:sld>
 </file>
 
-<file path=ppt/slides/slide24.xml><?xml version="1.0" encoding="utf-8"?>
+<file path=ppt/slides/slide25.xml><?xml version="1.0" encoding="utf-8"?>
+<p:sld xmlns:a="http://schemas.openxmlformats.org/drawingml/2006/main" xmlns:r="http://schemas.openxmlformats.org/officeDocument/2006/relationships" xmlns:p="http://schemas.openxmlformats.org/presentationml/2006/main">
+  <p:cSld>
+    <p:spTree>
+      <p:nvGrpSpPr>
+        <p:cNvPr id="1" name=""/>
+        <p:cNvGrpSpPr/>
+        <p:nvPr/>
+      </p:nvGrpSpPr>
+      <p:grpSpPr>
+        <a:xfrm>
+          <a:off x="0" y="0"/>
+          <a:ext cx="0" cy="0"/>
+          <a:chOff x="0" y="0"/>
+          <a:chExt cx="0" cy="0"/>
+        </a:xfrm>
+      </p:grpSpPr>
+      <p:sp>
+        <p:nvSpPr>
+          <p:cNvPr id="2" name="Title 1">
+            <a:extLst>
+              <a:ext uri="{FF2B5EF4-FFF2-40B4-BE49-F238E27FC236}">
+                <a16:creationId xmlns:a16="http://schemas.microsoft.com/office/drawing/2014/main" id="{BF884944-1A0F-D968-77BF-A9EDA2C9024D}"/>
+              </a:ext>
+            </a:extLst>
+          </p:cNvPr>
+          <p:cNvSpPr>
+            <a:spLocks noGrp="1"/>
+          </p:cNvSpPr>
+          <p:nvPr>
+            <p:ph type="title"/>
+          </p:nvPr>
+        </p:nvSpPr>
+        <p:spPr/>
+        <p:txBody>
+          <a:bodyPr/>
+          <a:lstStyle/>
+          <a:p>
+            <a:r>
+              <a:rPr lang="fr-CA" dirty="0"/>
+              <a:t>Bonus section: Fine-tuning </a:t>
+            </a:r>
+            <a:endParaRPr lang="en-CA" dirty="0"/>
+          </a:p>
+        </p:txBody>
+      </p:sp>
+      <p:sp>
+        <p:nvSpPr>
+          <p:cNvPr id="3" name="Content Placeholder 2">
+            <a:extLst>
+              <a:ext uri="{FF2B5EF4-FFF2-40B4-BE49-F238E27FC236}">
+                <a16:creationId xmlns:a16="http://schemas.microsoft.com/office/drawing/2014/main" id="{3546F1AC-95CC-A30B-CB1B-4610D7014A6B}"/>
+              </a:ext>
+            </a:extLst>
+          </p:cNvPr>
+          <p:cNvSpPr>
+            <a:spLocks noGrp="1"/>
+          </p:cNvSpPr>
+          <p:nvPr>
+            <p:ph idx="1"/>
+          </p:nvPr>
+        </p:nvSpPr>
+        <p:spPr>
+          <a:xfrm>
+            <a:off x="313266" y="1380067"/>
+            <a:ext cx="9262533" cy="4800600"/>
+          </a:xfrm>
+        </p:spPr>
+        <p:txBody>
+          <a:bodyPr>
+            <a:normAutofit fontScale="85000" lnSpcReduction="20000"/>
+          </a:bodyPr>
+          <a:lstStyle/>
+          <a:p>
+            <a:pPr>
+              <a:buFont typeface="Wingdings" panose="05000000000000000000" pitchFamily="2" charset="2"/>
+              <a:buChar char="§"/>
+            </a:pPr>
+            <a:r>
+              <a:rPr lang="en-CA" noProof="0" dirty="0"/>
+              <a:t>Fine-tuning a VLM is generally not recommended, unless you have an hyper-specific use-case, access to A100s and lots of high-quality data</a:t>
+            </a:r>
+          </a:p>
+          <a:p>
+            <a:pPr lvl="1">
+              <a:buFont typeface="Wingdings" panose="05000000000000000000" pitchFamily="2" charset="2"/>
+              <a:buChar char="§"/>
+            </a:pPr>
+            <a:r>
+              <a:rPr lang="en-CA" noProof="0" dirty="0"/>
+              <a:t>Even then, you’re probably not beating Gemini 2.5 Pro with good prompting.</a:t>
+            </a:r>
+          </a:p>
+          <a:p>
+            <a:pPr lvl="1">
+              <a:buFont typeface="Wingdings" panose="05000000000000000000" pitchFamily="2" charset="2"/>
+              <a:buChar char="§"/>
+            </a:pPr>
+            <a:r>
+              <a:rPr lang="en-CA" noProof="0" dirty="0"/>
+              <a:t>Very few companies have the data and expertise to fine-tune a model with good results.</a:t>
+            </a:r>
+          </a:p>
+          <a:p>
+            <a:pPr>
+              <a:buFont typeface="Wingdings" panose="05000000000000000000" pitchFamily="2" charset="2"/>
+              <a:buChar char="§"/>
+            </a:pPr>
+            <a:r>
+              <a:rPr lang="en-CA" noProof="0" dirty="0"/>
+              <a:t>If you still want to fine-tune:</a:t>
+            </a:r>
+          </a:p>
+          <a:p>
+            <a:pPr lvl="1">
+              <a:buFont typeface="Wingdings" panose="05000000000000000000" pitchFamily="2" charset="2"/>
+              <a:buChar char="§"/>
+            </a:pPr>
+            <a:r>
+              <a:rPr lang="en-CA" noProof="0" dirty="0"/>
+              <a:t>You can fine-tune a 7 billion parameter model comfortably on an A100 in Google </a:t>
+            </a:r>
+            <a:r>
+              <a:rPr lang="en-CA" noProof="0" dirty="0" err="1"/>
+              <a:t>Colab</a:t>
+            </a:r>
+            <a:r>
+              <a:rPr lang="en-CA" noProof="0" dirty="0"/>
+              <a:t> (don’t buy your own!! Costs $10,000!) with a technique called LoRa. Training cost on Google </a:t>
+            </a:r>
+            <a:r>
+              <a:rPr lang="en-CA" noProof="0" dirty="0" err="1"/>
+              <a:t>Colab</a:t>
+            </a:r>
+            <a:r>
+              <a:rPr lang="en-CA" noProof="0" dirty="0"/>
+              <a:t> will be around 1 to 2 dollars an hour.</a:t>
+            </a:r>
+          </a:p>
+          <a:p>
+            <a:pPr lvl="2">
+              <a:buFont typeface="Wingdings" panose="05000000000000000000" pitchFamily="2" charset="2"/>
+              <a:buChar char="§"/>
+            </a:pPr>
+            <a:r>
+              <a:rPr lang="en-CA" noProof="0" dirty="0"/>
+              <a:t>Most professionals have access to clusters through AWS, Azure or Google Cloud Platform, so they don’t have to pay their own compute.</a:t>
+            </a:r>
+          </a:p>
+          <a:p>
+            <a:pPr lvl="2">
+              <a:buFont typeface="Wingdings" panose="05000000000000000000" pitchFamily="2" charset="2"/>
+              <a:buChar char="§"/>
+            </a:pPr>
+            <a:r>
+              <a:rPr lang="en-CA" noProof="0" dirty="0"/>
+              <a:t>You can train a 7B parameter model on a 24gb </a:t>
+            </a:r>
+            <a:r>
+              <a:rPr lang="en-CA" noProof="0" dirty="0" err="1"/>
+              <a:t>vram</a:t>
+            </a:r>
+            <a:r>
+              <a:rPr lang="en-CA" noProof="0" dirty="0"/>
+              <a:t> GPU, but it’s not going to be pleasant.</a:t>
+            </a:r>
+          </a:p>
+          <a:p>
+            <a:pPr lvl="2">
+              <a:buFont typeface="Wingdings" panose="05000000000000000000" pitchFamily="2" charset="2"/>
+              <a:buChar char="§"/>
+            </a:pPr>
+            <a:r>
+              <a:rPr lang="en-CA" noProof="0" dirty="0"/>
+              <a:t>For reference, </a:t>
+            </a:r>
+            <a:r>
+              <a:rPr lang="en-CA" noProof="0" dirty="0" err="1"/>
+              <a:t>Deepseek</a:t>
+            </a:r>
+            <a:r>
+              <a:rPr lang="en-CA" noProof="0" dirty="0"/>
+              <a:t> R1’s state-of-the-art open weights model is 685 billion parameters</a:t>
+            </a:r>
+          </a:p>
+          <a:p>
+            <a:pPr lvl="1">
+              <a:buFont typeface="Wingdings" panose="05000000000000000000" pitchFamily="2" charset="2"/>
+              <a:buChar char="§"/>
+            </a:pPr>
+            <a:r>
+              <a:rPr lang="en-CA" noProof="0" dirty="0"/>
+              <a:t>Example notebooks to fine-tune with:</a:t>
+            </a:r>
+          </a:p>
+          <a:p>
+            <a:pPr lvl="2">
+              <a:buFont typeface="Wingdings" panose="05000000000000000000" pitchFamily="2" charset="2"/>
+              <a:buChar char="§"/>
+            </a:pPr>
+            <a:r>
+              <a:rPr lang="en-CA" dirty="0" err="1">
+                <a:hlinkClick r:id="rId2"/>
+              </a:rPr>
+              <a:t>smol</a:t>
+            </a:r>
+            <a:r>
+              <a:rPr lang="en-CA" dirty="0">
+                <a:hlinkClick r:id="rId2"/>
+              </a:rPr>
+              <a:t>-vision/</a:t>
+            </a:r>
+            <a:r>
+              <a:rPr lang="en-CA" dirty="0" err="1">
+                <a:hlinkClick r:id="rId2"/>
+              </a:rPr>
+              <a:t>Fine_tune_PaliGemma.ipynb</a:t>
+            </a:r>
+            <a:r>
+              <a:rPr lang="en-CA" dirty="0">
+                <a:hlinkClick r:id="rId2"/>
+              </a:rPr>
+              <a:t> at main · </a:t>
+            </a:r>
+            <a:r>
+              <a:rPr lang="en-CA" dirty="0" err="1">
+                <a:hlinkClick r:id="rId2"/>
+              </a:rPr>
+              <a:t>merveenoyan</a:t>
+            </a:r>
+            <a:r>
+              <a:rPr lang="en-CA" dirty="0">
+                <a:hlinkClick r:id="rId2"/>
+              </a:rPr>
+              <a:t>/</a:t>
+            </a:r>
+            <a:r>
+              <a:rPr lang="en-CA" dirty="0" err="1">
+                <a:hlinkClick r:id="rId2"/>
+              </a:rPr>
+              <a:t>smol</a:t>
+            </a:r>
+            <a:r>
+              <a:rPr lang="en-CA" dirty="0">
+                <a:hlinkClick r:id="rId2"/>
+              </a:rPr>
+              <a:t>-vision</a:t>
+            </a:r>
+            <a:endParaRPr lang="en-CA" dirty="0"/>
+          </a:p>
+          <a:p>
+            <a:pPr lvl="2">
+              <a:buFont typeface="Wingdings" panose="05000000000000000000" pitchFamily="2" charset="2"/>
+              <a:buChar char="§"/>
+            </a:pPr>
+            <a:r>
+              <a:rPr lang="en-US" dirty="0">
+                <a:hlinkClick r:id="rId3"/>
+              </a:rPr>
+              <a:t>Fine-Tuning a Vision Language Model (Qwen2-VL-7B) with the Hugging Face Ecosystem</a:t>
+            </a:r>
+            <a:endParaRPr lang="en-US" dirty="0"/>
+          </a:p>
+          <a:p>
+            <a:pPr lvl="1">
+              <a:buFont typeface="Wingdings" panose="05000000000000000000" pitchFamily="2" charset="2"/>
+              <a:buChar char="§"/>
+            </a:pPr>
+            <a:r>
+              <a:rPr lang="en-US" dirty="0"/>
+              <a:t>Hardware requirements:</a:t>
+            </a:r>
+          </a:p>
+          <a:p>
+            <a:pPr lvl="2">
+              <a:buFont typeface="Wingdings" panose="05000000000000000000" pitchFamily="2" charset="2"/>
+              <a:buChar char="§"/>
+            </a:pPr>
+            <a:r>
+              <a:rPr lang="en-US" dirty="0" err="1">
+                <a:hlinkClick r:id="rId4"/>
+              </a:rPr>
+              <a:t>hiyouga</a:t>
+            </a:r>
+            <a:r>
+              <a:rPr lang="en-US" dirty="0">
+                <a:hlinkClick r:id="rId4"/>
+              </a:rPr>
+              <a:t>/</a:t>
+            </a:r>
+            <a:r>
+              <a:rPr lang="en-US" dirty="0" err="1">
+                <a:hlinkClick r:id="rId4"/>
+              </a:rPr>
+              <a:t>LLaMA</a:t>
+            </a:r>
+            <a:r>
+              <a:rPr lang="en-US" dirty="0">
+                <a:hlinkClick r:id="rId4"/>
+              </a:rPr>
+              <a:t>-Factory: Unified Efficient Fine-Tuning of 100+ LLMs &amp; VLMs (ACL 2024)</a:t>
+            </a:r>
+            <a:endParaRPr lang="en-US" dirty="0"/>
+          </a:p>
+          <a:p>
+            <a:pPr>
+              <a:buFont typeface="Wingdings" panose="05000000000000000000" pitchFamily="2" charset="2"/>
+              <a:buChar char="§"/>
+            </a:pPr>
+            <a:r>
+              <a:rPr lang="en-US" dirty="0"/>
+              <a:t>For larger models, you need parallelization, which is supported in most frameworks.</a:t>
+            </a:r>
+          </a:p>
+        </p:txBody>
+      </p:sp>
+    </p:spTree>
+    <p:extLst>
+      <p:ext uri="{BB962C8B-B14F-4D97-AF65-F5344CB8AC3E}">
+        <p14:creationId xmlns:p14="http://schemas.microsoft.com/office/powerpoint/2010/main" val="767963014"/>
+      </p:ext>
+    </p:extLst>
+  </p:cSld>
+  <p:clrMapOvr>
+    <a:masterClrMapping/>
+  </p:clrMapOvr>
+</p:sld>
+</file>
+
+<file path=ppt/slides/slide26.xml><?xml version="1.0" encoding="utf-8"?>
 <p:sld xmlns:a="http://schemas.openxmlformats.org/drawingml/2006/main" xmlns:r="http://schemas.openxmlformats.org/officeDocument/2006/relationships" xmlns:p="http://schemas.openxmlformats.org/presentationml/2006/main">
   <p:cSld>
     <p:bg>
@@ -20486,6 +20111,935 @@
 <file path=ppt/slides/slide3.xml><?xml version="1.0" encoding="utf-8"?>
 <p:sld xmlns:a="http://schemas.openxmlformats.org/drawingml/2006/main" xmlns:r="http://schemas.openxmlformats.org/officeDocument/2006/relationships" xmlns:p="http://schemas.openxmlformats.org/presentationml/2006/main">
   <p:cSld>
+    <p:bg>
+      <p:bgPr>
+        <a:solidFill>
+          <a:schemeClr val="bg1"/>
+        </a:solidFill>
+        <a:effectLst/>
+      </p:bgPr>
+    </p:bg>
+    <p:spTree>
+      <p:nvGrpSpPr>
+        <p:cNvPr id="1" name=""/>
+        <p:cNvGrpSpPr/>
+        <p:nvPr/>
+      </p:nvGrpSpPr>
+      <p:grpSpPr>
+        <a:xfrm>
+          <a:off x="0" y="0"/>
+          <a:ext cx="0" cy="0"/>
+          <a:chOff x="0" y="0"/>
+          <a:chExt cx="0" cy="0"/>
+        </a:xfrm>
+      </p:grpSpPr>
+      <p:sp>
+        <p:nvSpPr>
+          <p:cNvPr id="138" name="Rectangle 137">
+            <a:extLst>
+              <a:ext uri="{FF2B5EF4-FFF2-40B4-BE49-F238E27FC236}">
+                <a16:creationId xmlns:a16="http://schemas.microsoft.com/office/drawing/2014/main" id="{BD11ECC6-8551-4768-8DFD-CD41AF420A37}"/>
+              </a:ext>
+              <a:ext uri="{C183D7F6-B498-43B3-948B-1728B52AA6E4}">
+                <adec:decorative xmlns:adec="http://schemas.microsoft.com/office/drawing/2017/decorative" val="1"/>
+              </a:ext>
+            </a:extLst>
+          </p:cNvPr>
+          <p:cNvSpPr>
+            <a:spLocks noGrp="1" noRot="1" noChangeAspect="1" noMove="1" noResize="1" noEditPoints="1" noAdjustHandles="1" noChangeArrowheads="1" noChangeShapeType="1" noTextEdit="1"/>
+          </p:cNvSpPr>
+          <p:nvPr>
+            <p:extLst>
+              <p:ext uri="{386F3935-93C4-4BCD-93E2-E3B085C9AB24}">
+                <p16:designElem xmlns:p16="http://schemas.microsoft.com/office/powerpoint/2015/main" val="1"/>
+              </p:ext>
+            </p:extLst>
+          </p:nvPr>
+        </p:nvSpPr>
+        <p:spPr>
+          <a:xfrm>
+            <a:off x="0" y="4572001"/>
+            <a:ext cx="12192000" cy="2285999"/>
+          </a:xfrm>
+          <a:prstGeom prst="rect">
+            <a:avLst/>
+          </a:prstGeom>
+          <a:solidFill>
+            <a:schemeClr val="tx1">
+              <a:lumMod val="75000"/>
+              <a:lumOff val="25000"/>
+            </a:schemeClr>
+          </a:solidFill>
+          <a:ln>
+            <a:noFill/>
+          </a:ln>
+        </p:spPr>
+        <p:style>
+          <a:lnRef idx="2">
+            <a:schemeClr val="accent1">
+              <a:shade val="50000"/>
+            </a:schemeClr>
+          </a:lnRef>
+          <a:fillRef idx="1">
+            <a:schemeClr val="accent1"/>
+          </a:fillRef>
+          <a:effectRef idx="0">
+            <a:schemeClr val="accent1"/>
+          </a:effectRef>
+          <a:fontRef idx="minor">
+            <a:schemeClr val="lt1"/>
+          </a:fontRef>
+        </p:style>
+        <p:txBody>
+          <a:bodyPr rtlCol="0" anchor="ctr"/>
+          <a:lstStyle/>
+          <a:p>
+            <a:pPr algn="ctr"/>
+            <a:endParaRPr lang="en-US">
+              <a:solidFill>
+                <a:schemeClr val="bg1"/>
+              </a:solidFill>
+            </a:endParaRPr>
+          </a:p>
+        </p:txBody>
+      </p:sp>
+      <p:grpSp>
+        <p:nvGrpSpPr>
+          <p:cNvPr id="140" name="Group 139">
+            <a:extLst>
+              <a:ext uri="{FF2B5EF4-FFF2-40B4-BE49-F238E27FC236}">
+                <a16:creationId xmlns:a16="http://schemas.microsoft.com/office/drawing/2014/main" id="{93657592-CA60-4F45-B1A0-88AA77242087}"/>
+              </a:ext>
+              <a:ext uri="{C183D7F6-B498-43B3-948B-1728B52AA6E4}">
+                <adec:decorative xmlns:adec="http://schemas.microsoft.com/office/drawing/2017/decorative" val="1"/>
+              </a:ext>
+            </a:extLst>
+          </p:cNvPr>
+          <p:cNvGrpSpPr>
+            <a:grpSpLocks noGrp="1" noUngrp="1" noRot="1" noChangeAspect="1" noMove="1" noResize="1"/>
+          </p:cNvGrpSpPr>
+          <p:nvPr>
+            <p:extLst>
+              <p:ext uri="{386F3935-93C4-4BCD-93E2-E3B085C9AB24}">
+                <p16:designElem xmlns:p16="http://schemas.microsoft.com/office/powerpoint/2015/main" val="1"/>
+              </p:ext>
+            </p:extLst>
+          </p:nvPr>
+        </p:nvGrpSpPr>
+        <p:grpSpPr>
+          <a:xfrm>
+            <a:off x="7425267" y="-8467"/>
+            <a:ext cx="4766733" cy="6866467"/>
+            <a:chOff x="7425267" y="-8467"/>
+            <a:chExt cx="4766733" cy="6866467"/>
+          </a:xfrm>
+        </p:grpSpPr>
+        <p:cxnSp>
+          <p:nvCxnSpPr>
+            <p:cNvPr id="129" name="Straight Connector 128">
+              <a:extLst>
+                <a:ext uri="{FF2B5EF4-FFF2-40B4-BE49-F238E27FC236}">
+                  <a16:creationId xmlns:a16="http://schemas.microsoft.com/office/drawing/2014/main" id="{6F47E2B4-7DA9-4312-A1F0-C48388B236A6}"/>
+                </a:ext>
+                <a:ext uri="{C183D7F6-B498-43B3-948B-1728B52AA6E4}">
+                  <adec:decorative xmlns:adec="http://schemas.microsoft.com/office/drawing/2017/decorative" val="1"/>
+                </a:ext>
+              </a:extLst>
+            </p:cNvPr>
+            <p:cNvCxnSpPr>
+              <a:cxnSpLocks/>
+            </p:cNvCxnSpPr>
+            <p:nvPr>
+              <p:extLst>
+                <p:ext uri="{386F3935-93C4-4BCD-93E2-E3B085C9AB24}">
+                  <p16:designElem xmlns:p16="http://schemas.microsoft.com/office/powerpoint/2015/main" val="1"/>
+                </p:ext>
+              </p:extLst>
+            </p:nvPr>
+          </p:nvCxnSpPr>
+          <p:spPr>
+            <a:xfrm>
+              <a:off x="10196547" y="4572001"/>
+              <a:ext cx="393665" cy="2285999"/>
+            </a:xfrm>
+            <a:prstGeom prst="line">
+              <a:avLst/>
+            </a:prstGeom>
+            <a:ln w="9525">
+              <a:solidFill>
+                <a:srgbClr val="BFBFBF">
+                  <a:alpha val="70000"/>
+                </a:srgbClr>
+              </a:solidFill>
+            </a:ln>
+          </p:spPr>
+          <p:style>
+            <a:lnRef idx="2">
+              <a:schemeClr val="accent1"/>
+            </a:lnRef>
+            <a:fillRef idx="0">
+              <a:schemeClr val="accent1"/>
+            </a:fillRef>
+            <a:effectRef idx="1">
+              <a:schemeClr val="accent1"/>
+            </a:effectRef>
+            <a:fontRef idx="minor">
+              <a:schemeClr val="tx1"/>
+            </a:fontRef>
+          </p:style>
+        </p:cxnSp>
+        <p:cxnSp>
+          <p:nvCxnSpPr>
+            <p:cNvPr id="141" name="Straight Connector 140">
+              <a:extLst>
+                <a:ext uri="{FF2B5EF4-FFF2-40B4-BE49-F238E27FC236}">
+                  <a16:creationId xmlns:a16="http://schemas.microsoft.com/office/drawing/2014/main" id="{35B274F7-039F-4BFC-AA98-B51B1D6CB692}"/>
+                </a:ext>
+                <a:ext uri="{C183D7F6-B498-43B3-948B-1728B52AA6E4}">
+                  <adec:decorative xmlns:adec="http://schemas.microsoft.com/office/drawing/2017/decorative" val="1"/>
+                </a:ext>
+              </a:extLst>
+            </p:cNvPr>
+            <p:cNvCxnSpPr>
+              <a:cxnSpLocks/>
+            </p:cNvCxnSpPr>
+            <p:nvPr>
+              <p:extLst>
+                <p:ext uri="{386F3935-93C4-4BCD-93E2-E3B085C9AB24}">
+                  <p16:designElem xmlns:p16="http://schemas.microsoft.com/office/powerpoint/2015/main" val="1"/>
+                </p:ext>
+              </p:extLst>
+            </p:nvPr>
+          </p:nvCxnSpPr>
+          <p:spPr>
+            <a:xfrm flipH="1">
+              <a:off x="7425267" y="4572001"/>
+              <a:ext cx="3383073" cy="2285999"/>
+            </a:xfrm>
+            <a:prstGeom prst="line">
+              <a:avLst/>
+            </a:prstGeom>
+            <a:ln w="9525">
+              <a:solidFill>
+                <a:srgbClr val="BFBFBF">
+                  <a:alpha val="69804"/>
+                </a:srgbClr>
+              </a:solidFill>
+            </a:ln>
+          </p:spPr>
+          <p:style>
+            <a:lnRef idx="2">
+              <a:schemeClr val="accent1"/>
+            </a:lnRef>
+            <a:fillRef idx="0">
+              <a:schemeClr val="accent1"/>
+            </a:fillRef>
+            <a:effectRef idx="1">
+              <a:schemeClr val="accent1"/>
+            </a:effectRef>
+            <a:fontRef idx="minor">
+              <a:schemeClr val="tx1"/>
+            </a:fontRef>
+          </p:style>
+        </p:cxnSp>
+        <p:sp>
+          <p:nvSpPr>
+            <p:cNvPr id="131" name="Rectangle 23">
+              <a:extLst>
+                <a:ext uri="{FF2B5EF4-FFF2-40B4-BE49-F238E27FC236}">
+                  <a16:creationId xmlns:a16="http://schemas.microsoft.com/office/drawing/2014/main" id="{11A31103-C703-46C9-9D26-497A1ACD50AF}"/>
+                </a:ext>
+                <a:ext uri="{C183D7F6-B498-43B3-948B-1728B52AA6E4}">
+                  <adec:decorative xmlns:adec="http://schemas.microsoft.com/office/drawing/2017/decorative" val="1"/>
+                </a:ext>
+              </a:extLst>
+            </p:cNvPr>
+            <p:cNvSpPr/>
+            <p:nvPr>
+              <p:extLst>
+                <p:ext uri="{386F3935-93C4-4BCD-93E2-E3B085C9AB24}">
+                  <p16:designElem xmlns:p16="http://schemas.microsoft.com/office/powerpoint/2015/main" val="1"/>
+                </p:ext>
+              </p:extLst>
+            </p:nvPr>
+          </p:nvSpPr>
+          <p:spPr>
+            <a:xfrm>
+              <a:off x="9181476" y="-8467"/>
+              <a:ext cx="3007349" cy="6866467"/>
+            </a:xfrm>
+            <a:custGeom>
+              <a:avLst/>
+              <a:gdLst/>
+              <a:ahLst/>
+              <a:cxnLst/>
+              <a:rect l="l" t="t" r="r" b="b"/>
+              <a:pathLst>
+                <a:path w="3007349" h="6866467">
+                  <a:moveTo>
+                    <a:pt x="2045532" y="0"/>
+                  </a:moveTo>
+                  <a:lnTo>
+                    <a:pt x="3007349" y="0"/>
+                  </a:lnTo>
+                  <a:lnTo>
+                    <a:pt x="3007349" y="6866467"/>
+                  </a:lnTo>
+                  <a:lnTo>
+                    <a:pt x="0" y="6866467"/>
+                  </a:lnTo>
+                  <a:lnTo>
+                    <a:pt x="2045532" y="0"/>
+                  </a:lnTo>
+                  <a:close/>
+                </a:path>
+              </a:pathLst>
+            </a:custGeom>
+            <a:solidFill>
+              <a:schemeClr val="accent1">
+                <a:alpha val="30000"/>
+              </a:schemeClr>
+            </a:solidFill>
+            <a:ln>
+              <a:noFill/>
+            </a:ln>
+            <a:effectLst/>
+          </p:spPr>
+          <p:style>
+            <a:lnRef idx="1">
+              <a:schemeClr val="accent1"/>
+            </a:lnRef>
+            <a:fillRef idx="3">
+              <a:schemeClr val="accent1"/>
+            </a:fillRef>
+            <a:effectRef idx="2">
+              <a:schemeClr val="accent1"/>
+            </a:effectRef>
+            <a:fontRef idx="minor">
+              <a:schemeClr val="lt1"/>
+            </a:fontRef>
+          </p:style>
+          <p:txBody>
+            <a:bodyPr/>
+            <a:lstStyle/>
+            <a:p>
+              <a:endParaRPr lang="en-CA"/>
+            </a:p>
+          </p:txBody>
+        </p:sp>
+        <p:sp>
+          <p:nvSpPr>
+            <p:cNvPr id="132" name="Rectangle 25">
+              <a:extLst>
+                <a:ext uri="{FF2B5EF4-FFF2-40B4-BE49-F238E27FC236}">
+                  <a16:creationId xmlns:a16="http://schemas.microsoft.com/office/drawing/2014/main" id="{382F955F-FC22-44B8-BDCF-B77580323B70}"/>
+                </a:ext>
+                <a:ext uri="{C183D7F6-B498-43B3-948B-1728B52AA6E4}">
+                  <adec:decorative xmlns:adec="http://schemas.microsoft.com/office/drawing/2017/decorative" val="1"/>
+                </a:ext>
+              </a:extLst>
+            </p:cNvPr>
+            <p:cNvSpPr/>
+            <p:nvPr>
+              <p:extLst>
+                <p:ext uri="{386F3935-93C4-4BCD-93E2-E3B085C9AB24}">
+                  <p16:designElem xmlns:p16="http://schemas.microsoft.com/office/powerpoint/2015/main" val="1"/>
+                </p:ext>
+              </p:extLst>
+            </p:nvPr>
+          </p:nvSpPr>
+          <p:spPr>
+            <a:xfrm>
+              <a:off x="9603442" y="-8467"/>
+              <a:ext cx="2588558" cy="6866467"/>
+            </a:xfrm>
+            <a:custGeom>
+              <a:avLst/>
+              <a:gdLst/>
+              <a:ahLst/>
+              <a:cxnLst/>
+              <a:rect l="l" t="t" r="r" b="b"/>
+              <a:pathLst>
+                <a:path w="2573311" h="6866467">
+                  <a:moveTo>
+                    <a:pt x="0" y="0"/>
+                  </a:moveTo>
+                  <a:lnTo>
+                    <a:pt x="2573311" y="0"/>
+                  </a:lnTo>
+                  <a:lnTo>
+                    <a:pt x="2573311" y="6866467"/>
+                  </a:lnTo>
+                  <a:lnTo>
+                    <a:pt x="1202336" y="6866467"/>
+                  </a:lnTo>
+                  <a:lnTo>
+                    <a:pt x="0" y="0"/>
+                  </a:lnTo>
+                  <a:close/>
+                </a:path>
+              </a:pathLst>
+            </a:custGeom>
+            <a:solidFill>
+              <a:schemeClr val="accent1">
+                <a:alpha val="20000"/>
+              </a:schemeClr>
+            </a:solidFill>
+            <a:ln>
+              <a:noFill/>
+            </a:ln>
+            <a:effectLst/>
+          </p:spPr>
+          <p:style>
+            <a:lnRef idx="1">
+              <a:schemeClr val="accent1"/>
+            </a:lnRef>
+            <a:fillRef idx="3">
+              <a:schemeClr val="accent1"/>
+            </a:fillRef>
+            <a:effectRef idx="2">
+              <a:schemeClr val="accent1"/>
+            </a:effectRef>
+            <a:fontRef idx="minor">
+              <a:schemeClr val="lt1"/>
+            </a:fontRef>
+          </p:style>
+          <p:txBody>
+            <a:bodyPr/>
+            <a:lstStyle/>
+            <a:p>
+              <a:endParaRPr lang="en-CA"/>
+            </a:p>
+          </p:txBody>
+        </p:sp>
+        <p:sp>
+          <p:nvSpPr>
+            <p:cNvPr id="133" name="Isosceles Triangle 132">
+              <a:extLst>
+                <a:ext uri="{FF2B5EF4-FFF2-40B4-BE49-F238E27FC236}">
+                  <a16:creationId xmlns:a16="http://schemas.microsoft.com/office/drawing/2014/main" id="{1F567692-F087-479A-8931-BD2869C3E4E6}"/>
+                </a:ext>
+                <a:ext uri="{C183D7F6-B498-43B3-948B-1728B52AA6E4}">
+                  <adec:decorative xmlns:adec="http://schemas.microsoft.com/office/drawing/2017/decorative" val="1"/>
+                </a:ext>
+              </a:extLst>
+            </p:cNvPr>
+            <p:cNvSpPr/>
+            <p:nvPr>
+              <p:extLst>
+                <p:ext uri="{386F3935-93C4-4BCD-93E2-E3B085C9AB24}">
+                  <p16:designElem xmlns:p16="http://schemas.microsoft.com/office/powerpoint/2015/main" val="1"/>
+                </p:ext>
+              </p:extLst>
+            </p:nvPr>
+          </p:nvSpPr>
+          <p:spPr>
+            <a:xfrm>
+              <a:off x="8932333" y="3048000"/>
+              <a:ext cx="3259667" cy="3810000"/>
+            </a:xfrm>
+            <a:prstGeom prst="triangle">
+              <a:avLst>
+                <a:gd name="adj" fmla="val 100000"/>
+              </a:avLst>
+            </a:prstGeom>
+            <a:solidFill>
+              <a:schemeClr val="accent2">
+                <a:alpha val="72000"/>
+              </a:schemeClr>
+            </a:solidFill>
+            <a:ln>
+              <a:noFill/>
+            </a:ln>
+            <a:effectLst/>
+          </p:spPr>
+          <p:style>
+            <a:lnRef idx="1">
+              <a:schemeClr val="accent1"/>
+            </a:lnRef>
+            <a:fillRef idx="3">
+              <a:schemeClr val="accent1"/>
+            </a:fillRef>
+            <a:effectRef idx="2">
+              <a:schemeClr val="accent1"/>
+            </a:effectRef>
+            <a:fontRef idx="minor">
+              <a:schemeClr val="lt1"/>
+            </a:fontRef>
+          </p:style>
+          <p:txBody>
+            <a:bodyPr/>
+            <a:lstStyle/>
+            <a:p>
+              <a:endParaRPr lang="en-CA"/>
+            </a:p>
+          </p:txBody>
+        </p:sp>
+        <p:sp>
+          <p:nvSpPr>
+            <p:cNvPr id="134" name="Rectangle 27">
+              <a:extLst>
+                <a:ext uri="{FF2B5EF4-FFF2-40B4-BE49-F238E27FC236}">
+                  <a16:creationId xmlns:a16="http://schemas.microsoft.com/office/drawing/2014/main" id="{49B3E4CD-0738-4B9D-A14F-1E8694DDF895}"/>
+                </a:ext>
+                <a:ext uri="{C183D7F6-B498-43B3-948B-1728B52AA6E4}">
+                  <adec:decorative xmlns:adec="http://schemas.microsoft.com/office/drawing/2017/decorative" val="1"/>
+                </a:ext>
+              </a:extLst>
+            </p:cNvPr>
+            <p:cNvSpPr/>
+            <p:nvPr>
+              <p:extLst>
+                <p:ext uri="{386F3935-93C4-4BCD-93E2-E3B085C9AB24}">
+                  <p16:designElem xmlns:p16="http://schemas.microsoft.com/office/powerpoint/2015/main" val="1"/>
+                </p:ext>
+              </p:extLst>
+            </p:nvPr>
+          </p:nvSpPr>
+          <p:spPr>
+            <a:xfrm>
+              <a:off x="9334500" y="-8467"/>
+              <a:ext cx="2854326" cy="6866467"/>
+            </a:xfrm>
+            <a:custGeom>
+              <a:avLst/>
+              <a:gdLst/>
+              <a:ahLst/>
+              <a:cxnLst/>
+              <a:rect l="l" t="t" r="r" b="b"/>
+              <a:pathLst>
+                <a:path w="2858013" h="6866467">
+                  <a:moveTo>
+                    <a:pt x="0" y="0"/>
+                  </a:moveTo>
+                  <a:lnTo>
+                    <a:pt x="2858013" y="0"/>
+                  </a:lnTo>
+                  <a:lnTo>
+                    <a:pt x="2858013" y="6866467"/>
+                  </a:lnTo>
+                  <a:lnTo>
+                    <a:pt x="2473942" y="6866467"/>
+                  </a:lnTo>
+                  <a:lnTo>
+                    <a:pt x="0" y="0"/>
+                  </a:lnTo>
+                  <a:close/>
+                </a:path>
+              </a:pathLst>
+            </a:custGeom>
+            <a:solidFill>
+              <a:schemeClr val="accent2">
+                <a:lumMod val="75000"/>
+                <a:alpha val="70000"/>
+              </a:schemeClr>
+            </a:solidFill>
+            <a:ln>
+              <a:noFill/>
+            </a:ln>
+            <a:effectLst/>
+          </p:spPr>
+          <p:style>
+            <a:lnRef idx="1">
+              <a:schemeClr val="accent1"/>
+            </a:lnRef>
+            <a:fillRef idx="3">
+              <a:schemeClr val="accent1"/>
+            </a:fillRef>
+            <a:effectRef idx="2">
+              <a:schemeClr val="accent1"/>
+            </a:effectRef>
+            <a:fontRef idx="minor">
+              <a:schemeClr val="lt1"/>
+            </a:fontRef>
+          </p:style>
+          <p:txBody>
+            <a:bodyPr/>
+            <a:lstStyle/>
+            <a:p>
+              <a:endParaRPr lang="en-CA"/>
+            </a:p>
+          </p:txBody>
+        </p:sp>
+        <p:sp>
+          <p:nvSpPr>
+            <p:cNvPr id="135" name="Rectangle 28">
+              <a:extLst>
+                <a:ext uri="{FF2B5EF4-FFF2-40B4-BE49-F238E27FC236}">
+                  <a16:creationId xmlns:a16="http://schemas.microsoft.com/office/drawing/2014/main" id="{4753B851-AD90-4CCD-85D0-65AA6567DF31}"/>
+                </a:ext>
+                <a:ext uri="{C183D7F6-B498-43B3-948B-1728B52AA6E4}">
+                  <adec:decorative xmlns:adec="http://schemas.microsoft.com/office/drawing/2017/decorative" val="1"/>
+                </a:ext>
+              </a:extLst>
+            </p:cNvPr>
+            <p:cNvSpPr/>
+            <p:nvPr>
+              <p:extLst>
+                <p:ext uri="{386F3935-93C4-4BCD-93E2-E3B085C9AB24}">
+                  <p16:designElem xmlns:p16="http://schemas.microsoft.com/office/powerpoint/2015/main" val="1"/>
+                </p:ext>
+              </p:extLst>
+            </p:nvPr>
+          </p:nvSpPr>
+          <p:spPr>
+            <a:xfrm>
+              <a:off x="10898730" y="-8467"/>
+              <a:ext cx="1290094" cy="6866467"/>
+            </a:xfrm>
+            <a:custGeom>
+              <a:avLst/>
+              <a:gdLst/>
+              <a:ahLst/>
+              <a:cxnLst/>
+              <a:rect l="l" t="t" r="r" b="b"/>
+              <a:pathLst>
+                <a:path w="1290094" h="6858000">
+                  <a:moveTo>
+                    <a:pt x="1019735" y="0"/>
+                  </a:moveTo>
+                  <a:lnTo>
+                    <a:pt x="1290094" y="0"/>
+                  </a:lnTo>
+                  <a:lnTo>
+                    <a:pt x="1290094" y="6858000"/>
+                  </a:lnTo>
+                  <a:lnTo>
+                    <a:pt x="0" y="6858000"/>
+                  </a:lnTo>
+                  <a:lnTo>
+                    <a:pt x="1019735" y="0"/>
+                  </a:lnTo>
+                  <a:close/>
+                </a:path>
+              </a:pathLst>
+            </a:custGeom>
+            <a:solidFill>
+              <a:schemeClr val="accent1">
+                <a:lumMod val="60000"/>
+                <a:lumOff val="40000"/>
+                <a:alpha val="70000"/>
+              </a:schemeClr>
+            </a:solidFill>
+            <a:ln>
+              <a:noFill/>
+            </a:ln>
+            <a:effectLst/>
+          </p:spPr>
+          <p:style>
+            <a:lnRef idx="1">
+              <a:schemeClr val="accent1"/>
+            </a:lnRef>
+            <a:fillRef idx="3">
+              <a:schemeClr val="accent1"/>
+            </a:fillRef>
+            <a:effectRef idx="2">
+              <a:schemeClr val="accent1"/>
+            </a:effectRef>
+            <a:fontRef idx="minor">
+              <a:schemeClr val="lt1"/>
+            </a:fontRef>
+          </p:style>
+          <p:txBody>
+            <a:bodyPr/>
+            <a:lstStyle/>
+            <a:p>
+              <a:endParaRPr lang="en-CA"/>
+            </a:p>
+          </p:txBody>
+        </p:sp>
+        <p:sp>
+          <p:nvSpPr>
+            <p:cNvPr id="136" name="Rectangle 29">
+              <a:extLst>
+                <a:ext uri="{FF2B5EF4-FFF2-40B4-BE49-F238E27FC236}">
+                  <a16:creationId xmlns:a16="http://schemas.microsoft.com/office/drawing/2014/main" id="{EBF14868-A190-4E21-9522-8977C474C97E}"/>
+                </a:ext>
+                <a:ext uri="{C183D7F6-B498-43B3-948B-1728B52AA6E4}">
+                  <adec:decorative xmlns:adec="http://schemas.microsoft.com/office/drawing/2017/decorative" val="1"/>
+                </a:ext>
+              </a:extLst>
+            </p:cNvPr>
+            <p:cNvSpPr/>
+            <p:nvPr>
+              <p:extLst>
+                <p:ext uri="{386F3935-93C4-4BCD-93E2-E3B085C9AB24}">
+                  <p16:designElem xmlns:p16="http://schemas.microsoft.com/office/powerpoint/2015/main" val="1"/>
+                </p:ext>
+              </p:extLst>
+            </p:nvPr>
+          </p:nvSpPr>
+          <p:spPr>
+            <a:xfrm>
+              <a:off x="10938999" y="-8467"/>
+              <a:ext cx="1249825" cy="6866467"/>
+            </a:xfrm>
+            <a:custGeom>
+              <a:avLst/>
+              <a:gdLst/>
+              <a:ahLst/>
+              <a:cxnLst/>
+              <a:rect l="l" t="t" r="r" b="b"/>
+              <a:pathLst>
+                <a:path w="1249825" h="6858000">
+                  <a:moveTo>
+                    <a:pt x="0" y="0"/>
+                  </a:moveTo>
+                  <a:lnTo>
+                    <a:pt x="1249825" y="0"/>
+                  </a:lnTo>
+                  <a:lnTo>
+                    <a:pt x="1249825" y="6858000"/>
+                  </a:lnTo>
+                  <a:lnTo>
+                    <a:pt x="1109382" y="6858000"/>
+                  </a:lnTo>
+                  <a:lnTo>
+                    <a:pt x="0" y="0"/>
+                  </a:lnTo>
+                  <a:close/>
+                </a:path>
+              </a:pathLst>
+            </a:custGeom>
+            <a:solidFill>
+              <a:schemeClr val="accent1">
+                <a:alpha val="65000"/>
+              </a:schemeClr>
+            </a:solidFill>
+            <a:ln>
+              <a:noFill/>
+            </a:ln>
+            <a:effectLst/>
+          </p:spPr>
+          <p:style>
+            <a:lnRef idx="1">
+              <a:schemeClr val="accent1"/>
+            </a:lnRef>
+            <a:fillRef idx="3">
+              <a:schemeClr val="accent1"/>
+            </a:fillRef>
+            <a:effectRef idx="2">
+              <a:schemeClr val="accent1"/>
+            </a:effectRef>
+            <a:fontRef idx="minor">
+              <a:schemeClr val="lt1"/>
+            </a:fontRef>
+          </p:style>
+          <p:txBody>
+            <a:bodyPr/>
+            <a:lstStyle/>
+            <a:p>
+              <a:endParaRPr lang="en-CA"/>
+            </a:p>
+          </p:txBody>
+        </p:sp>
+        <p:sp>
+          <p:nvSpPr>
+            <p:cNvPr id="137" name="Isosceles Triangle 136">
+              <a:extLst>
+                <a:ext uri="{FF2B5EF4-FFF2-40B4-BE49-F238E27FC236}">
+                  <a16:creationId xmlns:a16="http://schemas.microsoft.com/office/drawing/2014/main" id="{BCBB4922-76EE-442B-A649-09873DCE79DA}"/>
+                </a:ext>
+                <a:ext uri="{C183D7F6-B498-43B3-948B-1728B52AA6E4}">
+                  <adec:decorative xmlns:adec="http://schemas.microsoft.com/office/drawing/2017/decorative" val="1"/>
+                </a:ext>
+              </a:extLst>
+            </p:cNvPr>
+            <p:cNvSpPr/>
+            <p:nvPr>
+              <p:extLst>
+                <p:ext uri="{386F3935-93C4-4BCD-93E2-E3B085C9AB24}">
+                  <p16:designElem xmlns:p16="http://schemas.microsoft.com/office/powerpoint/2015/main" val="1"/>
+                </p:ext>
+              </p:extLst>
+            </p:nvPr>
+          </p:nvSpPr>
+          <p:spPr>
+            <a:xfrm>
+              <a:off x="10371666" y="3589867"/>
+              <a:ext cx="1817159" cy="3268133"/>
+            </a:xfrm>
+            <a:prstGeom prst="triangle">
+              <a:avLst>
+                <a:gd name="adj" fmla="val 100000"/>
+              </a:avLst>
+            </a:prstGeom>
+            <a:solidFill>
+              <a:schemeClr val="accent1">
+                <a:alpha val="80000"/>
+              </a:schemeClr>
+            </a:solidFill>
+            <a:ln>
+              <a:noFill/>
+            </a:ln>
+            <a:effectLst/>
+          </p:spPr>
+          <p:style>
+            <a:lnRef idx="1">
+              <a:schemeClr val="accent1"/>
+            </a:lnRef>
+            <a:fillRef idx="3">
+              <a:schemeClr val="accent1"/>
+            </a:fillRef>
+            <a:effectRef idx="2">
+              <a:schemeClr val="accent1"/>
+            </a:effectRef>
+            <a:fontRef idx="minor">
+              <a:schemeClr val="lt1"/>
+            </a:fontRef>
+          </p:style>
+          <p:txBody>
+            <a:bodyPr/>
+            <a:lstStyle/>
+            <a:p>
+              <a:endParaRPr lang="en-CA"/>
+            </a:p>
+          </p:txBody>
+        </p:sp>
+      </p:grpSp>
+      <p:sp>
+        <p:nvSpPr>
+          <p:cNvPr id="4" name="Title 3">
+            <a:extLst>
+              <a:ext uri="{FF2B5EF4-FFF2-40B4-BE49-F238E27FC236}">
+                <a16:creationId xmlns:a16="http://schemas.microsoft.com/office/drawing/2014/main" id="{7B3B7914-BC51-9D18-97FF-78C65D2AE3FA}"/>
+              </a:ext>
+            </a:extLst>
+          </p:cNvPr>
+          <p:cNvSpPr>
+            <a:spLocks noGrp="1"/>
+          </p:cNvSpPr>
+          <p:nvPr>
+            <p:ph type="title"/>
+          </p:nvPr>
+        </p:nvSpPr>
+        <p:spPr>
+          <a:xfrm>
+            <a:off x="677334" y="4765972"/>
+            <a:ext cx="8596668" cy="1320800"/>
+          </a:xfrm>
+        </p:spPr>
+        <p:txBody>
+          <a:bodyPr vert="horz" lIns="91440" tIns="45720" rIns="91440" bIns="45720" rtlCol="0" anchor="ctr">
+            <a:normAutofit/>
+          </a:bodyPr>
+          <a:lstStyle/>
+          <a:p>
+            <a:r>
+              <a:rPr lang="en-US" sz="4400">
+                <a:solidFill>
+                  <a:schemeClr val="bg1"/>
+                </a:solidFill>
+              </a:rPr>
+              <a:t>Presentation overview</a:t>
+            </a:r>
+          </a:p>
+        </p:txBody>
+      </p:sp>
+      <p:sp useBgFill="1">
+        <p:nvSpPr>
+          <p:cNvPr id="139" name="Rectangle 138">
+            <a:extLst>
+              <a:ext uri="{FF2B5EF4-FFF2-40B4-BE49-F238E27FC236}">
+                <a16:creationId xmlns:a16="http://schemas.microsoft.com/office/drawing/2014/main" id="{8E2EB503-A017-4457-A105-53638C97DEB8}"/>
+              </a:ext>
+              <a:ext uri="{C183D7F6-B498-43B3-948B-1728B52AA6E4}">
+                <adec:decorative xmlns:adec="http://schemas.microsoft.com/office/drawing/2017/decorative" val="1"/>
+              </a:ext>
+            </a:extLst>
+          </p:cNvPr>
+          <p:cNvSpPr>
+            <a:spLocks noGrp="1" noRot="1" noChangeAspect="1" noMove="1" noResize="1" noEditPoints="1" noAdjustHandles="1" noChangeArrowheads="1" noChangeShapeType="1" noTextEdit="1"/>
+          </p:cNvSpPr>
+          <p:nvPr>
+            <p:extLst>
+              <p:ext uri="{386F3935-93C4-4BCD-93E2-E3B085C9AB24}">
+                <p16:designElem xmlns:p16="http://schemas.microsoft.com/office/powerpoint/2015/main" val="1"/>
+              </p:ext>
+            </p:extLst>
+          </p:nvPr>
+        </p:nvSpPr>
+        <p:spPr>
+          <a:xfrm>
+            <a:off x="0" y="1"/>
+            <a:ext cx="12192000" cy="4572000"/>
+          </a:xfrm>
+          <a:prstGeom prst="rect">
+            <a:avLst/>
+          </a:prstGeom>
+          <a:ln>
+            <a:noFill/>
+          </a:ln>
+        </p:spPr>
+        <p:style>
+          <a:lnRef idx="2">
+            <a:schemeClr val="accent1">
+              <a:shade val="50000"/>
+            </a:schemeClr>
+          </a:lnRef>
+          <a:fillRef idx="1">
+            <a:schemeClr val="accent1"/>
+          </a:fillRef>
+          <a:effectRef idx="0">
+            <a:schemeClr val="accent1"/>
+          </a:effectRef>
+          <a:fontRef idx="minor">
+            <a:schemeClr val="lt1"/>
+          </a:fontRef>
+        </p:style>
+        <p:txBody>
+          <a:bodyPr rtlCol="0" anchor="ctr"/>
+          <a:lstStyle/>
+          <a:p>
+            <a:pPr algn="ctr"/>
+            <a:endParaRPr lang="en-US"/>
+          </a:p>
+        </p:txBody>
+      </p:sp>
+      <p:graphicFrame>
+        <p:nvGraphicFramePr>
+          <p:cNvPr id="92" name="TextBox 5">
+            <a:extLst>
+              <a:ext uri="{FF2B5EF4-FFF2-40B4-BE49-F238E27FC236}">
+                <a16:creationId xmlns:a16="http://schemas.microsoft.com/office/drawing/2014/main" id="{FABB5256-0D42-2D6E-E961-522FA23EFCEA}"/>
+              </a:ext>
+            </a:extLst>
+          </p:cNvPr>
+          <p:cNvGraphicFramePr/>
+          <p:nvPr>
+            <p:extLst>
+              <p:ext uri="{D42A27DB-BD31-4B8C-83A1-F6EECF244321}">
+                <p14:modId xmlns:p14="http://schemas.microsoft.com/office/powerpoint/2010/main" val="3623545488"/>
+              </p:ext>
+            </p:extLst>
+          </p:nvPr>
+        </p:nvGraphicFramePr>
+        <p:xfrm>
+          <a:off x="642938" y="642938"/>
+          <a:ext cx="10906125" cy="3286125"/>
+        </p:xfrm>
+        <a:graphic>
+          <a:graphicData uri="http://schemas.openxmlformats.org/drawingml/2006/diagram">
+            <dgm:relIds xmlns:dgm="http://schemas.openxmlformats.org/drawingml/2006/diagram" xmlns:r="http://schemas.openxmlformats.org/officeDocument/2006/relationships" r:dm="rId2" r:lo="rId3" r:qs="rId4" r:cs="rId5"/>
+          </a:graphicData>
+        </a:graphic>
+      </p:graphicFrame>
+    </p:spTree>
+    <p:extLst>
+      <p:ext uri="{BB962C8B-B14F-4D97-AF65-F5344CB8AC3E}">
+        <p14:creationId xmlns:p14="http://schemas.microsoft.com/office/powerpoint/2010/main" val="3631613874"/>
+      </p:ext>
+    </p:extLst>
+  </p:cSld>
+  <p:clrMapOvr>
+    <a:overrideClrMapping bg1="lt1" tx1="dk1" bg2="lt2" tx2="dk2" accent1="accent1" accent2="accent2" accent3="accent3" accent4="accent4" accent5="accent5" accent6="accent6" hlink="hlink" folHlink="folHlink"/>
+  </p:clrMapOvr>
+</p:sld>
+</file>
+
+<file path=ppt/slides/slide4.xml><?xml version="1.0" encoding="utf-8"?>
+<p:sld xmlns:a="http://schemas.openxmlformats.org/drawingml/2006/main" xmlns:r="http://schemas.openxmlformats.org/officeDocument/2006/relationships" xmlns:p="http://schemas.openxmlformats.org/presentationml/2006/main">
+  <p:cSld>
     <p:spTree>
       <p:nvGrpSpPr>
         <p:cNvPr id="1" name=""/>
@@ -20590,297 +21144,45 @@
               <a:buNone/>
             </a:pPr>
             <a:r>
-              <a:rPr lang="fr-CA" dirty="0"/>
-              <a:t>A </a:t>
-            </a:r>
-            <a:r>
-              <a:rPr lang="fr-CA" dirty="0" err="1"/>
-              <a:t>modality</a:t>
-            </a:r>
-            <a:r>
-              <a:rPr lang="fr-CA" dirty="0"/>
-              <a:t> </a:t>
-            </a:r>
-            <a:r>
-              <a:rPr lang="fr-CA" dirty="0" err="1"/>
-              <a:t>is</a:t>
-            </a:r>
-            <a:r>
-              <a:rPr lang="fr-CA" dirty="0"/>
-              <a:t> a </a:t>
-            </a:r>
-            <a:r>
-              <a:rPr lang="fr-CA" dirty="0" err="1"/>
-              <a:t>form</a:t>
-            </a:r>
-            <a:r>
-              <a:rPr lang="fr-CA" dirty="0"/>
-              <a:t> of data </a:t>
-            </a:r>
-            <a:r>
-              <a:rPr lang="fr-CA" dirty="0" err="1"/>
-              <a:t>representation</a:t>
-            </a:r>
-            <a:r>
-              <a:rPr lang="fr-CA" dirty="0"/>
-              <a:t>, </a:t>
-            </a:r>
-            <a:r>
-              <a:rPr lang="fr-CA" dirty="0" err="1"/>
-              <a:t>such</a:t>
-            </a:r>
-            <a:r>
-              <a:rPr lang="fr-CA" dirty="0"/>
-              <a:t> as </a:t>
-            </a:r>
-            <a:r>
-              <a:rPr lang="fr-CA" dirty="0" err="1"/>
-              <a:t>text</a:t>
-            </a:r>
-            <a:r>
-              <a:rPr lang="fr-CA" dirty="0"/>
-              <a:t>, audio, image, </a:t>
-            </a:r>
-            <a:r>
-              <a:rPr lang="fr-CA" dirty="0" err="1"/>
-              <a:t>video</a:t>
-            </a:r>
-            <a:r>
-              <a:rPr lang="fr-CA" dirty="0"/>
-              <a:t>, time </a:t>
-            </a:r>
-            <a:r>
-              <a:rPr lang="fr-CA" dirty="0" err="1"/>
-              <a:t>series</a:t>
-            </a:r>
-            <a:r>
-              <a:rPr lang="fr-CA" dirty="0"/>
-              <a:t>, etc.</a:t>
+              <a:rPr lang="en-CA" noProof="0" dirty="0"/>
+              <a:t>A modality is a form of data representation, such as text, audio, image, video, time series, etc.</a:t>
             </a:r>
           </a:p>
           <a:p>
             <a:pPr marL="0" indent="0">
               <a:buNone/>
             </a:pPr>
-            <a:endParaRPr lang="fr-CA" dirty="0"/>
+            <a:endParaRPr lang="en-CA" noProof="0" dirty="0"/>
           </a:p>
           <a:p>
             <a:pPr marL="0" indent="0">
               <a:buNone/>
             </a:pPr>
             <a:r>
-              <a:rPr lang="fr-CA" dirty="0" err="1"/>
-              <a:t>Historically</a:t>
-            </a:r>
-            <a:r>
-              <a:rPr lang="fr-CA" dirty="0"/>
-              <a:t>, AI </a:t>
-            </a:r>
-            <a:r>
-              <a:rPr lang="fr-CA" dirty="0" err="1"/>
-              <a:t>models</a:t>
-            </a:r>
-            <a:r>
-              <a:rPr lang="fr-CA" dirty="0"/>
-              <a:t> </a:t>
-            </a:r>
-            <a:r>
-              <a:rPr lang="fr-CA" dirty="0" err="1"/>
-              <a:t>would</a:t>
-            </a:r>
-            <a:r>
-              <a:rPr lang="fr-CA" dirty="0"/>
-              <a:t> </a:t>
-            </a:r>
-            <a:r>
-              <a:rPr lang="fr-CA" dirty="0" err="1"/>
-              <a:t>receive</a:t>
-            </a:r>
-            <a:r>
-              <a:rPr lang="fr-CA" dirty="0"/>
-              <a:t> data inputs of a single </a:t>
-            </a:r>
-            <a:r>
-              <a:rPr lang="fr-CA" dirty="0" err="1"/>
-              <a:t>modality</a:t>
-            </a:r>
-            <a:r>
-              <a:rPr lang="fr-CA" dirty="0"/>
-              <a:t>, and output in </a:t>
-            </a:r>
-            <a:r>
-              <a:rPr lang="fr-CA" dirty="0" err="1"/>
-              <a:t>turn</a:t>
-            </a:r>
-            <a:r>
-              <a:rPr lang="fr-CA" dirty="0"/>
-              <a:t>, a single </a:t>
-            </a:r>
-            <a:r>
-              <a:rPr lang="fr-CA" dirty="0" err="1"/>
-              <a:t>modality</a:t>
-            </a:r>
-            <a:r>
-              <a:rPr lang="fr-CA" dirty="0"/>
-              <a:t>.</a:t>
+              <a:rPr lang="en-CA" noProof="0" dirty="0"/>
+              <a:t>Historically, AI models would receive data inputs of a single modality, and output in turn, a single modality.</a:t>
             </a:r>
           </a:p>
           <a:p>
             <a:pPr lvl="1"/>
             <a:r>
-              <a:rPr lang="fr-CA" dirty="0"/>
-              <a:t>Note: The input and output </a:t>
-            </a:r>
-            <a:r>
-              <a:rPr lang="fr-CA" dirty="0" err="1"/>
-              <a:t>modality</a:t>
-            </a:r>
-            <a:r>
-              <a:rPr lang="fr-CA" dirty="0"/>
-              <a:t>	 </a:t>
-            </a:r>
-            <a:r>
-              <a:rPr lang="fr-CA" dirty="0" err="1"/>
-              <a:t>did</a:t>
-            </a:r>
-            <a:r>
-              <a:rPr lang="fr-CA" dirty="0"/>
-              <a:t> not </a:t>
-            </a:r>
-            <a:r>
-              <a:rPr lang="fr-CA" dirty="0" err="1"/>
-              <a:t>need</a:t>
-            </a:r>
-            <a:r>
-              <a:rPr lang="fr-CA" dirty="0"/>
-              <a:t> to match.</a:t>
+              <a:rPr lang="en-CA" noProof="0" dirty="0"/>
+              <a:t>Note: The input and output modality	 did not need to match.</a:t>
             </a:r>
           </a:p>
           <a:p>
             <a:pPr marL="0" indent="0">
               <a:buNone/>
             </a:pPr>
-            <a:endParaRPr lang="fr-CA" dirty="0"/>
+            <a:endParaRPr lang="en-CA" noProof="0" dirty="0"/>
           </a:p>
           <a:p>
             <a:pPr marL="0" indent="0">
               <a:buNone/>
             </a:pPr>
             <a:r>
-              <a:rPr lang="fr-CA" dirty="0"/>
-              <a:t>State-of-the-art </a:t>
-            </a:r>
-            <a:r>
-              <a:rPr lang="fr-CA" dirty="0" err="1"/>
-              <a:t>models</a:t>
-            </a:r>
-            <a:r>
-              <a:rPr lang="fr-CA" dirty="0"/>
-              <a:t>, </a:t>
-            </a:r>
-            <a:r>
-              <a:rPr lang="fr-CA" dirty="0" err="1"/>
-              <a:t>nowadays</a:t>
-            </a:r>
-            <a:r>
-              <a:rPr lang="fr-CA" dirty="0"/>
-              <a:t>, combine multiple </a:t>
-            </a:r>
-            <a:r>
-              <a:rPr lang="fr-CA" dirty="0" err="1"/>
-              <a:t>modalities</a:t>
-            </a:r>
-            <a:r>
-              <a:rPr lang="fr-CA" dirty="0"/>
-              <a:t> </a:t>
-            </a:r>
-            <a:r>
-              <a:rPr lang="fr-CA" dirty="0" err="1"/>
-              <a:t>both</a:t>
-            </a:r>
-            <a:r>
-              <a:rPr lang="fr-CA" dirty="0"/>
-              <a:t> at the input and output </a:t>
-            </a:r>
-            <a:r>
-              <a:rPr lang="fr-CA" dirty="0" err="1"/>
-              <a:t>level</a:t>
-            </a:r>
-            <a:r>
-              <a:rPr lang="fr-CA" dirty="0"/>
-              <a:t>. For </a:t>
-            </a:r>
-            <a:r>
-              <a:rPr lang="fr-CA" dirty="0" err="1"/>
-              <a:t>example</a:t>
-            </a:r>
-            <a:r>
-              <a:rPr lang="fr-CA" dirty="0"/>
-              <a:t>, a user </a:t>
-            </a:r>
-            <a:r>
-              <a:rPr lang="fr-CA" dirty="0" err="1"/>
-              <a:t>may</a:t>
-            </a:r>
-            <a:r>
-              <a:rPr lang="fr-CA" dirty="0"/>
-              <a:t> </a:t>
-            </a:r>
-            <a:r>
-              <a:rPr lang="fr-CA" dirty="0" err="1"/>
-              <a:t>want</a:t>
-            </a:r>
-            <a:r>
-              <a:rPr lang="fr-CA" dirty="0"/>
-              <a:t> to </a:t>
-            </a:r>
-            <a:r>
-              <a:rPr lang="fr-CA" dirty="0" err="1"/>
-              <a:t>ask</a:t>
-            </a:r>
-            <a:r>
-              <a:rPr lang="fr-CA" dirty="0"/>
-              <a:t> a question about the content of an image and </a:t>
-            </a:r>
-            <a:r>
-              <a:rPr lang="fr-CA" dirty="0" err="1"/>
-              <a:t>receive</a:t>
-            </a:r>
-            <a:r>
-              <a:rPr lang="fr-CA" dirty="0"/>
-              <a:t> an </a:t>
-            </a:r>
-            <a:r>
-              <a:rPr lang="fr-CA" dirty="0" err="1"/>
-              <a:t>answer</a:t>
-            </a:r>
-            <a:r>
-              <a:rPr lang="fr-CA" dirty="0"/>
-              <a:t> in the </a:t>
-            </a:r>
-            <a:r>
-              <a:rPr lang="fr-CA" dirty="0" err="1"/>
-              <a:t>form</a:t>
-            </a:r>
-            <a:r>
-              <a:rPr lang="fr-CA" dirty="0"/>
-              <a:t> of a new image </a:t>
-            </a:r>
-            <a:r>
-              <a:rPr lang="fr-CA" dirty="0" err="1"/>
-              <a:t>with</a:t>
-            </a:r>
-            <a:r>
-              <a:rPr lang="fr-CA" dirty="0"/>
-              <a:t> </a:t>
-            </a:r>
-            <a:r>
-              <a:rPr lang="fr-CA" dirty="0" err="1"/>
-              <a:t>text</a:t>
-            </a:r>
-            <a:r>
-              <a:rPr lang="fr-CA" dirty="0"/>
-              <a:t>.</a:t>
+              <a:rPr lang="en-CA" noProof="0" dirty="0"/>
+              <a:t>State-of-the-art models, nowadays, combine multiple modalities both at the input and output level. For example, a user may want to ask a question about the content of an image and receive an answer in the form of a new image with text.</a:t>
             </a:r>
           </a:p>
         </p:txBody>
@@ -20898,7 +21200,7 @@
 </p:sld>
 </file>
 
-<file path=ppt/slides/slide4.xml><?xml version="1.0" encoding="utf-8"?>
+<file path=ppt/slides/slide5.xml><?xml version="1.0" encoding="utf-8"?>
 <p:sld xmlns:a="http://schemas.openxmlformats.org/drawingml/2006/main" xmlns:r="http://schemas.openxmlformats.org/officeDocument/2006/relationships" xmlns:p="http://schemas.openxmlformats.org/presentationml/2006/main">
   <p:cSld>
     <p:bg>
@@ -21814,18 +22116,13 @@
           </a:p>
           <a:p>
             <a:r>
-              <a:rPr lang="en-US" dirty="0" err="1">
+              <a:rPr lang="en-US" dirty="0">
                 <a:solidFill>
                   <a:srgbClr val="FFFFFF"/>
                 </a:solidFill>
               </a:rPr>
-              <a:t>Image+text</a:t>
-            </a:r>
-            <a:endParaRPr lang="en-US" dirty="0">
-              <a:solidFill>
-                <a:srgbClr val="FFFFFF"/>
-              </a:solidFill>
-            </a:endParaRPr>
+              <a:t>Image + text</a:t>
+            </a:r>
           </a:p>
           <a:p>
             <a:pPr lvl="1"/>
@@ -22029,7 +22326,7 @@
 </p:sld>
 </file>
 
-<file path=ppt/slides/slide5.xml><?xml version="1.0" encoding="utf-8"?>
+<file path=ppt/slides/slide6.xml><?xml version="1.0" encoding="utf-8"?>
 <p:sld xmlns:a="http://schemas.openxmlformats.org/drawingml/2006/main" xmlns:r="http://schemas.openxmlformats.org/officeDocument/2006/relationships" xmlns:p="http://schemas.openxmlformats.org/presentationml/2006/main">
   <p:cSld>
     <p:spTree>
@@ -22112,7 +22409,7 @@
                   <a:schemeClr val="tx1"/>
                 </a:solidFill>
               </a:rPr>
-              <a:t>“open” model (with limitations, training not disclosed)</a:t>
+              <a:t>“open weight” model (with limitations, training not disclosed)</a:t>
             </a:r>
           </a:p>
           <a:p>
@@ -22141,7 +22438,7 @@
                   <a:schemeClr val="tx1"/>
                 </a:solidFill>
               </a:rPr>
-              <a:t>“open” model (training not disclosed)</a:t>
+              <a:t>“open weight” model (training not disclosed)</a:t>
             </a:r>
           </a:p>
           <a:p>
@@ -22183,7 +22480,7 @@
 </p:sld>
 </file>
 
-<file path=ppt/slides/slide6.xml><?xml version="1.0" encoding="utf-8"?>
+<file path=ppt/slides/slide7.xml><?xml version="1.0" encoding="utf-8"?>
 <p:sld xmlns:a="http://schemas.openxmlformats.org/drawingml/2006/main" xmlns:r="http://schemas.openxmlformats.org/officeDocument/2006/relationships" xmlns:p="http://schemas.openxmlformats.org/presentationml/2006/main">
   <p:cSld>
     <p:spTree>
@@ -22324,7 +22621,7 @@
 </p:sld>
 </file>
 
-<file path=ppt/slides/slide7.xml><?xml version="1.0" encoding="utf-8"?>
+<file path=ppt/slides/slide8.xml><?xml version="1.0" encoding="utf-8"?>
 <p:sld xmlns:a="http://schemas.openxmlformats.org/drawingml/2006/main" xmlns:r="http://schemas.openxmlformats.org/officeDocument/2006/relationships" xmlns:p="http://schemas.openxmlformats.org/presentationml/2006/main">
   <p:cSld>
     <p:bg>
@@ -23187,28 +23484,12 @@
               </a:buClr>
             </a:pPr>
             <a:r>
-              <a:rPr lang="fr-CA" dirty="0">
+              <a:rPr lang="en-CA" noProof="0" dirty="0">
                 <a:solidFill>
                   <a:schemeClr val="bg1"/>
                 </a:solidFill>
               </a:rPr>
-              <a:t>Optical </a:t>
-            </a:r>
-            <a:r>
-              <a:rPr lang="fr-CA" dirty="0" err="1">
-                <a:solidFill>
-                  <a:schemeClr val="bg1"/>
-                </a:solidFill>
-              </a:rPr>
-              <a:t>character</a:t>
-            </a:r>
-            <a:r>
-              <a:rPr lang="fr-CA" dirty="0">
-                <a:solidFill>
-                  <a:schemeClr val="bg1"/>
-                </a:solidFill>
-              </a:rPr>
-              <a:t> recognition</a:t>
+              <a:t>Optical character recognition</a:t>
             </a:r>
           </a:p>
           <a:p>
@@ -23218,20 +23499,12 @@
               </a:buClr>
             </a:pPr>
             <a:r>
-              <a:rPr lang="fr-CA" dirty="0" err="1">
+              <a:rPr lang="en-CA" noProof="0" dirty="0">
                 <a:solidFill>
                   <a:schemeClr val="bg1"/>
                 </a:solidFill>
               </a:rPr>
-              <a:t>Zero</a:t>
-            </a:r>
-            <a:r>
-              <a:rPr lang="fr-CA" dirty="0">
-                <a:solidFill>
-                  <a:schemeClr val="bg1"/>
-                </a:solidFill>
-              </a:rPr>
-              <a:t>-shot classification</a:t>
+              <a:t>Zero-shot classification</a:t>
             </a:r>
           </a:p>
           <a:p>
@@ -23241,34 +23514,13 @@
               </a:buClr>
             </a:pPr>
             <a:r>
-              <a:rPr lang="fr-CA" dirty="0" err="1">
+              <a:rPr lang="en-CA" noProof="0" dirty="0">
                 <a:solidFill>
                   <a:schemeClr val="bg1"/>
                 </a:solidFill>
               </a:rPr>
-              <a:t>Text</a:t>
-            </a:r>
-            <a:r>
-              <a:rPr lang="fr-CA" dirty="0">
-                <a:solidFill>
-                  <a:schemeClr val="bg1"/>
-                </a:solidFill>
-              </a:rPr>
-              <a:t>-to-speech and speech-to-</a:t>
-            </a:r>
-            <a:r>
-              <a:rPr lang="fr-CA" dirty="0" err="1">
-                <a:solidFill>
-                  <a:schemeClr val="bg1"/>
-                </a:solidFill>
-              </a:rPr>
-              <a:t>text</a:t>
-            </a:r>
-            <a:endParaRPr lang="fr-CA" dirty="0">
-              <a:solidFill>
-                <a:schemeClr val="bg1"/>
-              </a:solidFill>
-            </a:endParaRPr>
+              <a:t>Text-to-speech and speech-to-text</a:t>
+            </a:r>
           </a:p>
           <a:p>
             <a:pPr>
@@ -23277,42 +23529,13 @@
               </a:buClr>
             </a:pPr>
             <a:r>
-              <a:rPr lang="fr-CA" dirty="0" err="1">
+              <a:rPr lang="en-CA" noProof="0" dirty="0">
                 <a:solidFill>
                   <a:schemeClr val="bg1"/>
                 </a:solidFill>
               </a:rPr>
-              <a:t>Retrieval-augmented-generation</a:t>
-            </a:r>
-            <a:r>
-              <a:rPr lang="fr-CA" dirty="0">
-                <a:solidFill>
-                  <a:schemeClr val="bg1"/>
-                </a:solidFill>
-              </a:rPr>
-              <a:t> (RAG) on documents </a:t>
-            </a:r>
-            <a:r>
-              <a:rPr lang="fr-CA" dirty="0" err="1">
-                <a:solidFill>
-                  <a:schemeClr val="bg1"/>
-                </a:solidFill>
-              </a:rPr>
-              <a:t>with</a:t>
-            </a:r>
-            <a:r>
-              <a:rPr lang="fr-CA" dirty="0">
-                <a:solidFill>
-                  <a:schemeClr val="bg1"/>
-                </a:solidFill>
-              </a:rPr>
-              <a:t> images</a:t>
-            </a:r>
-            <a:endParaRPr lang="en-CA" dirty="0">
-              <a:solidFill>
-                <a:schemeClr val="bg1"/>
-              </a:solidFill>
-            </a:endParaRPr>
+              <a:t>Retrieval-augmented-generation (RAG) on documents with images</a:t>
+            </a:r>
           </a:p>
         </p:txBody>
       </p:sp>
@@ -23329,7 +23552,7 @@
 </p:sld>
 </file>
 
-<file path=ppt/slides/slide8.xml><?xml version="1.0" encoding="utf-8"?>
+<file path=ppt/slides/slide9.xml><?xml version="1.0" encoding="utf-8"?>
 <p:sld xmlns:a="http://schemas.openxmlformats.org/drawingml/2006/main" xmlns:r="http://schemas.openxmlformats.org/officeDocument/2006/relationships" xmlns:p="http://schemas.openxmlformats.org/presentationml/2006/main">
   <p:cSld>
     <p:bg>
@@ -23464,40 +23687,8 @@
               <a:buNone/>
             </a:pPr>
             <a:r>
-              <a:rPr lang="fr-CA" sz="1600" dirty="0"/>
-              <a:t>OCR </a:t>
-            </a:r>
-            <a:r>
-              <a:rPr lang="fr-CA" sz="1600" dirty="0" err="1"/>
-              <a:t>is</a:t>
-            </a:r>
-            <a:r>
-              <a:rPr lang="fr-CA" sz="1600" dirty="0"/>
-              <a:t> the </a:t>
-            </a:r>
-            <a:r>
-              <a:rPr lang="fr-CA" sz="1600" dirty="0" err="1"/>
-              <a:t>task</a:t>
-            </a:r>
-            <a:r>
-              <a:rPr lang="fr-CA" sz="1600" dirty="0"/>
-              <a:t> of </a:t>
-            </a:r>
-            <a:r>
-              <a:rPr lang="fr-CA" sz="1600" dirty="0" err="1"/>
-              <a:t>recognizing</a:t>
-            </a:r>
-            <a:r>
-              <a:rPr lang="fr-CA" sz="1600" dirty="0"/>
-              <a:t> </a:t>
-            </a:r>
-            <a:r>
-              <a:rPr lang="fr-CA" sz="1600" dirty="0" err="1"/>
-              <a:t>text</a:t>
-            </a:r>
-            <a:r>
-              <a:rPr lang="fr-CA" sz="1600" dirty="0"/>
-              <a:t> in an image or PDF.</a:t>
+              <a:rPr lang="en-CA" sz="1600" noProof="0" dirty="0"/>
+              <a:t>OCR is the task of recognizing text in an image or PDF.</a:t>
             </a:r>
           </a:p>
           <a:p>
@@ -23508,44 +23699,50 @@
               <a:buNone/>
             </a:pPr>
             <a:r>
-              <a:rPr lang="fr-CA" sz="1600" dirty="0" err="1"/>
-              <a:t>Typically</a:t>
-            </a:r>
-            <a:r>
-              <a:rPr lang="fr-CA" sz="1600" dirty="0"/>
-              <a:t>, the goal </a:t>
-            </a:r>
-            <a:r>
-              <a:rPr lang="fr-CA" sz="1600" dirty="0" err="1"/>
-              <a:t>is</a:t>
-            </a:r>
-            <a:r>
-              <a:rPr lang="fr-CA" sz="1600" dirty="0"/>
-              <a:t> to </a:t>
-            </a:r>
-            <a:r>
-              <a:rPr lang="fr-CA" sz="1600" dirty="0" err="1"/>
-              <a:t>write</a:t>
-            </a:r>
-            <a:r>
-              <a:rPr lang="fr-CA" sz="1600" dirty="0"/>
-              <a:t> down </a:t>
-            </a:r>
-            <a:r>
-              <a:rPr lang="fr-CA" sz="1600" dirty="0" err="1"/>
-              <a:t>both</a:t>
-            </a:r>
-            <a:r>
-              <a:rPr lang="fr-CA" sz="1600" dirty="0"/>
-              <a:t> the </a:t>
-            </a:r>
-            <a:r>
-              <a:rPr lang="fr-CA" sz="1600" dirty="0" err="1"/>
-              <a:t>text</a:t>
-            </a:r>
-            <a:r>
-              <a:rPr lang="fr-CA" sz="1600" dirty="0"/>
-              <a:t> and the location in the file.</a:t>
+              <a:rPr lang="en-CA" sz="1600" noProof="0" dirty="0"/>
+              <a:t>Typically, the goal is to write down both the text and the location in the file.</a:t>
+            </a:r>
+          </a:p>
+          <a:p>
+            <a:pPr marL="0" indent="0">
+              <a:lnSpc>
+                <a:spcPct val="90000"/>
+              </a:lnSpc>
+              <a:buNone/>
+            </a:pPr>
+            <a:endParaRPr lang="en-CA" sz="1600" noProof="0" dirty="0"/>
+          </a:p>
+          <a:p>
+            <a:pPr>
+              <a:lnSpc>
+                <a:spcPct val="90000"/>
+              </a:lnSpc>
+            </a:pPr>
+            <a:r>
+              <a:rPr lang="en-CA" sz="1600" noProof="0" dirty="0"/>
+              <a:t>Usable models:</a:t>
+            </a:r>
+          </a:p>
+          <a:p>
+            <a:pPr lvl="1">
+              <a:lnSpc>
+                <a:spcPct val="90000"/>
+              </a:lnSpc>
+            </a:pPr>
+            <a:r>
+              <a:rPr lang="en-CA" noProof="0" dirty="0"/>
+              <a:t>Large, proprietary closed-source models like GPT and Gemin</a:t>
+            </a:r>
+          </a:p>
+          <a:p>
+            <a:pPr lvl="1">
+              <a:lnSpc>
+                <a:spcPct val="90000"/>
+              </a:lnSpc>
+            </a:pPr>
+            <a:r>
+              <a:rPr lang="en-CA" noProof="0" dirty="0"/>
+              <a:t>Lightweight, open-source models like doc</a:t>
             </a:r>
           </a:p>
           <a:p>
@@ -23564,79 +23761,8 @@
               </a:lnSpc>
             </a:pPr>
             <a:r>
-              <a:rPr lang="fr-CA" sz="1600" dirty="0"/>
-              <a:t>Usable </a:t>
-            </a:r>
-            <a:r>
-              <a:rPr lang="fr-CA" sz="1600" dirty="0" err="1"/>
-              <a:t>models</a:t>
-            </a:r>
-            <a:r>
-              <a:rPr lang="fr-CA" sz="1600" dirty="0"/>
-              <a:t>:</a:t>
-            </a:r>
-          </a:p>
-          <a:p>
-            <a:pPr lvl="1">
-              <a:lnSpc>
-                <a:spcPct val="90000"/>
-              </a:lnSpc>
-            </a:pPr>
-            <a:r>
-              <a:rPr lang="fr-CA" dirty="0"/>
-              <a:t>Large, </a:t>
-            </a:r>
-            <a:r>
-              <a:rPr lang="fr-CA" dirty="0" err="1"/>
-              <a:t>proprietary</a:t>
-            </a:r>
-            <a:r>
-              <a:rPr lang="fr-CA" dirty="0"/>
-              <a:t> </a:t>
-            </a:r>
-            <a:r>
-              <a:rPr lang="fr-CA" dirty="0" err="1"/>
-              <a:t>closed</a:t>
-            </a:r>
-            <a:r>
-              <a:rPr lang="fr-CA" dirty="0"/>
-              <a:t>-source </a:t>
-            </a:r>
-            <a:r>
-              <a:rPr lang="fr-CA" dirty="0" err="1"/>
-              <a:t>models</a:t>
-            </a:r>
-            <a:r>
-              <a:rPr lang="fr-CA" dirty="0"/>
-              <a:t> like GPT and </a:t>
-            </a:r>
-            <a:r>
-              <a:rPr lang="fr-CA" dirty="0" err="1"/>
-              <a:t>Gemin</a:t>
-            </a:r>
-            <a:endParaRPr lang="fr-CA" dirty="0"/>
-          </a:p>
-          <a:p>
-            <a:pPr lvl="1">
-              <a:lnSpc>
-                <a:spcPct val="90000"/>
-              </a:lnSpc>
-            </a:pPr>
-            <a:r>
-              <a:rPr lang="fr-CA" dirty="0" err="1"/>
-              <a:t>Lightweight</a:t>
-            </a:r>
-            <a:r>
-              <a:rPr lang="fr-CA" dirty="0"/>
-              <a:t>, open-source </a:t>
-            </a:r>
-            <a:r>
-              <a:rPr lang="fr-CA" dirty="0" err="1"/>
-              <a:t>models</a:t>
-            </a:r>
-            <a:r>
-              <a:rPr lang="fr-CA" dirty="0"/>
-              <a:t> like doc</a:t>
+              <a:rPr lang="en-CA" sz="1600" noProof="0" dirty="0"/>
+              <a:t>Demo: </a:t>
             </a:r>
           </a:p>
           <a:p>
@@ -23646,30 +23772,6 @@
               </a:lnSpc>
               <a:buNone/>
             </a:pPr>
-            <a:endParaRPr lang="fr-CA" sz="1600" dirty="0"/>
-          </a:p>
-          <a:p>
-            <a:pPr>
-              <a:lnSpc>
-                <a:spcPct val="90000"/>
-              </a:lnSpc>
-            </a:pPr>
-            <a:r>
-              <a:rPr lang="fr-CA" sz="1600" dirty="0" err="1"/>
-              <a:t>Demo</a:t>
-            </a:r>
-            <a:r>
-              <a:rPr lang="fr-CA" sz="1600" dirty="0"/>
-              <a:t>: </a:t>
-            </a:r>
-          </a:p>
-          <a:p>
-            <a:pPr marL="0" indent="0">
-              <a:lnSpc>
-                <a:spcPct val="90000"/>
-              </a:lnSpc>
-              <a:buNone/>
-            </a:pPr>
             <a:r>
               <a:rPr lang="en-CA" sz="1600" dirty="0" err="1">
                 <a:hlinkClick r:id="rId4"/>
@@ -23708,504 +23810,6 @@
     <p:extLst>
       <p:ext uri="{BB962C8B-B14F-4D97-AF65-F5344CB8AC3E}">
         <p14:creationId xmlns:p14="http://schemas.microsoft.com/office/powerpoint/2010/main" val="3555519717"/>
-      </p:ext>
-    </p:extLst>
-  </p:cSld>
-  <p:clrMapOvr>
-    <a:masterClrMapping/>
-  </p:clrMapOvr>
-</p:sld>
-</file>
-
-<file path=ppt/slides/slide9.xml><?xml version="1.0" encoding="utf-8"?>
-<p:sld xmlns:a="http://schemas.openxmlformats.org/drawingml/2006/main" xmlns:r="http://schemas.openxmlformats.org/officeDocument/2006/relationships" xmlns:p="http://schemas.openxmlformats.org/presentationml/2006/main">
-  <p:cSld>
-    <p:bg>
-      <p:bgPr>
-        <a:solidFill>
-          <a:schemeClr val="bg1"/>
-        </a:solidFill>
-        <a:effectLst/>
-      </p:bgPr>
-    </p:bg>
-    <p:spTree>
-      <p:nvGrpSpPr>
-        <p:cNvPr id="1" name="">
-          <a:extLst>
-            <a:ext uri="{FF2B5EF4-FFF2-40B4-BE49-F238E27FC236}">
-              <a16:creationId xmlns:a16="http://schemas.microsoft.com/office/drawing/2014/main" id="{EAFB5012-2CF0-88B4-AD3E-E2209C4B90BD}"/>
-            </a:ext>
-          </a:extLst>
-        </p:cNvPr>
-        <p:cNvGrpSpPr/>
-        <p:nvPr/>
-      </p:nvGrpSpPr>
-      <p:grpSpPr>
-        <a:xfrm>
-          <a:off x="0" y="0"/>
-          <a:ext cx="0" cy="0"/>
-          <a:chOff x="0" y="0"/>
-          <a:chExt cx="0" cy="0"/>
-        </a:xfrm>
-      </p:grpSpPr>
-      <p:sp>
-        <p:nvSpPr>
-          <p:cNvPr id="2" name="Title 1">
-            <a:extLst>
-              <a:ext uri="{FF2B5EF4-FFF2-40B4-BE49-F238E27FC236}">
-                <a16:creationId xmlns:a16="http://schemas.microsoft.com/office/drawing/2014/main" id="{0AEFD920-6123-706F-5980-55E1E3C56C2C}"/>
-              </a:ext>
-            </a:extLst>
-          </p:cNvPr>
-          <p:cNvSpPr>
-            <a:spLocks noGrp="1"/>
-          </p:cNvSpPr>
-          <p:nvPr>
-            <p:ph type="title"/>
-          </p:nvPr>
-        </p:nvSpPr>
-        <p:spPr>
-          <a:xfrm>
-            <a:off x="677334" y="609600"/>
-            <a:ext cx="8596668" cy="1320800"/>
-          </a:xfrm>
-        </p:spPr>
-        <p:txBody>
-          <a:bodyPr anchor="t">
-            <a:normAutofit/>
-          </a:bodyPr>
-          <a:lstStyle/>
-          <a:p>
-            <a:r>
-              <a:rPr lang="fr-CA" dirty="0" err="1"/>
-              <a:t>Zero</a:t>
-            </a:r>
-            <a:r>
-              <a:rPr lang="fr-CA" dirty="0"/>
-              <a:t>-shot classification</a:t>
-            </a:r>
-            <a:endParaRPr lang="en-CA" dirty="0"/>
-          </a:p>
-        </p:txBody>
-      </p:sp>
-      <p:sp>
-        <p:nvSpPr>
-          <p:cNvPr id="3" name="Content Placeholder 2">
-            <a:extLst>
-              <a:ext uri="{FF2B5EF4-FFF2-40B4-BE49-F238E27FC236}">
-                <a16:creationId xmlns:a16="http://schemas.microsoft.com/office/drawing/2014/main" id="{E0405225-BD76-9FCF-CCC6-DB11AE9E51E1}"/>
-              </a:ext>
-            </a:extLst>
-          </p:cNvPr>
-          <p:cNvSpPr>
-            <a:spLocks noGrp="1"/>
-          </p:cNvSpPr>
-          <p:nvPr>
-            <p:ph idx="1"/>
-          </p:nvPr>
-        </p:nvSpPr>
-        <p:spPr>
-          <a:xfrm>
-            <a:off x="677334" y="1500190"/>
-            <a:ext cx="5220430" cy="3701270"/>
-          </a:xfrm>
-        </p:spPr>
-        <p:txBody>
-          <a:bodyPr>
-            <a:noAutofit/>
-          </a:bodyPr>
-          <a:lstStyle/>
-          <a:p>
-            <a:pPr marL="0" indent="0">
-              <a:lnSpc>
-                <a:spcPct val="90000"/>
-              </a:lnSpc>
-              <a:buNone/>
-            </a:pPr>
-            <a:r>
-              <a:rPr lang="fr-CA" sz="1600" dirty="0" err="1"/>
-              <a:t>Zero</a:t>
-            </a:r>
-            <a:r>
-              <a:rPr lang="fr-CA" sz="1600" dirty="0"/>
-              <a:t>-shot classification </a:t>
-            </a:r>
-            <a:r>
-              <a:rPr lang="fr-CA" sz="1600" dirty="0" err="1"/>
-              <a:t>is</a:t>
-            </a:r>
-            <a:r>
-              <a:rPr lang="fr-CA" sz="1600" dirty="0"/>
-              <a:t> the </a:t>
-            </a:r>
-            <a:r>
-              <a:rPr lang="fr-CA" sz="1600" dirty="0" err="1"/>
-              <a:t>act</a:t>
-            </a:r>
-            <a:r>
-              <a:rPr lang="fr-CA" sz="1600" dirty="0"/>
-              <a:t> of </a:t>
-            </a:r>
-            <a:r>
-              <a:rPr lang="fr-CA" sz="1600" dirty="0" err="1"/>
-              <a:t>using</a:t>
-            </a:r>
-            <a:r>
-              <a:rPr lang="fr-CA" sz="1600" dirty="0"/>
-              <a:t> a model </a:t>
-            </a:r>
-            <a:r>
-              <a:rPr lang="fr-CA" sz="1600" dirty="0" err="1"/>
-              <a:t>without</a:t>
-            </a:r>
-            <a:r>
-              <a:rPr lang="fr-CA" sz="1600" dirty="0"/>
-              <a:t> </a:t>
-            </a:r>
-            <a:r>
-              <a:rPr lang="fr-CA" sz="1600" dirty="0" err="1"/>
-              <a:t>specifically</a:t>
-            </a:r>
-            <a:r>
-              <a:rPr lang="fr-CA" sz="1600" dirty="0"/>
-              <a:t> </a:t>
-            </a:r>
-            <a:r>
-              <a:rPr lang="fr-CA" sz="1600" dirty="0" err="1"/>
-              <a:t>having</a:t>
-            </a:r>
-            <a:r>
-              <a:rPr lang="fr-CA" sz="1600" dirty="0"/>
-              <a:t> </a:t>
-            </a:r>
-            <a:r>
-              <a:rPr lang="fr-CA" sz="1600" dirty="0" err="1"/>
-              <a:t>trained</a:t>
-            </a:r>
-            <a:r>
-              <a:rPr lang="fr-CA" sz="1600" dirty="0"/>
-              <a:t> </a:t>
-            </a:r>
-            <a:r>
-              <a:rPr lang="fr-CA" sz="1600" dirty="0" err="1"/>
-              <a:t>it</a:t>
-            </a:r>
-            <a:r>
-              <a:rPr lang="fr-CA" sz="1600" dirty="0"/>
-              <a:t> for </a:t>
-            </a:r>
-            <a:r>
-              <a:rPr lang="fr-CA" sz="1600" dirty="0" err="1"/>
-              <a:t>your</a:t>
-            </a:r>
-            <a:r>
-              <a:rPr lang="fr-CA" sz="1600" dirty="0"/>
-              <a:t> classification </a:t>
-            </a:r>
-            <a:r>
-              <a:rPr lang="fr-CA" sz="1600" dirty="0" err="1"/>
-              <a:t>task</a:t>
-            </a:r>
-            <a:r>
-              <a:rPr lang="fr-CA" sz="1600" dirty="0"/>
-              <a:t>.</a:t>
-            </a:r>
-          </a:p>
-          <a:p>
-            <a:pPr>
-              <a:lnSpc>
-                <a:spcPct val="90000"/>
-              </a:lnSpc>
-            </a:pPr>
-            <a:r>
-              <a:rPr lang="fr-CA" sz="1600" dirty="0"/>
-              <a:t>A  </a:t>
-            </a:r>
-            <a:r>
-              <a:rPr lang="fr-CA" sz="1600" dirty="0" err="1"/>
-              <a:t>typical</a:t>
-            </a:r>
-            <a:r>
-              <a:rPr lang="fr-CA" sz="1600" dirty="0"/>
-              <a:t> use-case </a:t>
-            </a:r>
-            <a:r>
-              <a:rPr lang="fr-CA" sz="1600" dirty="0" err="1"/>
-              <a:t>is</a:t>
-            </a:r>
-            <a:r>
-              <a:rPr lang="fr-CA" sz="1600" dirty="0"/>
-              <a:t> to </a:t>
-            </a:r>
-            <a:r>
-              <a:rPr lang="fr-CA" sz="1600" dirty="0" err="1"/>
-              <a:t>describe</a:t>
-            </a:r>
-            <a:r>
-              <a:rPr lang="fr-CA" sz="1600" dirty="0"/>
-              <a:t> the content of an image </a:t>
-            </a:r>
-            <a:r>
-              <a:rPr lang="fr-CA" sz="1600" dirty="0" err="1"/>
-              <a:t>using</a:t>
-            </a:r>
-            <a:r>
-              <a:rPr lang="fr-CA" sz="1600" dirty="0"/>
-              <a:t> </a:t>
-            </a:r>
-            <a:r>
-              <a:rPr lang="fr-CA" sz="1600" dirty="0" err="1"/>
-              <a:t>text</a:t>
-            </a:r>
-            <a:endParaRPr lang="fr-CA" sz="1600" dirty="0"/>
-          </a:p>
-          <a:p>
-            <a:pPr marL="0" indent="0">
-              <a:lnSpc>
-                <a:spcPct val="90000"/>
-              </a:lnSpc>
-              <a:buNone/>
-            </a:pPr>
-            <a:endParaRPr lang="fr-CA" sz="1600" dirty="0"/>
-          </a:p>
-          <a:p>
-            <a:pPr>
-              <a:lnSpc>
-                <a:spcPct val="90000"/>
-              </a:lnSpc>
-            </a:pPr>
-            <a:r>
-              <a:rPr lang="fr-CA" sz="1600" dirty="0" err="1"/>
-              <a:t>Demo</a:t>
-            </a:r>
-            <a:r>
-              <a:rPr lang="fr-CA" sz="1600" dirty="0"/>
-              <a:t> </a:t>
-            </a:r>
-            <a:r>
-              <a:rPr lang="fr-CA" sz="1600" dirty="0" err="1"/>
-              <a:t>using</a:t>
-            </a:r>
-            <a:r>
-              <a:rPr lang="fr-CA" sz="1600" dirty="0"/>
-              <a:t> </a:t>
-            </a:r>
-            <a:r>
-              <a:rPr lang="fr-CA" sz="1600" dirty="0" err="1"/>
-              <a:t>proprietary</a:t>
-            </a:r>
-            <a:r>
-              <a:rPr lang="fr-CA" sz="1600" dirty="0"/>
-              <a:t> model, Gemini API</a:t>
-            </a:r>
-          </a:p>
-          <a:p>
-            <a:pPr marL="0" indent="0">
-              <a:lnSpc>
-                <a:spcPct val="90000"/>
-              </a:lnSpc>
-              <a:buNone/>
-            </a:pPr>
-            <a:r>
-              <a:rPr lang="en-CA" sz="1600" dirty="0" err="1">
-                <a:hlinkClick r:id="rId2"/>
-              </a:rPr>
-              <a:t>multimodal_pres</a:t>
-            </a:r>
-            <a:r>
-              <a:rPr lang="en-CA" sz="1600" dirty="0">
-                <a:hlinkClick r:id="rId2"/>
-              </a:rPr>
-              <a:t>/notebooks/</a:t>
-            </a:r>
-            <a:r>
-              <a:rPr lang="en-CA" sz="1600" dirty="0" err="1">
-                <a:hlinkClick r:id="rId2"/>
-              </a:rPr>
-              <a:t>oneshot.ipynb</a:t>
-            </a:r>
-            <a:r>
-              <a:rPr lang="en-CA" sz="1600" dirty="0">
-                <a:hlinkClick r:id="rId2"/>
-              </a:rPr>
-              <a:t> at master · Mar-Dal/</a:t>
-            </a:r>
-            <a:r>
-              <a:rPr lang="en-CA" sz="1600" dirty="0" err="1">
-                <a:hlinkClick r:id="rId2"/>
-              </a:rPr>
-              <a:t>multimodal_pres</a:t>
-            </a:r>
-            <a:endParaRPr lang="fr-CA" sz="1600" dirty="0"/>
-          </a:p>
-          <a:p>
-            <a:pPr>
-              <a:lnSpc>
-                <a:spcPct val="90000"/>
-              </a:lnSpc>
-            </a:pPr>
-            <a:endParaRPr lang="fr-CA" sz="1600" dirty="0"/>
-          </a:p>
-          <a:p>
-            <a:pPr>
-              <a:lnSpc>
-                <a:spcPct val="90000"/>
-              </a:lnSpc>
-            </a:pPr>
-            <a:r>
-              <a:rPr lang="fr-CA" sz="1600" dirty="0" err="1"/>
-              <a:t>Demo</a:t>
-            </a:r>
-            <a:r>
-              <a:rPr lang="fr-CA" sz="1600" dirty="0"/>
-              <a:t> </a:t>
-            </a:r>
-            <a:r>
-              <a:rPr lang="fr-CA" sz="1600" dirty="0" err="1"/>
-              <a:t>using</a:t>
-            </a:r>
-            <a:r>
-              <a:rPr lang="fr-CA" sz="1600" dirty="0"/>
-              <a:t> a </a:t>
-            </a:r>
-            <a:r>
-              <a:rPr lang="fr-CA" sz="1600" dirty="0" err="1"/>
-              <a:t>locally-runnable</a:t>
-            </a:r>
-            <a:r>
-              <a:rPr lang="fr-CA" sz="1600" dirty="0"/>
-              <a:t> Gemma-3 model </a:t>
-            </a:r>
-          </a:p>
-          <a:p>
-            <a:pPr marL="0" indent="0">
-              <a:lnSpc>
-                <a:spcPct val="90000"/>
-              </a:lnSpc>
-              <a:buNone/>
-            </a:pPr>
-            <a:r>
-              <a:rPr lang="fr-CA" sz="1600" dirty="0">
-                <a:hlinkClick r:id="rId3"/>
-              </a:rPr>
-              <a:t>Gemma 3 + </a:t>
-            </a:r>
-            <a:r>
-              <a:rPr lang="fr-CA" sz="1600" dirty="0" err="1">
-                <a:hlinkClick r:id="rId3"/>
-              </a:rPr>
-              <a:t>Ollama</a:t>
-            </a:r>
-            <a:r>
-              <a:rPr lang="fr-CA" sz="1600" dirty="0">
-                <a:hlinkClick r:id="rId3"/>
-              </a:rPr>
-              <a:t> on </a:t>
-            </a:r>
-            <a:r>
-              <a:rPr lang="fr-CA" sz="1600" dirty="0" err="1">
-                <a:hlinkClick r:id="rId3"/>
-              </a:rPr>
-              <a:t>Colab</a:t>
-            </a:r>
-            <a:endParaRPr lang="fr-CA" sz="1600" dirty="0"/>
-          </a:p>
-          <a:p>
-            <a:pPr marL="0" indent="0">
-              <a:lnSpc>
-                <a:spcPct val="90000"/>
-              </a:lnSpc>
-              <a:buNone/>
-            </a:pPr>
-            <a:r>
-              <a:rPr lang="en-CA" sz="1600" dirty="0">
-                <a:hlinkClick r:id="rId4"/>
-              </a:rPr>
-              <a:t>Gemma 3 + </a:t>
-            </a:r>
-            <a:r>
-              <a:rPr lang="en-CA" sz="1600" dirty="0" err="1">
-                <a:hlinkClick r:id="rId4"/>
-              </a:rPr>
-              <a:t>Ollama</a:t>
-            </a:r>
-            <a:r>
-              <a:rPr lang="en-CA" sz="1600" dirty="0">
-                <a:hlinkClick r:id="rId4"/>
-              </a:rPr>
-              <a:t> on </a:t>
-            </a:r>
-            <a:r>
-              <a:rPr lang="en-CA" sz="1600" dirty="0" err="1">
-                <a:hlinkClick r:id="rId4"/>
-              </a:rPr>
-              <a:t>Colab</a:t>
-            </a:r>
-            <a:r>
-              <a:rPr lang="en-CA" sz="1600" dirty="0">
-                <a:hlinkClick r:id="rId4"/>
-              </a:rPr>
-              <a:t>: A Developer’s </a:t>
-            </a:r>
-            <a:r>
-              <a:rPr lang="en-CA" sz="1600" dirty="0" err="1">
-                <a:hlinkClick r:id="rId4"/>
-              </a:rPr>
-              <a:t>Quickstart</a:t>
-            </a:r>
-            <a:r>
-              <a:rPr lang="en-CA" sz="1600" dirty="0">
-                <a:hlinkClick r:id="rId4"/>
-              </a:rPr>
-              <a:t> | by E. Huizenga | Google Cloud - Community | Medium</a:t>
-            </a:r>
-            <a:endParaRPr lang="en-CA" sz="1600" dirty="0"/>
-          </a:p>
-        </p:txBody>
-      </p:sp>
-      <p:pic>
-        <p:nvPicPr>
-          <p:cNvPr id="7" name="Graphic 6" descr="Target">
-            <a:extLst>
-              <a:ext uri="{FF2B5EF4-FFF2-40B4-BE49-F238E27FC236}">
-                <a16:creationId xmlns:a16="http://schemas.microsoft.com/office/drawing/2014/main" id="{54B43E2E-8A1F-0F9B-7579-DD3FB0E9A882}"/>
-              </a:ext>
-            </a:extLst>
-          </p:cNvPr>
-          <p:cNvPicPr>
-            <a:picLocks noChangeAspect="1"/>
-          </p:cNvPicPr>
-          <p:nvPr/>
-        </p:nvPicPr>
-        <p:blipFill>
-          <a:blip r:embed="rId5">
-            <a:extLst>
-              <a:ext uri="{28A0092B-C50C-407E-A947-70E740481C1C}">
-                <a14:useLocalDpi xmlns:a14="http://schemas.microsoft.com/office/drawing/2010/main" val="0"/>
-              </a:ext>
-              <a:ext uri="{96DAC541-7B7A-43D3-8B79-37D633B846F1}">
-                <asvg:svgBlip xmlns:asvg="http://schemas.microsoft.com/office/drawing/2016/SVG/main" r:embed="rId6"/>
-              </a:ext>
-            </a:extLst>
-          </a:blip>
-          <a:stretch>
-            <a:fillRect/>
-          </a:stretch>
-        </p:blipFill>
-        <p:spPr>
-          <a:xfrm>
-            <a:off x="6087417" y="2159000"/>
-            <a:ext cx="3145536" cy="3145536"/>
-          </a:xfrm>
-          <a:prstGeom prst="rect">
-            <a:avLst/>
-          </a:prstGeom>
-        </p:spPr>
-      </p:pic>
-    </p:spTree>
-    <p:extLst>
-      <p:ext uri="{BB962C8B-B14F-4D97-AF65-F5344CB8AC3E}">
-        <p14:creationId xmlns:p14="http://schemas.microsoft.com/office/powerpoint/2010/main" val="4189562442"/>
       </p:ext>
     </p:extLst>
   </p:cSld>

--- a/presentation/multimodal_presentation_2025-06-13.pptx
+++ b/presentation/multimodal_presentation_2025-06-13.pptx
@@ -30,7 +30,9 @@
     <p:sldId id="271" r:id="rId24"/>
     <p:sldId id="267" r:id="rId25"/>
     <p:sldId id="281" r:id="rId26"/>
-    <p:sldId id="279" r:id="rId27"/>
+    <p:sldId id="283" r:id="rId27"/>
+    <p:sldId id="284" r:id="rId28"/>
+    <p:sldId id="279" r:id="rId29"/>
   </p:sldIdLst>
   <p:sldSz cx="12192000" cy="6858000"/>
   <p:notesSz cx="6858000" cy="9144000"/>
@@ -17216,8 +17218,13 @@
           <a:p>
             <a:r>
               <a:rPr lang="en-CA" noProof="0" dirty="0"/>
-              <a:t>Principal data scientist at a telecommunications company</a:t>
-            </a:r>
+              <a:t>Principal data scientist at a </a:t>
+            </a:r>
+            <a:r>
+              <a:rPr lang="en-CA" noProof="0"/>
+              <a:t>telecommunications company</a:t>
+            </a:r>
+            <a:endParaRPr lang="en-CA" noProof="0" dirty="0"/>
           </a:p>
           <a:p>
             <a:r>
@@ -18912,7 +18919,7 @@
         </p:spPr>
         <p:txBody>
           <a:bodyPr>
-            <a:normAutofit fontScale="85000" lnSpcReduction="20000"/>
+            <a:normAutofit fontScale="77500" lnSpcReduction="20000"/>
           </a:bodyPr>
           <a:lstStyle/>
           <a:p>
@@ -19046,49 +19053,25 @@
               <a:rPr lang="en-CA" dirty="0" err="1">
                 <a:hlinkClick r:id="rId2"/>
               </a:rPr>
-              <a:t>smol</a:t>
+              <a:t>LLaMA</a:t>
             </a:r>
             <a:r>
               <a:rPr lang="en-CA" dirty="0">
                 <a:hlinkClick r:id="rId2"/>
               </a:rPr>
-              <a:t>-vision/</a:t>
+              <a:t>-Factory has a </a:t>
             </a:r>
             <a:r>
               <a:rPr lang="en-CA" dirty="0" err="1">
                 <a:hlinkClick r:id="rId2"/>
               </a:rPr>
-              <a:t>Fine_tune_PaliGemma.ipynb</a:t>
+              <a:t>colab</a:t>
             </a:r>
             <a:r>
               <a:rPr lang="en-CA" dirty="0">
                 <a:hlinkClick r:id="rId2"/>
               </a:rPr>
-              <a:t> at main · </a:t>
-            </a:r>
-            <a:r>
-              <a:rPr lang="en-CA" dirty="0" err="1">
-                <a:hlinkClick r:id="rId2"/>
-              </a:rPr>
-              <a:t>merveenoyan</a:t>
-            </a:r>
-            <a:r>
-              <a:rPr lang="en-CA" dirty="0">
-                <a:hlinkClick r:id="rId2"/>
-              </a:rPr>
-              <a:t>/</a:t>
-            </a:r>
-            <a:r>
-              <a:rPr lang="en-CA" dirty="0" err="1">
-                <a:hlinkClick r:id="rId2"/>
-              </a:rPr>
-              <a:t>smol</a:t>
-            </a:r>
-            <a:r>
-              <a:rPr lang="en-CA" dirty="0">
-                <a:hlinkClick r:id="rId2"/>
-              </a:rPr>
-              <a:t>-vision</a:t>
+              <a:t> section</a:t>
             </a:r>
             <a:endParaRPr lang="en-CA" dirty="0"/>
           </a:p>
@@ -19098,8 +19081,63 @@
               <a:buChar char="§"/>
             </a:pPr>
             <a:r>
+              <a:rPr lang="en-CA" dirty="0" err="1">
+                <a:hlinkClick r:id="rId3"/>
+              </a:rPr>
+              <a:t>smol</a:t>
+            </a:r>
+            <a:r>
+              <a:rPr lang="en-CA" dirty="0">
+                <a:hlinkClick r:id="rId3"/>
+              </a:rPr>
+              <a:t>-vision/</a:t>
+            </a:r>
+            <a:r>
+              <a:rPr lang="en-CA" dirty="0" err="1">
+                <a:hlinkClick r:id="rId3"/>
+              </a:rPr>
+              <a:t>Fine_tune_PaliGemma.ipynb</a:t>
+            </a:r>
+            <a:r>
+              <a:rPr lang="en-CA" dirty="0">
+                <a:hlinkClick r:id="rId3"/>
+              </a:rPr>
+              <a:t> at main · </a:t>
+            </a:r>
+            <a:r>
+              <a:rPr lang="en-CA" dirty="0" err="1">
+                <a:hlinkClick r:id="rId3"/>
+              </a:rPr>
+              <a:t>merveenoyan</a:t>
+            </a:r>
+            <a:r>
+              <a:rPr lang="en-CA" dirty="0">
+                <a:hlinkClick r:id="rId3"/>
+              </a:rPr>
+              <a:t>/</a:t>
+            </a:r>
+            <a:r>
+              <a:rPr lang="en-CA" dirty="0" err="1">
+                <a:hlinkClick r:id="rId3"/>
+              </a:rPr>
+              <a:t>smol</a:t>
+            </a:r>
+            <a:r>
+              <a:rPr lang="en-CA" dirty="0">
+                <a:hlinkClick r:id="rId3"/>
+              </a:rPr>
+              <a:t>-vision</a:t>
+            </a:r>
+            <a:endParaRPr lang="en-CA" dirty="0"/>
+          </a:p>
+          <a:p>
+            <a:pPr lvl="2">
+              <a:buFont typeface="Wingdings" panose="05000000000000000000" pitchFamily="2" charset="2"/>
+              <a:buChar char="§"/>
+            </a:pPr>
+            <a:r>
               <a:rPr lang="en-US" dirty="0">
-                <a:hlinkClick r:id="rId3"/>
+                <a:hlinkClick r:id="rId4"/>
               </a:rPr>
               <a:t>Fine-Tuning a Vision Language Model (Qwen2-VL-7B) with the Hugging Face Ecosystem</a:t>
             </a:r>
@@ -19122,25 +19160,25 @@
             </a:pPr>
             <a:r>
               <a:rPr lang="en-US" dirty="0" err="1">
-                <a:hlinkClick r:id="rId4"/>
+                <a:hlinkClick r:id="rId5"/>
               </a:rPr>
               <a:t>hiyouga</a:t>
             </a:r>
             <a:r>
               <a:rPr lang="en-US" dirty="0">
-                <a:hlinkClick r:id="rId4"/>
+                <a:hlinkClick r:id="rId5"/>
               </a:rPr>
               <a:t>/</a:t>
             </a:r>
             <a:r>
               <a:rPr lang="en-US" dirty="0" err="1">
-                <a:hlinkClick r:id="rId4"/>
+                <a:hlinkClick r:id="rId5"/>
               </a:rPr>
               <a:t>LLaMA</a:t>
             </a:r>
             <a:r>
               <a:rPr lang="en-US" dirty="0">
-                <a:hlinkClick r:id="rId4"/>
+                <a:hlinkClick r:id="rId5"/>
               </a:rPr>
               <a:t>-Factory: Unified Efficient Fine-Tuning of 100+ LLMs &amp; VLMs (ACL 2024)</a:t>
             </a:r>
@@ -19154,6 +19192,22 @@
             <a:r>
               <a:rPr lang="en-US" dirty="0"/>
               <a:t>For larger models, you need parallelization, which is supported in most frameworks.</a:t>
+            </a:r>
+          </a:p>
+          <a:p>
+            <a:pPr lvl="1">
+              <a:buFont typeface="Wingdings" panose="05000000000000000000" pitchFamily="2" charset="2"/>
+              <a:buChar char="§"/>
+            </a:pPr>
+            <a:r>
+              <a:rPr lang="en-US" dirty="0" err="1">
+                <a:hlinkClick r:id="rId6"/>
+              </a:rPr>
+              <a:t>vLLM</a:t>
+            </a:r>
+            <a:r>
+              <a:rPr lang="en-US" dirty="0"/>
+              <a:t> is the best framework according to our business partners</a:t>
             </a:r>
           </a:p>
         </p:txBody>
@@ -19172,6 +19226,765 @@
 </file>
 
 <file path=ppt/slides/slide26.xml><?xml version="1.0" encoding="utf-8"?>
+<p:sld xmlns:a="http://schemas.openxmlformats.org/drawingml/2006/main" xmlns:r="http://schemas.openxmlformats.org/officeDocument/2006/relationships" xmlns:p="http://schemas.openxmlformats.org/presentationml/2006/main">
+  <p:cSld>
+    <p:spTree>
+      <p:nvGrpSpPr>
+        <p:cNvPr id="1" name=""/>
+        <p:cNvGrpSpPr/>
+        <p:nvPr/>
+      </p:nvGrpSpPr>
+      <p:grpSpPr>
+        <a:xfrm>
+          <a:off x="0" y="0"/>
+          <a:ext cx="0" cy="0"/>
+          <a:chOff x="0" y="0"/>
+          <a:chExt cx="0" cy="0"/>
+        </a:xfrm>
+      </p:grpSpPr>
+      <p:sp>
+        <p:nvSpPr>
+          <p:cNvPr id="2" name="Title 1">
+            <a:extLst>
+              <a:ext uri="{FF2B5EF4-FFF2-40B4-BE49-F238E27FC236}">
+                <a16:creationId xmlns:a16="http://schemas.microsoft.com/office/drawing/2014/main" id="{291CB10C-3AF0-75FB-FB40-5F97C050F94F}"/>
+              </a:ext>
+            </a:extLst>
+          </p:cNvPr>
+          <p:cNvSpPr>
+            <a:spLocks noGrp="1"/>
+          </p:cNvSpPr>
+          <p:nvPr>
+            <p:ph type="title"/>
+          </p:nvPr>
+        </p:nvSpPr>
+        <p:spPr/>
+        <p:txBody>
+          <a:bodyPr/>
+          <a:lstStyle/>
+          <a:p>
+            <a:r>
+              <a:rPr lang="fr-CA" dirty="0"/>
+              <a:t>Fine-tuning (</a:t>
+            </a:r>
+            <a:r>
+              <a:rPr lang="fr-CA" dirty="0" err="1"/>
+              <a:t>Continued</a:t>
+            </a:r>
+            <a:r>
+              <a:rPr lang="fr-CA" dirty="0"/>
+              <a:t>)</a:t>
+            </a:r>
+            <a:endParaRPr lang="en-CA" dirty="0"/>
+          </a:p>
+        </p:txBody>
+      </p:sp>
+      <p:sp>
+        <p:nvSpPr>
+          <p:cNvPr id="3" name="Content Placeholder 2">
+            <a:extLst>
+              <a:ext uri="{FF2B5EF4-FFF2-40B4-BE49-F238E27FC236}">
+                <a16:creationId xmlns:a16="http://schemas.microsoft.com/office/drawing/2014/main" id="{53032959-33ED-5146-37CB-821FFD5BDDEB}"/>
+              </a:ext>
+            </a:extLst>
+          </p:cNvPr>
+          <p:cNvSpPr>
+            <a:spLocks noGrp="1"/>
+          </p:cNvSpPr>
+          <p:nvPr>
+            <p:ph idx="1"/>
+          </p:nvPr>
+        </p:nvSpPr>
+        <p:spPr/>
+        <p:txBody>
+          <a:bodyPr/>
+          <a:lstStyle/>
+          <a:p>
+            <a:r>
+              <a:rPr lang="en-US" dirty="0" err="1">
+                <a:hlinkClick r:id="rId2"/>
+              </a:rPr>
+              <a:t>LLaMA</a:t>
+            </a:r>
+            <a:r>
+              <a:rPr lang="en-US" dirty="0">
+                <a:hlinkClick r:id="rId2"/>
+              </a:rPr>
+              <a:t>-Factory</a:t>
+            </a:r>
+            <a:endParaRPr lang="en-US" dirty="0"/>
+          </a:p>
+          <a:p>
+            <a:r>
+              <a:rPr lang="en-CA" dirty="0">
+                <a:hlinkClick r:id="rId3"/>
+              </a:rPr>
+              <a:t>Example dataset formatting to fine-tune a vision-language model with </a:t>
+            </a:r>
+            <a:r>
+              <a:rPr lang="en-CA" dirty="0" err="1">
+                <a:hlinkClick r:id="rId3"/>
+              </a:rPr>
+              <a:t>LLaMA</a:t>
+            </a:r>
+            <a:r>
+              <a:rPr lang="en-CA" dirty="0">
+                <a:hlinkClick r:id="rId3"/>
+              </a:rPr>
+              <a:t>-Factory</a:t>
+            </a:r>
+            <a:endParaRPr lang="en-CA" dirty="0"/>
+          </a:p>
+        </p:txBody>
+      </p:sp>
+    </p:spTree>
+    <p:extLst>
+      <p:ext uri="{BB962C8B-B14F-4D97-AF65-F5344CB8AC3E}">
+        <p14:creationId xmlns:p14="http://schemas.microsoft.com/office/powerpoint/2010/main" val="2793971784"/>
+      </p:ext>
+    </p:extLst>
+  </p:cSld>
+  <p:clrMapOvr>
+    <a:masterClrMapping/>
+  </p:clrMapOvr>
+</p:sld>
+</file>
+
+<file path=ppt/slides/slide27.xml><?xml version="1.0" encoding="utf-8"?>
+<p:sld xmlns:a="http://schemas.openxmlformats.org/drawingml/2006/main" xmlns:r="http://schemas.openxmlformats.org/officeDocument/2006/relationships" xmlns:p="http://schemas.openxmlformats.org/presentationml/2006/main">
+  <p:cSld>
+    <p:spTree>
+      <p:nvGrpSpPr>
+        <p:cNvPr id="1" name="">
+          <a:extLst>
+            <a:ext uri="{FF2B5EF4-FFF2-40B4-BE49-F238E27FC236}">
+              <a16:creationId xmlns:a16="http://schemas.microsoft.com/office/drawing/2014/main" id="{1E2DC8AB-00A0-51E7-B470-57BCE363B1F7}"/>
+            </a:ext>
+          </a:extLst>
+        </p:cNvPr>
+        <p:cNvGrpSpPr/>
+        <p:nvPr/>
+      </p:nvGrpSpPr>
+      <p:grpSpPr>
+        <a:xfrm>
+          <a:off x="0" y="0"/>
+          <a:ext cx="0" cy="0"/>
+          <a:chOff x="0" y="0"/>
+          <a:chExt cx="0" cy="0"/>
+        </a:xfrm>
+      </p:grpSpPr>
+      <p:sp>
+        <p:nvSpPr>
+          <p:cNvPr id="2" name="Title 1">
+            <a:extLst>
+              <a:ext uri="{FF2B5EF4-FFF2-40B4-BE49-F238E27FC236}">
+                <a16:creationId xmlns:a16="http://schemas.microsoft.com/office/drawing/2014/main" id="{EDC8C864-6E98-85A2-A6BA-D7163B1C57D7}"/>
+              </a:ext>
+            </a:extLst>
+          </p:cNvPr>
+          <p:cNvSpPr>
+            <a:spLocks noGrp="1"/>
+          </p:cNvSpPr>
+          <p:nvPr>
+            <p:ph type="title"/>
+          </p:nvPr>
+        </p:nvSpPr>
+        <p:spPr/>
+        <p:txBody>
+          <a:bodyPr/>
+          <a:lstStyle/>
+          <a:p>
+            <a:r>
+              <a:rPr lang="fr-CA" dirty="0"/>
+              <a:t>Fine-tuning </a:t>
+            </a:r>
+            <a:r>
+              <a:rPr lang="fr-CA" dirty="0" err="1"/>
+              <a:t>words</a:t>
+            </a:r>
+            <a:r>
+              <a:rPr lang="fr-CA" dirty="0"/>
+              <a:t> of warning</a:t>
+            </a:r>
+            <a:endParaRPr lang="en-CA" dirty="0"/>
+          </a:p>
+        </p:txBody>
+      </p:sp>
+      <p:sp>
+        <p:nvSpPr>
+          <p:cNvPr id="3" name="Content Placeholder 2">
+            <a:extLst>
+              <a:ext uri="{FF2B5EF4-FFF2-40B4-BE49-F238E27FC236}">
+                <a16:creationId xmlns:a16="http://schemas.microsoft.com/office/drawing/2014/main" id="{3AF3796D-B9E9-25D4-B07C-915DE3E73CB2}"/>
+              </a:ext>
+            </a:extLst>
+          </p:cNvPr>
+          <p:cNvSpPr>
+            <a:spLocks noGrp="1"/>
+          </p:cNvSpPr>
+          <p:nvPr>
+            <p:ph idx="1"/>
+          </p:nvPr>
+        </p:nvSpPr>
+        <p:spPr/>
+        <p:txBody>
+          <a:bodyPr/>
+          <a:lstStyle/>
+          <a:p>
+            <a:r>
+              <a:rPr lang="fr-CA" dirty="0" err="1"/>
+              <a:t>Before</a:t>
+            </a:r>
+            <a:r>
+              <a:rPr lang="fr-CA" dirty="0"/>
+              <a:t> jumping </a:t>
+            </a:r>
+            <a:r>
+              <a:rPr lang="fr-CA" dirty="0" err="1"/>
+              <a:t>into</a:t>
+            </a:r>
+            <a:r>
+              <a:rPr lang="fr-CA" dirty="0"/>
+              <a:t> fine-tuning, </a:t>
+            </a:r>
+            <a:r>
+              <a:rPr lang="fr-CA" dirty="0" err="1"/>
+              <a:t>please</a:t>
+            </a:r>
+            <a:r>
+              <a:rPr lang="fr-CA" dirty="0"/>
+              <a:t> </a:t>
+            </a:r>
+            <a:r>
+              <a:rPr lang="fr-CA" dirty="0" err="1"/>
+              <a:t>make</a:t>
+            </a:r>
+            <a:r>
+              <a:rPr lang="fr-CA" dirty="0"/>
+              <a:t> sure </a:t>
+            </a:r>
+            <a:r>
+              <a:rPr lang="fr-CA" dirty="0" err="1"/>
+              <a:t>you</a:t>
+            </a:r>
+            <a:r>
+              <a:rPr lang="fr-CA" dirty="0"/>
+              <a:t> have a </a:t>
+            </a:r>
+            <a:r>
+              <a:rPr lang="fr-CA" dirty="0" err="1"/>
+              <a:t>really</a:t>
+            </a:r>
+            <a:r>
+              <a:rPr lang="fr-CA" dirty="0"/>
+              <a:t> </a:t>
+            </a:r>
+            <a:r>
+              <a:rPr lang="fr-CA" dirty="0" err="1"/>
+              <a:t>really</a:t>
+            </a:r>
+            <a:r>
+              <a:rPr lang="fr-CA" dirty="0"/>
+              <a:t> good plan for </a:t>
+            </a:r>
+            <a:r>
+              <a:rPr lang="fr-CA" dirty="0" err="1"/>
+              <a:t>your</a:t>
+            </a:r>
+            <a:r>
+              <a:rPr lang="fr-CA" dirty="0"/>
+              <a:t> </a:t>
+            </a:r>
+            <a:r>
+              <a:rPr lang="fr-CA" dirty="0" err="1"/>
+              <a:t>dataset</a:t>
+            </a:r>
+            <a:r>
+              <a:rPr lang="fr-CA" dirty="0"/>
+              <a:t>, and </a:t>
+            </a:r>
+            <a:r>
+              <a:rPr lang="fr-CA" dirty="0" err="1"/>
+              <a:t>your</a:t>
+            </a:r>
+            <a:r>
+              <a:rPr lang="fr-CA" dirty="0"/>
+              <a:t> </a:t>
+            </a:r>
+            <a:r>
+              <a:rPr lang="fr-CA" dirty="0" err="1"/>
+              <a:t>task</a:t>
+            </a:r>
+            <a:r>
+              <a:rPr lang="fr-CA" dirty="0"/>
+              <a:t> </a:t>
+            </a:r>
+            <a:r>
+              <a:rPr lang="fr-CA" dirty="0" err="1"/>
+              <a:t>is</a:t>
+            </a:r>
+            <a:r>
+              <a:rPr lang="fr-CA" dirty="0"/>
+              <a:t> </a:t>
+            </a:r>
+            <a:r>
+              <a:rPr lang="fr-CA" dirty="0" err="1"/>
+              <a:t>extremely</a:t>
+            </a:r>
+            <a:r>
+              <a:rPr lang="fr-CA" dirty="0"/>
+              <a:t> </a:t>
+            </a:r>
+            <a:r>
+              <a:rPr lang="fr-CA" dirty="0" err="1"/>
+              <a:t>specific</a:t>
+            </a:r>
+            <a:r>
+              <a:rPr lang="fr-CA" dirty="0"/>
+              <a:t>. </a:t>
+            </a:r>
+          </a:p>
+          <a:p>
+            <a:r>
+              <a:rPr lang="fr-CA" dirty="0" err="1"/>
+              <a:t>When</a:t>
+            </a:r>
+            <a:r>
+              <a:rPr lang="fr-CA" dirty="0"/>
+              <a:t> </a:t>
+            </a:r>
+            <a:r>
+              <a:rPr lang="fr-CA" dirty="0" err="1"/>
+              <a:t>you</a:t>
+            </a:r>
+            <a:r>
+              <a:rPr lang="fr-CA" dirty="0"/>
+              <a:t> fine-tune </a:t>
+            </a:r>
+            <a:r>
+              <a:rPr lang="fr-CA" dirty="0" err="1"/>
+              <a:t>your</a:t>
+            </a:r>
+            <a:r>
+              <a:rPr lang="fr-CA" dirty="0"/>
+              <a:t> model, use a </a:t>
+            </a:r>
+            <a:r>
+              <a:rPr lang="fr-CA" dirty="0" err="1"/>
+              <a:t>very</a:t>
+            </a:r>
+            <a:r>
+              <a:rPr lang="fr-CA" dirty="0"/>
+              <a:t> </a:t>
+            </a:r>
+            <a:r>
+              <a:rPr lang="fr-CA" dirty="0" err="1"/>
+              <a:t>small</a:t>
+            </a:r>
+            <a:r>
+              <a:rPr lang="fr-CA" dirty="0"/>
+              <a:t> </a:t>
+            </a:r>
+            <a:r>
+              <a:rPr lang="fr-CA" dirty="0" err="1"/>
+              <a:t>learning</a:t>
+            </a:r>
+            <a:r>
+              <a:rPr lang="fr-CA" dirty="0"/>
+              <a:t> rate.</a:t>
+            </a:r>
+          </a:p>
+          <a:p>
+            <a:r>
+              <a:rPr lang="fr-CA" dirty="0" err="1"/>
+              <a:t>Expect</a:t>
+            </a:r>
+            <a:r>
+              <a:rPr lang="fr-CA" dirty="0"/>
+              <a:t> to have to </a:t>
+            </a:r>
+            <a:r>
+              <a:rPr lang="fr-CA" dirty="0" err="1"/>
+              <a:t>try</a:t>
+            </a:r>
+            <a:r>
+              <a:rPr lang="fr-CA" dirty="0"/>
+              <a:t> multiple times, as the model </a:t>
+            </a:r>
+            <a:r>
+              <a:rPr lang="fr-CA" dirty="0" err="1"/>
+              <a:t>will</a:t>
+            </a:r>
+            <a:r>
+              <a:rPr lang="fr-CA" dirty="0"/>
+              <a:t> </a:t>
+            </a:r>
+            <a:r>
+              <a:rPr lang="fr-CA" dirty="0" err="1"/>
+              <a:t>probably</a:t>
+            </a:r>
+            <a:r>
+              <a:rPr lang="fr-CA" dirty="0"/>
+              <a:t> lose a lot of </a:t>
+            </a:r>
+            <a:r>
+              <a:rPr lang="fr-CA" dirty="0" err="1"/>
+              <a:t>its</a:t>
+            </a:r>
+            <a:r>
+              <a:rPr lang="fr-CA" dirty="0"/>
+              <a:t> good </a:t>
+            </a:r>
+            <a:r>
+              <a:rPr lang="fr-CA" dirty="0" err="1"/>
+              <a:t>reasoning</a:t>
+            </a:r>
+            <a:r>
+              <a:rPr lang="fr-CA" dirty="0"/>
+              <a:t> </a:t>
+            </a:r>
+            <a:r>
+              <a:rPr lang="fr-CA" dirty="0" err="1"/>
+              <a:t>abilities</a:t>
+            </a:r>
+            <a:r>
+              <a:rPr lang="fr-CA" dirty="0"/>
+              <a:t>. </a:t>
+            </a:r>
+            <a:r>
+              <a:rPr lang="fr-CA" dirty="0" err="1"/>
+              <a:t>Make</a:t>
+            </a:r>
+            <a:r>
+              <a:rPr lang="fr-CA" dirty="0"/>
+              <a:t> sure </a:t>
+            </a:r>
+            <a:r>
+              <a:rPr lang="fr-CA" dirty="0" err="1"/>
+              <a:t>your</a:t>
+            </a:r>
+            <a:r>
+              <a:rPr lang="fr-CA" dirty="0"/>
+              <a:t> test set </a:t>
+            </a:r>
+            <a:r>
+              <a:rPr lang="fr-CA" dirty="0" err="1"/>
+              <a:t>is</a:t>
+            </a:r>
+            <a:r>
+              <a:rPr lang="fr-CA" dirty="0"/>
+              <a:t> </a:t>
+            </a:r>
+            <a:r>
+              <a:rPr lang="fr-CA" dirty="0" err="1"/>
+              <a:t>solid</a:t>
+            </a:r>
+            <a:r>
+              <a:rPr lang="fr-CA" dirty="0"/>
+              <a:t> and </a:t>
+            </a:r>
+            <a:r>
+              <a:rPr lang="fr-CA" dirty="0" err="1"/>
+              <a:t>representative</a:t>
+            </a:r>
+            <a:r>
+              <a:rPr lang="fr-CA" dirty="0"/>
+              <a:t> of </a:t>
+            </a:r>
+            <a:r>
+              <a:rPr lang="fr-CA" dirty="0" err="1"/>
+              <a:t>your</a:t>
+            </a:r>
+            <a:r>
+              <a:rPr lang="fr-CA" dirty="0"/>
+              <a:t> final use-case.</a:t>
+            </a:r>
+          </a:p>
+          <a:p>
+            <a:r>
+              <a:rPr lang="fr-CA" dirty="0" err="1"/>
+              <a:t>It’s</a:t>
+            </a:r>
+            <a:r>
+              <a:rPr lang="fr-CA" dirty="0"/>
+              <a:t> </a:t>
+            </a:r>
+            <a:r>
+              <a:rPr lang="fr-CA" dirty="0" err="1"/>
+              <a:t>unlikely</a:t>
+            </a:r>
+            <a:r>
+              <a:rPr lang="fr-CA" dirty="0"/>
+              <a:t> </a:t>
+            </a:r>
+            <a:r>
+              <a:rPr lang="fr-CA" dirty="0" err="1"/>
+              <a:t>that</a:t>
+            </a:r>
+            <a:r>
+              <a:rPr lang="fr-CA" dirty="0"/>
+              <a:t> </a:t>
+            </a:r>
+            <a:r>
+              <a:rPr lang="fr-CA" dirty="0" err="1"/>
+              <a:t>you</a:t>
+            </a:r>
+            <a:r>
+              <a:rPr lang="fr-CA" dirty="0"/>
+              <a:t> </a:t>
+            </a:r>
+            <a:r>
+              <a:rPr lang="fr-CA" dirty="0" err="1"/>
+              <a:t>will</a:t>
+            </a:r>
+            <a:r>
+              <a:rPr lang="fr-CA" dirty="0"/>
+              <a:t> </a:t>
+            </a:r>
+            <a:r>
+              <a:rPr lang="fr-CA" dirty="0" err="1"/>
+              <a:t>get</a:t>
+            </a:r>
+            <a:r>
+              <a:rPr lang="fr-CA" dirty="0"/>
+              <a:t> </a:t>
+            </a:r>
+            <a:r>
+              <a:rPr lang="fr-CA" dirty="0" err="1"/>
+              <a:t>both</a:t>
+            </a:r>
+            <a:r>
+              <a:rPr lang="fr-CA" dirty="0"/>
+              <a:t> a model </a:t>
+            </a:r>
+            <a:r>
+              <a:rPr lang="fr-CA" dirty="0" err="1"/>
+              <a:t>that</a:t>
+            </a:r>
+            <a:r>
+              <a:rPr lang="fr-CA" dirty="0"/>
+              <a:t> </a:t>
+            </a:r>
+            <a:r>
+              <a:rPr lang="fr-CA" dirty="0" err="1"/>
+              <a:t>is</a:t>
+            </a:r>
+            <a:r>
+              <a:rPr lang="fr-CA" dirty="0"/>
+              <a:t> </a:t>
+            </a:r>
+            <a:r>
+              <a:rPr lang="fr-CA" dirty="0" err="1"/>
+              <a:t>still</a:t>
+            </a:r>
+            <a:r>
+              <a:rPr lang="fr-CA" dirty="0"/>
+              <a:t> a </a:t>
+            </a:r>
+            <a:r>
+              <a:rPr lang="fr-CA" dirty="0" err="1"/>
+              <a:t>generalist</a:t>
+            </a:r>
+            <a:r>
+              <a:rPr lang="fr-CA" dirty="0"/>
+              <a:t> model </a:t>
+            </a:r>
+            <a:r>
+              <a:rPr lang="fr-CA" dirty="0" err="1"/>
+              <a:t>while</a:t>
+            </a:r>
+            <a:r>
+              <a:rPr lang="fr-CA" dirty="0"/>
+              <a:t> </a:t>
+            </a:r>
+            <a:r>
+              <a:rPr lang="fr-CA" dirty="0" err="1"/>
+              <a:t>also</a:t>
+            </a:r>
+            <a:r>
+              <a:rPr lang="fr-CA" dirty="0"/>
+              <a:t> </a:t>
+            </a:r>
+            <a:r>
+              <a:rPr lang="fr-CA" dirty="0" err="1"/>
+              <a:t>great</a:t>
+            </a:r>
+            <a:r>
+              <a:rPr lang="fr-CA" dirty="0"/>
+              <a:t> at the new </a:t>
+            </a:r>
+            <a:r>
+              <a:rPr lang="fr-CA" dirty="0" err="1"/>
+              <a:t>task</a:t>
+            </a:r>
+            <a:r>
+              <a:rPr lang="fr-CA" dirty="0"/>
+              <a:t> </a:t>
+            </a:r>
+            <a:r>
+              <a:rPr lang="fr-CA" dirty="0" err="1"/>
+              <a:t>you</a:t>
+            </a:r>
+            <a:r>
+              <a:rPr lang="fr-CA" dirty="0"/>
+              <a:t> fine-</a:t>
+            </a:r>
+            <a:r>
+              <a:rPr lang="fr-CA" dirty="0" err="1"/>
+              <a:t>tuned</a:t>
+            </a:r>
+            <a:r>
+              <a:rPr lang="fr-CA" dirty="0"/>
+              <a:t> </a:t>
+            </a:r>
+            <a:r>
+              <a:rPr lang="fr-CA" dirty="0" err="1"/>
+              <a:t>it</a:t>
+            </a:r>
+            <a:r>
+              <a:rPr lang="fr-CA" dirty="0"/>
+              <a:t> for. More </a:t>
+            </a:r>
+            <a:r>
+              <a:rPr lang="fr-CA" dirty="0" err="1"/>
+              <a:t>likely</a:t>
+            </a:r>
+            <a:r>
+              <a:rPr lang="fr-CA" dirty="0"/>
+              <a:t>, </a:t>
+            </a:r>
+            <a:r>
+              <a:rPr lang="fr-CA" dirty="0" err="1"/>
+              <a:t>you</a:t>
+            </a:r>
+            <a:r>
+              <a:rPr lang="fr-CA" dirty="0"/>
+              <a:t> can </a:t>
+            </a:r>
+            <a:r>
+              <a:rPr lang="fr-CA" dirty="0" err="1"/>
+              <a:t>make</a:t>
+            </a:r>
+            <a:r>
+              <a:rPr lang="fr-CA" dirty="0"/>
+              <a:t> a model </a:t>
+            </a:r>
+            <a:r>
+              <a:rPr lang="fr-CA" dirty="0" err="1"/>
+              <a:t>that</a:t>
+            </a:r>
+            <a:r>
+              <a:rPr lang="fr-CA" dirty="0"/>
+              <a:t> </a:t>
+            </a:r>
+            <a:r>
+              <a:rPr lang="fr-CA" dirty="0" err="1"/>
+              <a:t>is</a:t>
+            </a:r>
+            <a:r>
+              <a:rPr lang="fr-CA" dirty="0"/>
+              <a:t> </a:t>
+            </a:r>
+            <a:r>
+              <a:rPr lang="fr-CA" dirty="0" err="1"/>
+              <a:t>slightly</a:t>
+            </a:r>
+            <a:r>
+              <a:rPr lang="fr-CA" dirty="0"/>
+              <a:t> </a:t>
+            </a:r>
+            <a:r>
+              <a:rPr lang="fr-CA" dirty="0" err="1"/>
+              <a:t>better</a:t>
+            </a:r>
+            <a:r>
+              <a:rPr lang="fr-CA" dirty="0"/>
+              <a:t> at </a:t>
+            </a:r>
+            <a:r>
+              <a:rPr lang="fr-CA" dirty="0" err="1"/>
+              <a:t>your</a:t>
+            </a:r>
+            <a:r>
+              <a:rPr lang="fr-CA" dirty="0"/>
+              <a:t> </a:t>
+            </a:r>
+            <a:r>
+              <a:rPr lang="fr-CA" dirty="0" err="1"/>
+              <a:t>specific</a:t>
+            </a:r>
+            <a:r>
+              <a:rPr lang="fr-CA" dirty="0"/>
+              <a:t> </a:t>
+            </a:r>
+            <a:r>
+              <a:rPr lang="fr-CA" dirty="0" err="1"/>
+              <a:t>task</a:t>
+            </a:r>
+            <a:r>
+              <a:rPr lang="fr-CA" dirty="0"/>
+              <a:t>, </a:t>
+            </a:r>
+            <a:r>
+              <a:rPr lang="fr-CA" dirty="0" err="1"/>
+              <a:t>while</a:t>
+            </a:r>
+            <a:r>
+              <a:rPr lang="fr-CA" dirty="0"/>
+              <a:t> </a:t>
+            </a:r>
+            <a:r>
+              <a:rPr lang="fr-CA" dirty="0" err="1"/>
+              <a:t>much</a:t>
+            </a:r>
+            <a:r>
+              <a:rPr lang="fr-CA" dirty="0"/>
+              <a:t> </a:t>
+            </a:r>
+            <a:r>
+              <a:rPr lang="fr-CA" dirty="0" err="1"/>
+              <a:t>worst</a:t>
+            </a:r>
+            <a:r>
+              <a:rPr lang="fr-CA" dirty="0"/>
+              <a:t> as a </a:t>
+            </a:r>
+            <a:r>
+              <a:rPr lang="fr-CA" dirty="0" err="1"/>
+              <a:t>generalist</a:t>
+            </a:r>
+            <a:r>
+              <a:rPr lang="fr-CA" dirty="0"/>
+              <a:t> model.</a:t>
+            </a:r>
+          </a:p>
+          <a:p>
+            <a:r>
+              <a:rPr lang="fr-CA" dirty="0"/>
+              <a:t>Use LoRa, use </a:t>
+            </a:r>
+            <a:r>
+              <a:rPr lang="fr-CA" dirty="0" err="1"/>
+              <a:t>unsloth</a:t>
+            </a:r>
+            <a:endParaRPr lang="en-CA" dirty="0"/>
+          </a:p>
+        </p:txBody>
+      </p:sp>
+    </p:spTree>
+    <p:extLst>
+      <p:ext uri="{BB962C8B-B14F-4D97-AF65-F5344CB8AC3E}">
+        <p14:creationId xmlns:p14="http://schemas.microsoft.com/office/powerpoint/2010/main" val="3135632193"/>
+      </p:ext>
+    </p:extLst>
+  </p:cSld>
+  <p:clrMapOvr>
+    <a:masterClrMapping/>
+  </p:clrMapOvr>
+</p:sld>
+</file>
+
+<file path=ppt/slides/slide28.xml><?xml version="1.0" encoding="utf-8"?>
 <p:sld xmlns:a="http://schemas.openxmlformats.org/drawingml/2006/main" xmlns:r="http://schemas.openxmlformats.org/officeDocument/2006/relationships" xmlns:p="http://schemas.openxmlformats.org/presentationml/2006/main">
   <p:cSld>
     <p:bg>

--- a/presentation/multimodal_presentation_2025-06-13.pptx
+++ b/presentation/multimodal_presentation_2025-06-13.pptx
@@ -12948,7 +12948,7 @@
         </p:nvSpPr>
         <p:spPr>
           <a:xfrm>
-            <a:off x="677334" y="609600"/>
+            <a:off x="677334" y="567266"/>
             <a:ext cx="8596668" cy="1320800"/>
           </a:xfrm>
         </p:spPr>
@@ -13785,7 +13785,7 @@
           <a:lstStyle/>
           <a:p>
             <a:r>
-              <a:rPr lang="en-US" kern="1200">
+              <a:rPr lang="en-US" kern="1200" dirty="0">
                 <a:latin typeface="+mj-lt"/>
                 <a:ea typeface="+mj-ea"/>
                 <a:cs typeface="+mj-cs"/>
@@ -13864,7 +13864,7 @@
           <a:p>
             <a:r>
               <a:rPr lang="en-US" sz="1500" dirty="0"/>
-              <a:t>Embedding model to embed the documents and queries</a:t>
+              <a:t>Embedding model to embed the documents and queries </a:t>
             </a:r>
           </a:p>
           <a:p>
@@ -17218,13 +17218,8 @@
           <a:p>
             <a:r>
               <a:rPr lang="en-CA" noProof="0" dirty="0"/>
-              <a:t>Principal data scientist at a </a:t>
-            </a:r>
-            <a:r>
-              <a:rPr lang="en-CA" noProof="0"/>
-              <a:t>telecommunications company</a:t>
-            </a:r>
-            <a:endParaRPr lang="en-CA" noProof="0" dirty="0"/>
+              <a:t>Principal data scientist at a telecommunications company</a:t>
+            </a:r>
           </a:p>
           <a:p>
             <a:r>
@@ -18929,7 +18924,7 @@
             </a:pPr>
             <a:r>
               <a:rPr lang="en-CA" noProof="0" dirty="0"/>
-              <a:t>Fine-tuning a VLM is generally not recommended, unless you have an hyper-specific use-case, access to A100s and lots of high-quality data</a:t>
+              <a:t>Fine-tuning a VLM is generally not recommended, unless you have a hyper-specific use-case, access to A100s and lots of high-quality data</a:t>
             </a:r>
           </a:p>
           <a:p>
@@ -23179,7 +23174,7 @@
           <a:p>
             <a:r>
               <a:rPr lang="en-CA" noProof="0" dirty="0"/>
-              <a:t>"Open" models</a:t>
+              <a:t>"Open-weight" models</a:t>
             </a:r>
           </a:p>
         </p:txBody>
@@ -24544,7 +24539,7 @@
             </a:pPr>
             <a:r>
               <a:rPr lang="en-CA" noProof="0" dirty="0"/>
-              <a:t>Large, proprietary closed-source models like GPT and Gemin</a:t>
+              <a:t>Large, proprietary closed-source models like GPT and Gemini</a:t>
             </a:r>
           </a:p>
           <a:p>
@@ -24555,8 +24550,13 @@
             </a:pPr>
             <a:r>
               <a:rPr lang="en-CA" noProof="0" dirty="0"/>
-              <a:t>Lightweight, open-source models like doc</a:t>
-            </a:r>
+              <a:t>Lightweight, open-source models like </a:t>
+            </a:r>
+            <a:r>
+              <a:rPr lang="en-CA" noProof="0" dirty="0" err="1"/>
+              <a:t>doctr</a:t>
+            </a:r>
+            <a:endParaRPr lang="en-CA" noProof="0" dirty="0"/>
           </a:p>
           <a:p>
             <a:pPr marL="0" indent="0">
